--- a/TexasDistrictForecast.pptx
+++ b/TexasDistrictForecast.pptx
@@ -10,10 +10,14 @@
     <p:sldId id="259" r:id="rId4"/>
     <p:sldId id="260" r:id="rId5"/>
     <p:sldId id="273" r:id="rId6"/>
-    <p:sldId id="274" r:id="rId7"/>
-    <p:sldId id="276" r:id="rId8"/>
-    <p:sldId id="275" r:id="rId9"/>
-    <p:sldId id="262" r:id="rId10"/>
+    <p:sldId id="276" r:id="rId7"/>
+    <p:sldId id="275" r:id="rId8"/>
+    <p:sldId id="262" r:id="rId9"/>
+    <p:sldId id="277" r:id="rId10"/>
+    <p:sldId id="278" r:id="rId11"/>
+    <p:sldId id="279" r:id="rId12"/>
+    <p:sldId id="280" r:id="rId13"/>
+    <p:sldId id="281" r:id="rId14"/>
   </p:sldIdLst>
   <p:sldSz cx="12192000" cy="6858000"/>
   <p:notesSz cx="6858000" cy="9144000"/>
@@ -112,6 +116,11 @@
       </a:defRPr>
     </a:lvl9pPr>
   </p:defaultTextStyle>
+  <p:extLst>
+    <p:ext uri="{EFAFB233-063F-42B5-8137-9DF3F51BA10A}">
+      <p15:sldGuideLst xmlns:p15="http://schemas.microsoft.com/office/powerpoint/2012/main"/>
+    </p:ext>
+  </p:extLst>
 </p:presentation>
 </file>
 
@@ -262,7 +271,7 @@
           <a:p>
             <a:fld id="{D8A0F69C-4D49-4D49-989B-4887897EB134}" type="datetimeFigureOut">
               <a:rPr lang="en-US" smtClean="0"/>
-              <a:t>3/1/2020</a:t>
+              <a:t>3/18/2020</a:t>
             </a:fld>
             <a:endParaRPr lang="en-US"/>
           </a:p>
@@ -460,7 +469,7 @@
           <a:p>
             <a:fld id="{D8A0F69C-4D49-4D49-989B-4887897EB134}" type="datetimeFigureOut">
               <a:rPr lang="en-US" smtClean="0"/>
-              <a:t>3/1/2020</a:t>
+              <a:t>3/18/2020</a:t>
             </a:fld>
             <a:endParaRPr lang="en-US"/>
           </a:p>
@@ -668,7 +677,7 @@
           <a:p>
             <a:fld id="{D8A0F69C-4D49-4D49-989B-4887897EB134}" type="datetimeFigureOut">
               <a:rPr lang="en-US" smtClean="0"/>
-              <a:t>3/1/2020</a:t>
+              <a:t>3/18/2020</a:t>
             </a:fld>
             <a:endParaRPr lang="en-US"/>
           </a:p>
@@ -866,7 +875,7 @@
           <a:p>
             <a:fld id="{D8A0F69C-4D49-4D49-989B-4887897EB134}" type="datetimeFigureOut">
               <a:rPr lang="en-US" smtClean="0"/>
-              <a:t>3/1/2020</a:t>
+              <a:t>3/18/2020</a:t>
             </a:fld>
             <a:endParaRPr lang="en-US"/>
           </a:p>
@@ -1141,7 +1150,7 @@
           <a:p>
             <a:fld id="{D8A0F69C-4D49-4D49-989B-4887897EB134}" type="datetimeFigureOut">
               <a:rPr lang="en-US" smtClean="0"/>
-              <a:t>3/1/2020</a:t>
+              <a:t>3/18/2020</a:t>
             </a:fld>
             <a:endParaRPr lang="en-US"/>
           </a:p>
@@ -1406,7 +1415,7 @@
           <a:p>
             <a:fld id="{D8A0F69C-4D49-4D49-989B-4887897EB134}" type="datetimeFigureOut">
               <a:rPr lang="en-US" smtClean="0"/>
-              <a:t>3/1/2020</a:t>
+              <a:t>3/18/2020</a:t>
             </a:fld>
             <a:endParaRPr lang="en-US"/>
           </a:p>
@@ -1818,7 +1827,7 @@
           <a:p>
             <a:fld id="{D8A0F69C-4D49-4D49-989B-4887897EB134}" type="datetimeFigureOut">
               <a:rPr lang="en-US" smtClean="0"/>
-              <a:t>3/1/2020</a:t>
+              <a:t>3/18/2020</a:t>
             </a:fld>
             <a:endParaRPr lang="en-US"/>
           </a:p>
@@ -1959,7 +1968,7 @@
           <a:p>
             <a:fld id="{D8A0F69C-4D49-4D49-989B-4887897EB134}" type="datetimeFigureOut">
               <a:rPr lang="en-US" smtClean="0"/>
-              <a:t>3/1/2020</a:t>
+              <a:t>3/18/2020</a:t>
             </a:fld>
             <a:endParaRPr lang="en-US"/>
           </a:p>
@@ -2072,7 +2081,7 @@
           <a:p>
             <a:fld id="{D8A0F69C-4D49-4D49-989B-4887897EB134}" type="datetimeFigureOut">
               <a:rPr lang="en-US" smtClean="0"/>
-              <a:t>3/1/2020</a:t>
+              <a:t>3/18/2020</a:t>
             </a:fld>
             <a:endParaRPr lang="en-US"/>
           </a:p>
@@ -2383,7 +2392,7 @@
           <a:p>
             <a:fld id="{D8A0F69C-4D49-4D49-989B-4887897EB134}" type="datetimeFigureOut">
               <a:rPr lang="en-US" smtClean="0"/>
-              <a:t>3/1/2020</a:t>
+              <a:t>3/18/2020</a:t>
             </a:fld>
             <a:endParaRPr lang="en-US"/>
           </a:p>
@@ -2671,7 +2680,7 @@
           <a:p>
             <a:fld id="{D8A0F69C-4D49-4D49-989B-4887897EB134}" type="datetimeFigureOut">
               <a:rPr lang="en-US" smtClean="0"/>
-              <a:t>3/1/2020</a:t>
+              <a:t>3/18/2020</a:t>
             </a:fld>
             <a:endParaRPr lang="en-US"/>
           </a:p>
@@ -2912,7 +2921,7 @@
           <a:p>
             <a:fld id="{D8A0F69C-4D49-4D49-989B-4887897EB134}" type="datetimeFigureOut">
               <a:rPr lang="en-US" smtClean="0"/>
-              <a:t>3/1/2020</a:t>
+              <a:t>3/18/2020</a:t>
             </a:fld>
             <a:endParaRPr lang="en-US"/>
           </a:p>
@@ -3347,7 +3356,7 @@
         </p:nvSpPr>
         <p:spPr>
           <a:xfrm>
-            <a:off x="500060" y="1342774"/>
+            <a:off x="500059" y="2722395"/>
             <a:ext cx="11191875" cy="2876300"/>
           </a:xfrm>
         </p:spPr>
@@ -3359,15 +3368,19 @@
           <a:p>
             <a:r>
               <a:rPr lang="en-US" sz="7200" b="1" dirty="0"/>
-              <a:t>Texas School District Analysis:</a:t>
+              <a:t>Texas Education:</a:t>
             </a:r>
             <a:br>
               <a:rPr lang="en-US" sz="7200" b="1" dirty="0"/>
             </a:br>
             <a:r>
-              <a:rPr lang="en-US" sz="7200" i="1" dirty="0"/>
-              <a:t>Classifying Districts on Their Ability to Prepare Students for College</a:t>
-            </a:r>
+              <a:rPr lang="en-US" i="1" dirty="0"/>
+              <a:t>(Predicting Percentage of Students Who Will Graduate College Within 4-Years, Based on the Features of the School District They Attended High School in)</a:t>
+            </a:r>
+            <a:br>
+              <a:rPr lang="en-US" dirty="0"/>
+            </a:br>
+            <a:endParaRPr lang="en-US" sz="7200" i="1" dirty="0"/>
           </a:p>
         </p:txBody>
       </p:sp>
@@ -3389,7 +3402,7 @@
         </p:nvSpPr>
         <p:spPr>
           <a:xfrm>
-            <a:off x="1523997" y="4484354"/>
+            <a:off x="1523996" y="4770814"/>
             <a:ext cx="9144000" cy="1655762"/>
           </a:xfrm>
         </p:spPr>
@@ -3401,7 +3414,7 @@
           </a:p>
           <a:p>
             <a:r>
-              <a:rPr lang="en-US" sz="4800" dirty="0"/>
+              <a:rPr lang="en-US" sz="5400" dirty="0"/>
               <a:t>Capstone 1 Project </a:t>
             </a:r>
           </a:p>
@@ -3411,6 +3424,726 @@
     <p:extLst>
       <p:ext uri="{BB962C8B-B14F-4D97-AF65-F5344CB8AC3E}">
         <p14:creationId xmlns:p14="http://schemas.microsoft.com/office/powerpoint/2010/main" val="2783812058"/>
+      </p:ext>
+    </p:extLst>
+  </p:cSld>
+  <p:clrMapOvr>
+    <a:masterClrMapping/>
+  </p:clrMapOvr>
+</p:sld>
+</file>
+
+<file path=ppt/slides/slide10.xml><?xml version="1.0" encoding="utf-8"?>
+<p:sld xmlns:a="http://schemas.openxmlformats.org/drawingml/2006/main" xmlns:r="http://schemas.openxmlformats.org/officeDocument/2006/relationships" xmlns:p="http://schemas.openxmlformats.org/presentationml/2006/main">
+  <p:cSld>
+    <p:spTree>
+      <p:nvGrpSpPr>
+        <p:cNvPr id="1" name=""/>
+        <p:cNvGrpSpPr/>
+        <p:nvPr/>
+      </p:nvGrpSpPr>
+      <p:grpSpPr>
+        <a:xfrm>
+          <a:off x="0" y="0"/>
+          <a:ext cx="0" cy="0"/>
+          <a:chOff x="0" y="0"/>
+          <a:chExt cx="0" cy="0"/>
+        </a:xfrm>
+      </p:grpSpPr>
+      <p:sp>
+        <p:nvSpPr>
+          <p:cNvPr id="2" name="Title 1">
+            <a:extLst>
+              <a:ext uri="{FF2B5EF4-FFF2-40B4-BE49-F238E27FC236}">
+                <a16:creationId xmlns:a16="http://schemas.microsoft.com/office/drawing/2014/main" id="{7EABDBA1-D72D-48C8-AED4-07A54FFEDEAC}"/>
+              </a:ext>
+            </a:extLst>
+          </p:cNvPr>
+          <p:cNvSpPr>
+            <a:spLocks noGrp="1"/>
+          </p:cNvSpPr>
+          <p:nvPr>
+            <p:ph type="title"/>
+          </p:nvPr>
+        </p:nvSpPr>
+        <p:spPr>
+          <a:xfrm>
+            <a:off x="838200" y="-144378"/>
+            <a:ext cx="10515600" cy="783850"/>
+          </a:xfrm>
+        </p:spPr>
+        <p:txBody>
+          <a:bodyPr>
+            <a:normAutofit/>
+          </a:bodyPr>
+          <a:lstStyle/>
+          <a:p>
+            <a:pPr algn="ctr"/>
+            <a:r>
+              <a:rPr lang="en-US" sz="2800" b="1" dirty="0"/>
+              <a:t>Data Analysis: (SAT/ACT Participation %)</a:t>
+            </a:r>
+          </a:p>
+        </p:txBody>
+      </p:sp>
+      <p:pic>
+        <p:nvPicPr>
+          <p:cNvPr id="4" name="Picture 3">
+            <a:extLst>
+              <a:ext uri="{FF2B5EF4-FFF2-40B4-BE49-F238E27FC236}">
+                <a16:creationId xmlns:a16="http://schemas.microsoft.com/office/drawing/2014/main" id="{46CBA4CD-D62F-4008-A0A2-B3DE2A3A19FF}"/>
+              </a:ext>
+            </a:extLst>
+          </p:cNvPr>
+          <p:cNvPicPr/>
+          <p:nvPr/>
+        </p:nvPicPr>
+        <p:blipFill>
+          <a:blip r:embed="rId2"/>
+          <a:stretch>
+            <a:fillRect/>
+          </a:stretch>
+        </p:blipFill>
+        <p:spPr>
+          <a:xfrm>
+            <a:off x="3701716" y="639472"/>
+            <a:ext cx="8490284" cy="1975392"/>
+          </a:xfrm>
+          <a:prstGeom prst="rect">
+            <a:avLst/>
+          </a:prstGeom>
+        </p:spPr>
+      </p:pic>
+      <p:pic>
+        <p:nvPicPr>
+          <p:cNvPr id="5" name="Picture 4">
+            <a:extLst>
+              <a:ext uri="{FF2B5EF4-FFF2-40B4-BE49-F238E27FC236}">
+                <a16:creationId xmlns:a16="http://schemas.microsoft.com/office/drawing/2014/main" id="{735353E9-320A-479C-8D66-5BFD10668512}"/>
+              </a:ext>
+            </a:extLst>
+          </p:cNvPr>
+          <p:cNvPicPr/>
+          <p:nvPr/>
+        </p:nvPicPr>
+        <p:blipFill>
+          <a:blip r:embed="rId3"/>
+          <a:stretch>
+            <a:fillRect/>
+          </a:stretch>
+        </p:blipFill>
+        <p:spPr>
+          <a:xfrm>
+            <a:off x="3701716" y="2614864"/>
+            <a:ext cx="8490284" cy="4243136"/>
+          </a:xfrm>
+          <a:prstGeom prst="rect">
+            <a:avLst/>
+          </a:prstGeom>
+        </p:spPr>
+      </p:pic>
+      <p:sp>
+        <p:nvSpPr>
+          <p:cNvPr id="6" name="TextBox 5">
+            <a:extLst>
+              <a:ext uri="{FF2B5EF4-FFF2-40B4-BE49-F238E27FC236}">
+                <a16:creationId xmlns:a16="http://schemas.microsoft.com/office/drawing/2014/main" id="{70728AB2-5B62-44A7-973A-832C0E112FC6}"/>
+              </a:ext>
+            </a:extLst>
+          </p:cNvPr>
+          <p:cNvSpPr txBox="1"/>
+          <p:nvPr/>
+        </p:nvSpPr>
+        <p:spPr>
+          <a:xfrm>
+            <a:off x="0" y="639472"/>
+            <a:ext cx="3701716" cy="6124754"/>
+          </a:xfrm>
+          <a:prstGeom prst="rect">
+            <a:avLst/>
+          </a:prstGeom>
+          <a:noFill/>
+        </p:spPr>
+        <p:txBody>
+          <a:bodyPr wrap="square" rtlCol="0">
+            <a:spAutoFit/>
+          </a:bodyPr>
+          <a:lstStyle/>
+          <a:p>
+            <a:pPr marL="285750" indent="-285750">
+              <a:buFont typeface="Arial" panose="020B0604020202020204" pitchFamily="34" charset="0"/>
+              <a:buChar char="•"/>
+            </a:pPr>
+            <a:r>
+              <a:rPr lang="en-US" sz="2800" dirty="0"/>
+              <a:t>It appears that the classes of 2011 – 2017 all appeared to favor taking the SAT. Why is this? </a:t>
+            </a:r>
+          </a:p>
+          <a:p>
+            <a:endParaRPr lang="en-US" sz="2800" dirty="0"/>
+          </a:p>
+          <a:p>
+            <a:pPr marL="285750" indent="-285750">
+              <a:buFont typeface="Arial" panose="020B0604020202020204" pitchFamily="34" charset="0"/>
+              <a:buChar char="•"/>
+            </a:pPr>
+            <a:r>
+              <a:rPr lang="en-US" sz="2800" dirty="0"/>
+              <a:t>It’s extremely curious that this trend exists when you consider that all it takes is doing well on one of the two tests to gain college admission and receive scholarship </a:t>
+            </a:r>
+          </a:p>
+        </p:txBody>
+      </p:sp>
+    </p:spTree>
+    <p:extLst>
+      <p:ext uri="{BB962C8B-B14F-4D97-AF65-F5344CB8AC3E}">
+        <p14:creationId xmlns:p14="http://schemas.microsoft.com/office/powerpoint/2010/main" val="694715857"/>
+      </p:ext>
+    </p:extLst>
+  </p:cSld>
+  <p:clrMapOvr>
+    <a:masterClrMapping/>
+  </p:clrMapOvr>
+</p:sld>
+</file>
+
+<file path=ppt/slides/slide11.xml><?xml version="1.0" encoding="utf-8"?>
+<p:sld xmlns:a="http://schemas.openxmlformats.org/drawingml/2006/main" xmlns:r="http://schemas.openxmlformats.org/officeDocument/2006/relationships" xmlns:p="http://schemas.openxmlformats.org/presentationml/2006/main">
+  <p:cSld>
+    <p:spTree>
+      <p:nvGrpSpPr>
+        <p:cNvPr id="1" name=""/>
+        <p:cNvGrpSpPr/>
+        <p:nvPr/>
+      </p:nvGrpSpPr>
+      <p:grpSpPr>
+        <a:xfrm>
+          <a:off x="0" y="0"/>
+          <a:ext cx="0" cy="0"/>
+          <a:chOff x="0" y="0"/>
+          <a:chExt cx="0" cy="0"/>
+        </a:xfrm>
+      </p:grpSpPr>
+      <p:pic>
+        <p:nvPicPr>
+          <p:cNvPr id="4" name="Picture 3">
+            <a:extLst>
+              <a:ext uri="{FF2B5EF4-FFF2-40B4-BE49-F238E27FC236}">
+                <a16:creationId xmlns:a16="http://schemas.microsoft.com/office/drawing/2014/main" id="{39F6469F-193D-4FD1-B6FF-59E7C47EF9DA}"/>
+              </a:ext>
+            </a:extLst>
+          </p:cNvPr>
+          <p:cNvPicPr/>
+          <p:nvPr/>
+        </p:nvPicPr>
+        <p:blipFill>
+          <a:blip r:embed="rId2"/>
+          <a:stretch>
+            <a:fillRect/>
+          </a:stretch>
+        </p:blipFill>
+        <p:spPr>
+          <a:xfrm>
+            <a:off x="128337" y="563050"/>
+            <a:ext cx="11935326" cy="3078909"/>
+          </a:xfrm>
+          <a:prstGeom prst="rect">
+            <a:avLst/>
+          </a:prstGeom>
+        </p:spPr>
+      </p:pic>
+      <p:pic>
+        <p:nvPicPr>
+          <p:cNvPr id="5" name="Picture 4">
+            <a:extLst>
+              <a:ext uri="{FF2B5EF4-FFF2-40B4-BE49-F238E27FC236}">
+                <a16:creationId xmlns:a16="http://schemas.microsoft.com/office/drawing/2014/main" id="{DE6682D8-ACA7-48A8-A7DA-4CD77EF7B5D5}"/>
+              </a:ext>
+            </a:extLst>
+          </p:cNvPr>
+          <p:cNvPicPr/>
+          <p:nvPr/>
+        </p:nvPicPr>
+        <p:blipFill>
+          <a:blip r:embed="rId3"/>
+          <a:stretch>
+            <a:fillRect/>
+          </a:stretch>
+        </p:blipFill>
+        <p:spPr>
+          <a:xfrm>
+            <a:off x="64168" y="3641959"/>
+            <a:ext cx="12063663" cy="3216041"/>
+          </a:xfrm>
+          <a:prstGeom prst="rect">
+            <a:avLst/>
+          </a:prstGeom>
+        </p:spPr>
+      </p:pic>
+      <p:sp>
+        <p:nvSpPr>
+          <p:cNvPr id="6" name="TextBox 5">
+            <a:extLst>
+              <a:ext uri="{FF2B5EF4-FFF2-40B4-BE49-F238E27FC236}">
+                <a16:creationId xmlns:a16="http://schemas.microsoft.com/office/drawing/2014/main" id="{4CDD32CD-7EF0-484C-999F-6DA85D02AFCE}"/>
+              </a:ext>
+            </a:extLst>
+          </p:cNvPr>
+          <p:cNvSpPr txBox="1"/>
+          <p:nvPr/>
+        </p:nvSpPr>
+        <p:spPr>
+          <a:xfrm>
+            <a:off x="2133599" y="101385"/>
+            <a:ext cx="7924800" cy="461665"/>
+          </a:xfrm>
+          <a:prstGeom prst="rect">
+            <a:avLst/>
+          </a:prstGeom>
+          <a:noFill/>
+        </p:spPr>
+        <p:txBody>
+          <a:bodyPr wrap="square" rtlCol="0">
+            <a:spAutoFit/>
+          </a:bodyPr>
+          <a:lstStyle/>
+          <a:p>
+            <a:pPr algn="ctr"/>
+            <a:r>
+              <a:rPr lang="en-US" sz="2400" dirty="0"/>
+              <a:t>Data Analysis: (AP- Passing % and Wealth/ADA ($)</a:t>
+            </a:r>
+          </a:p>
+        </p:txBody>
+      </p:sp>
+      <p:sp>
+        <p:nvSpPr>
+          <p:cNvPr id="7" name="TextBox 6">
+            <a:extLst>
+              <a:ext uri="{FF2B5EF4-FFF2-40B4-BE49-F238E27FC236}">
+                <a16:creationId xmlns:a16="http://schemas.microsoft.com/office/drawing/2014/main" id="{C3207DD6-00EC-4D24-B49B-F2FA25707117}"/>
+              </a:ext>
+            </a:extLst>
+          </p:cNvPr>
+          <p:cNvSpPr txBox="1"/>
+          <p:nvPr/>
+        </p:nvSpPr>
+        <p:spPr>
+          <a:xfrm>
+            <a:off x="7443537" y="786075"/>
+            <a:ext cx="1507958" cy="923330"/>
+          </a:xfrm>
+          <a:prstGeom prst="rect">
+            <a:avLst/>
+          </a:prstGeom>
+          <a:noFill/>
+        </p:spPr>
+        <p:txBody>
+          <a:bodyPr wrap="square" rtlCol="0">
+            <a:spAutoFit/>
+          </a:bodyPr>
+          <a:lstStyle/>
+          <a:p>
+            <a:pPr algn="ctr"/>
+            <a:r>
+              <a:rPr lang="en-US" dirty="0"/>
+              <a:t>District-Level Mean:</a:t>
+            </a:r>
+          </a:p>
+          <a:p>
+            <a:pPr algn="ctr"/>
+            <a:r>
+              <a:rPr lang="en-US" dirty="0"/>
+              <a:t>45.1%</a:t>
+            </a:r>
+          </a:p>
+        </p:txBody>
+      </p:sp>
+      <p:sp>
+        <p:nvSpPr>
+          <p:cNvPr id="8" name="TextBox 7">
+            <a:extLst>
+              <a:ext uri="{FF2B5EF4-FFF2-40B4-BE49-F238E27FC236}">
+                <a16:creationId xmlns:a16="http://schemas.microsoft.com/office/drawing/2014/main" id="{4D1A01FF-297D-45DE-8BAB-55A54CD08433}"/>
+              </a:ext>
+            </a:extLst>
+          </p:cNvPr>
+          <p:cNvSpPr txBox="1"/>
+          <p:nvPr/>
+        </p:nvSpPr>
+        <p:spPr>
+          <a:xfrm>
+            <a:off x="9785684" y="4311595"/>
+            <a:ext cx="1507958" cy="923330"/>
+          </a:xfrm>
+          <a:prstGeom prst="rect">
+            <a:avLst/>
+          </a:prstGeom>
+          <a:noFill/>
+        </p:spPr>
+        <p:txBody>
+          <a:bodyPr wrap="square" rtlCol="0">
+            <a:spAutoFit/>
+          </a:bodyPr>
+          <a:lstStyle/>
+          <a:p>
+            <a:pPr algn="ctr"/>
+            <a:r>
+              <a:rPr lang="en-US" dirty="0"/>
+              <a:t>District-Level Mean:</a:t>
+            </a:r>
+          </a:p>
+          <a:p>
+            <a:pPr algn="ctr"/>
+            <a:r>
+              <a:rPr lang="en-US" dirty="0"/>
+              <a:t>$431,718</a:t>
+            </a:r>
+          </a:p>
+        </p:txBody>
+      </p:sp>
+    </p:spTree>
+    <p:extLst>
+      <p:ext uri="{BB962C8B-B14F-4D97-AF65-F5344CB8AC3E}">
+        <p14:creationId xmlns:p14="http://schemas.microsoft.com/office/powerpoint/2010/main" val="1871328371"/>
+      </p:ext>
+    </p:extLst>
+  </p:cSld>
+  <p:clrMapOvr>
+    <a:masterClrMapping/>
+  </p:clrMapOvr>
+</p:sld>
+</file>
+
+<file path=ppt/slides/slide12.xml><?xml version="1.0" encoding="utf-8"?>
+<p:sld xmlns:a="http://schemas.openxmlformats.org/drawingml/2006/main" xmlns:r="http://schemas.openxmlformats.org/officeDocument/2006/relationships" xmlns:p="http://schemas.openxmlformats.org/presentationml/2006/main">
+  <p:cSld>
+    <p:spTree>
+      <p:nvGrpSpPr>
+        <p:cNvPr id="1" name=""/>
+        <p:cNvGrpSpPr/>
+        <p:nvPr/>
+      </p:nvGrpSpPr>
+      <p:grpSpPr>
+        <a:xfrm>
+          <a:off x="0" y="0"/>
+          <a:ext cx="0" cy="0"/>
+          <a:chOff x="0" y="0"/>
+          <a:chExt cx="0" cy="0"/>
+        </a:xfrm>
+      </p:grpSpPr>
+      <p:pic>
+        <p:nvPicPr>
+          <p:cNvPr id="4" name="Picture 3">
+            <a:extLst>
+              <a:ext uri="{FF2B5EF4-FFF2-40B4-BE49-F238E27FC236}">
+                <a16:creationId xmlns:a16="http://schemas.microsoft.com/office/drawing/2014/main" id="{15034811-80EE-4B40-8F6B-F81550509D73}"/>
+              </a:ext>
+            </a:extLst>
+          </p:cNvPr>
+          <p:cNvPicPr/>
+          <p:nvPr/>
+        </p:nvPicPr>
+        <p:blipFill>
+          <a:blip r:embed="rId2"/>
+          <a:stretch>
+            <a:fillRect/>
+          </a:stretch>
+        </p:blipFill>
+        <p:spPr>
+          <a:xfrm>
+            <a:off x="4443663" y="1432169"/>
+            <a:ext cx="7748337" cy="5281451"/>
+          </a:xfrm>
+          <a:prstGeom prst="rect">
+            <a:avLst/>
+          </a:prstGeom>
+        </p:spPr>
+      </p:pic>
+      <p:sp>
+        <p:nvSpPr>
+          <p:cNvPr id="6" name="TextBox 5">
+            <a:extLst>
+              <a:ext uri="{FF2B5EF4-FFF2-40B4-BE49-F238E27FC236}">
+                <a16:creationId xmlns:a16="http://schemas.microsoft.com/office/drawing/2014/main" id="{61917F3E-63FA-42DF-9480-3BE14488E124}"/>
+              </a:ext>
+            </a:extLst>
+          </p:cNvPr>
+          <p:cNvSpPr txBox="1"/>
+          <p:nvPr/>
+        </p:nvSpPr>
+        <p:spPr>
+          <a:xfrm>
+            <a:off x="1540042" y="144379"/>
+            <a:ext cx="8726905" cy="1200329"/>
+          </a:xfrm>
+          <a:prstGeom prst="rect">
+            <a:avLst/>
+          </a:prstGeom>
+          <a:noFill/>
+        </p:spPr>
+        <p:txBody>
+          <a:bodyPr wrap="square" rtlCol="0">
+            <a:spAutoFit/>
+          </a:bodyPr>
+          <a:lstStyle/>
+          <a:p>
+            <a:pPr algn="ctr"/>
+            <a:r>
+              <a:rPr lang="en-US" sz="2400" b="1" dirty="0"/>
+              <a:t>Data Analysis: (Wealth/ADA ($) Effect on College Enrollment Percentage and College Graduation Percentage) </a:t>
+            </a:r>
+          </a:p>
+          <a:p>
+            <a:pPr algn="ctr"/>
+            <a:r>
+              <a:rPr lang="en-US" sz="2400" b="1" dirty="0"/>
+              <a:t>PART 1 of 2</a:t>
+            </a:r>
+          </a:p>
+        </p:txBody>
+      </p:sp>
+      <p:sp>
+        <p:nvSpPr>
+          <p:cNvPr id="7" name="TextBox 6">
+            <a:extLst>
+              <a:ext uri="{FF2B5EF4-FFF2-40B4-BE49-F238E27FC236}">
+                <a16:creationId xmlns:a16="http://schemas.microsoft.com/office/drawing/2014/main" id="{B9BE8F29-0023-4E8A-89C0-3EF29D37DCA2}"/>
+              </a:ext>
+            </a:extLst>
+          </p:cNvPr>
+          <p:cNvSpPr txBox="1"/>
+          <p:nvPr/>
+        </p:nvSpPr>
+        <p:spPr>
+          <a:xfrm>
+            <a:off x="144379" y="1496338"/>
+            <a:ext cx="4299284" cy="5016758"/>
+          </a:xfrm>
+          <a:prstGeom prst="rect">
+            <a:avLst/>
+          </a:prstGeom>
+          <a:noFill/>
+        </p:spPr>
+        <p:txBody>
+          <a:bodyPr wrap="square" rtlCol="0">
+            <a:spAutoFit/>
+          </a:bodyPr>
+          <a:lstStyle/>
+          <a:p>
+            <a:pPr marL="285750" indent="-285750">
+              <a:buFont typeface="Arial" panose="020B0604020202020204" pitchFamily="34" charset="0"/>
+              <a:buChar char="•"/>
+            </a:pPr>
+            <a:r>
+              <a:rPr lang="en-US" sz="2000" dirty="0"/>
+              <a:t>Acknowledging that college is a business in the United States, one could hypothesize that we should see a decent correlation between Wealth/ADA ($) and college enrollment percentage. </a:t>
+            </a:r>
+          </a:p>
+          <a:p>
+            <a:pPr marL="285750" indent="-285750">
+              <a:buFont typeface="Arial" panose="020B0604020202020204" pitchFamily="34" charset="0"/>
+              <a:buChar char="•"/>
+            </a:pPr>
+            <a:endParaRPr lang="en-US" sz="2000" dirty="0"/>
+          </a:p>
+          <a:p>
+            <a:pPr marL="285750" indent="-285750">
+              <a:buFont typeface="Arial" panose="020B0604020202020204" pitchFamily="34" charset="0"/>
+              <a:buChar char="•"/>
+            </a:pPr>
+            <a:endParaRPr lang="en-US" sz="2000" dirty="0"/>
+          </a:p>
+          <a:p>
+            <a:pPr marL="285750" indent="-285750">
+              <a:buFont typeface="Arial" panose="020B0604020202020204" pitchFamily="34" charset="0"/>
+              <a:buChar char="•"/>
+            </a:pPr>
+            <a:r>
+              <a:rPr lang="en-US" sz="2000" dirty="0"/>
+              <a:t>There does exist a positive correlation between the two, but its important to acknowledge that Wealth/ADA is not the sole factor in determining college enrollment percentage.</a:t>
+            </a:r>
+          </a:p>
+          <a:p>
+            <a:endParaRPr lang="en-US" sz="2000" dirty="0"/>
+          </a:p>
+          <a:p>
+            <a:pPr algn="ctr"/>
+            <a:r>
+              <a:rPr lang="en-US" sz="2000" dirty="0"/>
+              <a:t> (SAT/ACT/AP etc.….)</a:t>
+            </a:r>
+          </a:p>
+        </p:txBody>
+      </p:sp>
+    </p:spTree>
+    <p:extLst>
+      <p:ext uri="{BB962C8B-B14F-4D97-AF65-F5344CB8AC3E}">
+        <p14:creationId xmlns:p14="http://schemas.microsoft.com/office/powerpoint/2010/main" val="4072279281"/>
+      </p:ext>
+    </p:extLst>
+  </p:cSld>
+  <p:clrMapOvr>
+    <a:masterClrMapping/>
+  </p:clrMapOvr>
+</p:sld>
+</file>
+
+<file path=ppt/slides/slide13.xml><?xml version="1.0" encoding="utf-8"?>
+<p:sld xmlns:a="http://schemas.openxmlformats.org/drawingml/2006/main" xmlns:r="http://schemas.openxmlformats.org/officeDocument/2006/relationships" xmlns:p="http://schemas.openxmlformats.org/presentationml/2006/main">
+  <p:cSld>
+    <p:spTree>
+      <p:nvGrpSpPr>
+        <p:cNvPr id="1" name=""/>
+        <p:cNvGrpSpPr/>
+        <p:nvPr/>
+      </p:nvGrpSpPr>
+      <p:grpSpPr>
+        <a:xfrm>
+          <a:off x="0" y="0"/>
+          <a:ext cx="0" cy="0"/>
+          <a:chOff x="0" y="0"/>
+          <a:chExt cx="0" cy="0"/>
+        </a:xfrm>
+      </p:grpSpPr>
+      <p:sp>
+        <p:nvSpPr>
+          <p:cNvPr id="6" name="TextBox 5">
+            <a:extLst>
+              <a:ext uri="{FF2B5EF4-FFF2-40B4-BE49-F238E27FC236}">
+                <a16:creationId xmlns:a16="http://schemas.microsoft.com/office/drawing/2014/main" id="{61917F3E-63FA-42DF-9480-3BE14488E124}"/>
+              </a:ext>
+            </a:extLst>
+          </p:cNvPr>
+          <p:cNvSpPr txBox="1"/>
+          <p:nvPr/>
+        </p:nvSpPr>
+        <p:spPr>
+          <a:xfrm>
+            <a:off x="1540042" y="144379"/>
+            <a:ext cx="8726905" cy="1200329"/>
+          </a:xfrm>
+          <a:prstGeom prst="rect">
+            <a:avLst/>
+          </a:prstGeom>
+          <a:noFill/>
+        </p:spPr>
+        <p:txBody>
+          <a:bodyPr wrap="square" rtlCol="0">
+            <a:spAutoFit/>
+          </a:bodyPr>
+          <a:lstStyle/>
+          <a:p>
+            <a:pPr algn="ctr"/>
+            <a:r>
+              <a:rPr lang="en-US" sz="2400" b="1" dirty="0"/>
+              <a:t>Data Analysis: (Wealth/ADA ($) Effect on College Enrollment Percentage vs. College Graduation Percentage) </a:t>
+            </a:r>
+          </a:p>
+          <a:p>
+            <a:pPr algn="ctr"/>
+            <a:r>
+              <a:rPr lang="en-US" sz="2400" b="1" dirty="0"/>
+              <a:t>PART 2 of 2</a:t>
+            </a:r>
+          </a:p>
+        </p:txBody>
+      </p:sp>
+      <p:sp>
+        <p:nvSpPr>
+          <p:cNvPr id="7" name="TextBox 6">
+            <a:extLst>
+              <a:ext uri="{FF2B5EF4-FFF2-40B4-BE49-F238E27FC236}">
+                <a16:creationId xmlns:a16="http://schemas.microsoft.com/office/drawing/2014/main" id="{B9BE8F29-0023-4E8A-89C0-3EF29D37DCA2}"/>
+              </a:ext>
+            </a:extLst>
+          </p:cNvPr>
+          <p:cNvSpPr txBox="1"/>
+          <p:nvPr/>
+        </p:nvSpPr>
+        <p:spPr>
+          <a:xfrm>
+            <a:off x="80208" y="2186149"/>
+            <a:ext cx="4299284" cy="3170099"/>
+          </a:xfrm>
+          <a:prstGeom prst="rect">
+            <a:avLst/>
+          </a:prstGeom>
+          <a:noFill/>
+        </p:spPr>
+        <p:txBody>
+          <a:bodyPr wrap="square" rtlCol="0">
+            <a:spAutoFit/>
+          </a:bodyPr>
+          <a:lstStyle/>
+          <a:p>
+            <a:pPr marL="342900" indent="-342900">
+              <a:buFont typeface="Arial" panose="020B0604020202020204" pitchFamily="34" charset="0"/>
+              <a:buChar char="•"/>
+            </a:pPr>
+            <a:r>
+              <a:rPr lang="en-US" sz="2000" dirty="0"/>
+              <a:t>The correlation between Wealth/ADA and college graduation was a little bit weaker, but still positive. </a:t>
+            </a:r>
+          </a:p>
+          <a:p>
+            <a:pPr marL="342900" indent="-342900">
+              <a:buFont typeface="Arial" panose="020B0604020202020204" pitchFamily="34" charset="0"/>
+              <a:buChar char="•"/>
+            </a:pPr>
+            <a:endParaRPr lang="en-US" sz="2000" dirty="0"/>
+          </a:p>
+          <a:p>
+            <a:pPr marL="342900" indent="-342900">
+              <a:buFont typeface="Arial" panose="020B0604020202020204" pitchFamily="34" charset="0"/>
+              <a:buChar char="•"/>
+            </a:pPr>
+            <a:endParaRPr lang="en-US" sz="2000" dirty="0"/>
+          </a:p>
+          <a:p>
+            <a:pPr marL="342900" indent="-342900">
+              <a:buFont typeface="Arial" panose="020B0604020202020204" pitchFamily="34" charset="0"/>
+              <a:buChar char="•"/>
+            </a:pPr>
+            <a:r>
+              <a:rPr lang="en-US" sz="2000" dirty="0"/>
+              <a:t>This is where the student’s actual education has the upper hand in determining if they can earn a degree</a:t>
+            </a:r>
+          </a:p>
+        </p:txBody>
+      </p:sp>
+      <p:pic>
+        <p:nvPicPr>
+          <p:cNvPr id="5" name="Picture 4">
+            <a:extLst>
+              <a:ext uri="{FF2B5EF4-FFF2-40B4-BE49-F238E27FC236}">
+                <a16:creationId xmlns:a16="http://schemas.microsoft.com/office/drawing/2014/main" id="{D5FFB3C5-CBDA-4DDC-9BD9-BF9E32E9AA61}"/>
+              </a:ext>
+            </a:extLst>
+          </p:cNvPr>
+          <p:cNvPicPr/>
+          <p:nvPr/>
+        </p:nvPicPr>
+        <p:blipFill>
+          <a:blip r:embed="rId2"/>
+          <a:stretch>
+            <a:fillRect/>
+          </a:stretch>
+        </p:blipFill>
+        <p:spPr>
+          <a:xfrm>
+            <a:off x="4654468" y="1696864"/>
+            <a:ext cx="7457324" cy="5016757"/>
+          </a:xfrm>
+          <a:prstGeom prst="rect">
+            <a:avLst/>
+          </a:prstGeom>
+        </p:spPr>
+      </p:pic>
+    </p:spTree>
+    <p:extLst>
+      <p:ext uri="{BB962C8B-B14F-4D97-AF65-F5344CB8AC3E}">
+        <p14:creationId xmlns:p14="http://schemas.microsoft.com/office/powerpoint/2010/main" val="1714310185"/>
       </p:ext>
     </p:extLst>
   </p:cSld>
@@ -3502,8 +4235,8 @@
         </p:blipFill>
         <p:spPr>
           <a:xfrm>
-            <a:off x="6593306" y="2212377"/>
-            <a:ext cx="5470357" cy="3801979"/>
+            <a:off x="7170821" y="2212377"/>
+            <a:ext cx="4892842" cy="3801979"/>
           </a:xfrm>
           <a:prstGeom prst="rect">
             <a:avLst/>
@@ -3524,8 +4257,8 @@
         </p:nvSpPr>
         <p:spPr>
           <a:xfrm>
-            <a:off x="128337" y="1656576"/>
-            <a:ext cx="6464970" cy="5201424"/>
+            <a:off x="128337" y="1376874"/>
+            <a:ext cx="7042484" cy="4893647"/>
           </a:xfrm>
           <a:prstGeom prst="rect">
             <a:avLst/>
@@ -3540,7 +4273,7 @@
           <a:p>
             <a:r>
               <a:rPr lang="en-US" sz="2400" dirty="0"/>
-              <a:t>In this study, 2011 - 2017 data was collected from the following resources:</a:t>
+              <a:t>In this study, 2011 - 2017 data was collected from the following two resources:</a:t>
             </a:r>
           </a:p>
           <a:p>
@@ -3587,13 +4320,16 @@
           <a:p>
             <a:r>
               <a:rPr lang="en-US" sz="2400" dirty="0"/>
-              <a:t>The data was then filtered to focus public school districts within the major regions of Texas. The major regions represent areas with the most economic opportunity, making them prime locations for families and talented educators. </a:t>
-            </a:r>
-          </a:p>
-          <a:p>
-            <a:r>
-              <a:rPr lang="en-US" sz="2000" dirty="0"/>
-              <a:t> </a:t>
+              <a:t>The data was then filtered to focus public school districts within the major regions of Texas. </a:t>
+            </a:r>
+          </a:p>
+          <a:p>
+            <a:endParaRPr lang="en-US" sz="2400" dirty="0"/>
+          </a:p>
+          <a:p>
+            <a:r>
+              <a:rPr lang="en-US" sz="2400" dirty="0"/>
+              <a:t>The college enrollment and graduation data utilized in this study only considers Texas colleges. </a:t>
             </a:r>
             <a:endParaRPr lang="en-US" sz="2800" dirty="0"/>
           </a:p>
@@ -3687,8 +4423,8 @@
         </p:blipFill>
         <p:spPr>
           <a:xfrm>
-            <a:off x="4475746" y="1260629"/>
-            <a:ext cx="7716253" cy="5205663"/>
+            <a:off x="5390147" y="1260629"/>
+            <a:ext cx="6801852" cy="5205663"/>
           </a:xfrm>
           <a:prstGeom prst="rect">
             <a:avLst/>
@@ -3709,8 +4445,8 @@
         </p:nvSpPr>
         <p:spPr>
           <a:xfrm>
-            <a:off x="240631" y="1260629"/>
-            <a:ext cx="4235115" cy="5016758"/>
+            <a:off x="1" y="1154210"/>
+            <a:ext cx="5390146" cy="5693866"/>
           </a:xfrm>
           <a:prstGeom prst="rect">
             <a:avLst/>
@@ -3728,8 +4464,8 @@
               <a:buChar char="•"/>
             </a:pPr>
             <a:r>
-              <a:rPr lang="en-US" sz="3200" dirty="0"/>
-              <a:t>Here’s how the Texas Education Agency splits up its educational regions for reporting data</a:t>
+              <a:rPr lang="en-US" sz="2800" dirty="0"/>
+              <a:t>The major regions represent areas with the most economic opportunity, making them prime locations for families and talented educators. </a:t>
             </a:r>
           </a:p>
           <a:p>
@@ -3737,7 +4473,7 @@
               <a:buFont typeface="Arial" panose="020B0604020202020204" pitchFamily="34" charset="0"/>
               <a:buChar char="•"/>
             </a:pPr>
-            <a:endParaRPr lang="en-US" sz="3200" dirty="0"/>
+            <a:endParaRPr lang="en-US" sz="2800" dirty="0"/>
           </a:p>
           <a:p>
             <a:pPr marL="457200" indent="-457200">
@@ -3745,7 +4481,24 @@
               <a:buChar char="•"/>
             </a:pPr>
             <a:r>
-              <a:rPr lang="en-US" sz="3200" dirty="0"/>
+              <a:rPr lang="en-US" sz="2800" dirty="0"/>
+              <a:t>Here’s how the Texas Education Agency splits up its educational regions for reporting data</a:t>
+            </a:r>
+          </a:p>
+          <a:p>
+            <a:pPr marL="457200" indent="-457200">
+              <a:buFont typeface="Arial" panose="020B0604020202020204" pitchFamily="34" charset="0"/>
+              <a:buChar char="•"/>
+            </a:pPr>
+            <a:endParaRPr lang="en-US" sz="2800" dirty="0"/>
+          </a:p>
+          <a:p>
+            <a:pPr marL="457200" indent="-457200">
+              <a:buFont typeface="Arial" panose="020B0604020202020204" pitchFamily="34" charset="0"/>
+              <a:buChar char="•"/>
+            </a:pPr>
+            <a:r>
+              <a:rPr lang="en-US" sz="2800" dirty="0"/>
               <a:t>The school districts utilized in this study exist within the highlighted regions</a:t>
             </a:r>
           </a:p>
@@ -3886,8 +4639,8 @@
         </p:blipFill>
         <p:spPr>
           <a:xfrm>
-            <a:off x="7074568" y="1761120"/>
-            <a:ext cx="4892841" cy="4592798"/>
+            <a:off x="7074568" y="1789692"/>
+            <a:ext cx="5117431" cy="4567415"/>
           </a:xfrm>
           <a:prstGeom prst="rect">
             <a:avLst/>
@@ -3953,7 +4706,7 @@
             <a:pPr algn="ctr"/>
             <a:r>
               <a:rPr lang="en-US" b="1" dirty="0"/>
-              <a:t>Asking the Right Questions (Part 1) </a:t>
+              <a:t>Asking the Right Question</a:t>
             </a:r>
           </a:p>
         </p:txBody>
@@ -3976,8 +4729,8 @@
         </p:nvSpPr>
         <p:spPr>
           <a:xfrm>
-            <a:off x="20053" y="990223"/>
-            <a:ext cx="6669505" cy="5710990"/>
+            <a:off x="20053" y="1066047"/>
+            <a:ext cx="7904745" cy="5710990"/>
           </a:xfrm>
         </p:spPr>
         <p:txBody>
@@ -3988,7 +4741,7 @@
           <a:p>
             <a:r>
               <a:rPr lang="en-US" sz="3200" dirty="0"/>
-              <a:t>The better question for parents to ask is “which school districts improve the likelihood that my child will be able to earn their degree in college?”</a:t>
+              <a:t>The better question for parents to ask is “which school districts have historically proven to have a higher percentage of its graduates earn a college degree within four years?” </a:t>
             </a:r>
           </a:p>
           <a:p>
@@ -4033,8 +4786,8 @@
         </p:blipFill>
         <p:spPr>
           <a:xfrm>
-            <a:off x="6946233" y="3845718"/>
-            <a:ext cx="5225714" cy="3012282"/>
+            <a:off x="8085221" y="3845718"/>
+            <a:ext cx="4086726" cy="3012282"/>
           </a:xfrm>
           <a:prstGeom prst="rect">
             <a:avLst/>
@@ -4063,8 +4816,8 @@
         </p:blipFill>
         <p:spPr>
           <a:xfrm>
-            <a:off x="6946233" y="914399"/>
-            <a:ext cx="5225714" cy="2931319"/>
+            <a:off x="8085221" y="914399"/>
+            <a:ext cx="4086725" cy="2931319"/>
           </a:xfrm>
           <a:prstGeom prst="rect">
             <a:avLst/>
@@ -4106,7 +4859,7 @@
           <p:cNvPr id="2" name="Title 1">
             <a:extLst>
               <a:ext uri="{FF2B5EF4-FFF2-40B4-BE49-F238E27FC236}">
-                <a16:creationId xmlns:a16="http://schemas.microsoft.com/office/drawing/2014/main" id="{A30C9E90-371F-4FD2-B177-4410D6AA0DF8}"/>
+                <a16:creationId xmlns:a16="http://schemas.microsoft.com/office/drawing/2014/main" id="{F718097E-339E-4A91-9838-F43ECB8849A5}"/>
               </a:ext>
             </a:extLst>
           </p:cNvPr>
@@ -4119,18 +4872,25 @@
         </p:nvSpPr>
         <p:spPr>
           <a:xfrm>
-            <a:off x="2394382" y="0"/>
-            <a:ext cx="8116779" cy="1325563"/>
-          </a:xfrm>
-        </p:spPr>
-        <p:txBody>
-          <a:bodyPr/>
-          <a:lstStyle/>
-          <a:p>
-            <a:r>
+            <a:off x="515351" y="168777"/>
+            <a:ext cx="11161295" cy="1325563"/>
+          </a:xfrm>
+        </p:spPr>
+        <p:txBody>
+          <a:bodyPr>
+            <a:normAutofit fontScale="90000"/>
+          </a:bodyPr>
+          <a:lstStyle/>
+          <a:p>
+            <a:pPr algn="ctr"/>
+            <a:r>
+              <a:rPr lang="en-US" sz="5400" b="1" dirty="0"/>
+              <a:t>Aim of the Project/Problem I Want to Solve:</a:t>
+            </a:r>
+            <a:br>
               <a:rPr lang="en-US" b="1" dirty="0"/>
-              <a:t>Asking the Right Questions (Part 2)</a:t>
-            </a:r>
+            </a:br>
+            <a:endParaRPr lang="en-US" b="1" dirty="0"/>
           </a:p>
         </p:txBody>
       </p:sp>
@@ -4139,7 +4899,7 @@
           <p:cNvPr id="3" name="Content Placeholder 2">
             <a:extLst>
               <a:ext uri="{FF2B5EF4-FFF2-40B4-BE49-F238E27FC236}">
-                <a16:creationId xmlns:a16="http://schemas.microsoft.com/office/drawing/2014/main" id="{EE04F2E2-FFC7-4773-879B-D3D19E4C8D12}"/>
+                <a16:creationId xmlns:a16="http://schemas.microsoft.com/office/drawing/2014/main" id="{0DAB6C2A-A6E0-4444-B009-73C45BFDABA7}"/>
               </a:ext>
             </a:extLst>
           </p:cNvPr>
@@ -4152,8 +4912,8 @@
         </p:nvSpPr>
         <p:spPr>
           <a:xfrm>
-            <a:off x="0" y="1078785"/>
-            <a:ext cx="5406188" cy="5793381"/>
+            <a:off x="0" y="1379621"/>
+            <a:ext cx="12192000" cy="5594517"/>
           </a:xfrm>
         </p:spPr>
         <p:txBody>
@@ -4163,59 +4923,34 @@
           <a:lstStyle/>
           <a:p>
             <a:r>
-              <a:rPr lang="en-US" dirty="0"/>
-              <a:t>In a 2011 Harvard study “Pathways to Prosperity”, the U.S. contained the highest college dropout rate among industrialized nations.</a:t>
-            </a:r>
-          </a:p>
-          <a:p>
-            <a:r>
-              <a:rPr lang="en-US" dirty="0"/>
-              <a:t>Among four-year colleges, just 56% of students graduated within six years (not four. Remember… more time spent means more money spent).</a:t>
-            </a:r>
-          </a:p>
-          <a:p>
-            <a:r>
-              <a:rPr lang="en-US" b="1" u="sng" dirty="0"/>
-              <a:t>Financial pressure and academic disqualification are the top two reasons why a student drops out.</a:t>
-            </a:r>
-            <a:endParaRPr lang="en-US" dirty="0"/>
-          </a:p>
-        </p:txBody>
-      </p:sp>
-      <p:pic>
-        <p:nvPicPr>
-          <p:cNvPr id="4" name="Picture 3">
-            <a:extLst>
-              <a:ext uri="{FF2B5EF4-FFF2-40B4-BE49-F238E27FC236}">
-                <a16:creationId xmlns:a16="http://schemas.microsoft.com/office/drawing/2014/main" id="{66069FDD-45B1-4972-9136-A1E30052E055}"/>
-              </a:ext>
-            </a:extLst>
-          </p:cNvPr>
-          <p:cNvPicPr>
-            <a:picLocks noChangeAspect="1"/>
-          </p:cNvPicPr>
-          <p:nvPr/>
-        </p:nvPicPr>
-        <p:blipFill>
-          <a:blip r:embed="rId2"/>
-          <a:stretch>
-            <a:fillRect/>
-          </a:stretch>
-        </p:blipFill>
-        <p:spPr>
-          <a:xfrm>
-            <a:off x="5406188" y="1078785"/>
-            <a:ext cx="6634892" cy="5546603"/>
-          </a:xfrm>
-          <a:prstGeom prst="rect">
-            <a:avLst/>
-          </a:prstGeom>
-        </p:spPr>
-      </p:pic>
+              <a:rPr lang="en-US" sz="4000" dirty="0"/>
+              <a:t>Through this project, I aimed to study the relationship between the percentage of college students who graduate within four years and the features of the school district they attended high school in. </a:t>
+            </a:r>
+          </a:p>
+          <a:p>
+            <a:pPr marL="0" indent="0">
+              <a:buNone/>
+            </a:pPr>
+            <a:endParaRPr lang="en-US" sz="4000" dirty="0"/>
+          </a:p>
+          <a:p>
+            <a:r>
+              <a:rPr lang="en-US" sz="4000" dirty="0"/>
+              <a:t>In order to achieve this goal, historical district features were collected along with the resulting percentage of students who were able to earn their college degree within four years. </a:t>
+            </a:r>
+          </a:p>
+          <a:p>
+            <a:pPr marL="0" indent="0">
+              <a:buNone/>
+            </a:pPr>
+            <a:endParaRPr lang="en-US" sz="3200" dirty="0"/>
+          </a:p>
+        </p:txBody>
+      </p:sp>
     </p:spTree>
     <p:extLst>
       <p:ext uri="{BB962C8B-B14F-4D97-AF65-F5344CB8AC3E}">
-        <p14:creationId xmlns:p14="http://schemas.microsoft.com/office/powerpoint/2010/main" val="1843748395"/>
+        <p14:creationId xmlns:p14="http://schemas.microsoft.com/office/powerpoint/2010/main" val="1672466808"/>
       </p:ext>
     </p:extLst>
   </p:cSld>
@@ -4247,7 +4982,7 @@
           <p:cNvPr id="2" name="Title 1">
             <a:extLst>
               <a:ext uri="{FF2B5EF4-FFF2-40B4-BE49-F238E27FC236}">
-                <a16:creationId xmlns:a16="http://schemas.microsoft.com/office/drawing/2014/main" id="{F718097E-339E-4A91-9838-F43ECB8849A5}"/>
+                <a16:creationId xmlns:a16="http://schemas.microsoft.com/office/drawing/2014/main" id="{ABE6FA28-6183-4788-88EF-A7116446E205}"/>
               </a:ext>
             </a:extLst>
           </p:cNvPr>
@@ -4260,79 +4995,197 @@
         </p:nvSpPr>
         <p:spPr>
           <a:xfrm>
-            <a:off x="838200" y="140536"/>
-            <a:ext cx="10515600" cy="1325563"/>
+            <a:off x="2540493" y="60170"/>
+            <a:ext cx="7111014" cy="744584"/>
+          </a:xfrm>
+        </p:spPr>
+        <p:txBody>
+          <a:bodyPr/>
+          <a:lstStyle/>
+          <a:p>
+            <a:pPr algn="ctr"/>
+            <a:r>
+              <a:rPr lang="en-US" b="1" dirty="0"/>
+              <a:t>College Admissions Tests</a:t>
+            </a:r>
+          </a:p>
+        </p:txBody>
+      </p:sp>
+      <p:sp>
+        <p:nvSpPr>
+          <p:cNvPr id="3" name="Content Placeholder 2">
+            <a:extLst>
+              <a:ext uri="{FF2B5EF4-FFF2-40B4-BE49-F238E27FC236}">
+                <a16:creationId xmlns:a16="http://schemas.microsoft.com/office/drawing/2014/main" id="{5C36CCC9-DED2-45E9-BD54-EBC2B8745B77}"/>
+              </a:ext>
+            </a:extLst>
+          </p:cNvPr>
+          <p:cNvSpPr>
+            <a:spLocks noGrp="1"/>
+          </p:cNvSpPr>
+          <p:nvPr>
+            <p:ph idx="1"/>
+          </p:nvPr>
+        </p:nvSpPr>
+        <p:spPr>
+          <a:xfrm>
+            <a:off x="0" y="1020624"/>
+            <a:ext cx="7111014" cy="5661587"/>
           </a:xfrm>
         </p:spPr>
         <p:txBody>
           <a:bodyPr>
-            <a:normAutofit fontScale="90000"/>
+            <a:normAutofit fontScale="47500" lnSpcReduction="20000"/>
           </a:bodyPr>
           <a:lstStyle/>
           <a:p>
-            <a:pPr algn="ctr"/>
-            <a:r>
-              <a:rPr lang="en-US" sz="5400" b="1" dirty="0"/>
-              <a:t>Aim of the Project:</a:t>
-            </a:r>
-            <a:br>
-              <a:rPr lang="en-US" b="1" dirty="0"/>
-            </a:br>
-            <a:endParaRPr lang="en-US" b="1" dirty="0"/>
-          </a:p>
-        </p:txBody>
-      </p:sp>
-      <p:sp>
-        <p:nvSpPr>
-          <p:cNvPr id="3" name="Content Placeholder 2">
-            <a:extLst>
-              <a:ext uri="{FF2B5EF4-FFF2-40B4-BE49-F238E27FC236}">
-                <a16:creationId xmlns:a16="http://schemas.microsoft.com/office/drawing/2014/main" id="{0DAB6C2A-A6E0-4444-B009-73C45BFDABA7}"/>
-              </a:ext>
-            </a:extLst>
-          </p:cNvPr>
-          <p:cNvSpPr>
-            <a:spLocks noGrp="1"/>
-          </p:cNvSpPr>
-          <p:nvPr>
-            <p:ph idx="1"/>
-          </p:nvPr>
-        </p:nvSpPr>
-        <p:spPr>
-          <a:xfrm>
-            <a:off x="515352" y="1122947"/>
-            <a:ext cx="11161295" cy="5594517"/>
-          </a:xfrm>
-        </p:spPr>
-        <p:txBody>
-          <a:bodyPr>
-            <a:normAutofit/>
-          </a:bodyPr>
-          <a:lstStyle/>
-          <a:p>
-            <a:r>
-              <a:rPr lang="en-US" sz="3600" dirty="0"/>
-              <a:t>Through this project, I aimed to reasonably predict the likelihood of a student earning a college degree four years after graduating high school from a certain school district. </a:t>
-            </a:r>
-          </a:p>
-          <a:p>
-            <a:r>
-              <a:rPr lang="en-US" sz="3600" dirty="0"/>
-              <a:t>In order to do this, historical district features were collected in addition to college graduation data to train a predictive model.</a:t>
-            </a:r>
-          </a:p>
-          <a:p>
-            <a:r>
-              <a:rPr lang="en-US" sz="3600" dirty="0"/>
-              <a:t>This model can help answer parents’ question about what districts increase their child’s likelihood of earning their degree within four years. </a:t>
-            </a:r>
-          </a:p>
-        </p:txBody>
-      </p:sp>
+            <a:pPr marL="0" indent="0" algn="ctr">
+              <a:buNone/>
+            </a:pPr>
+            <a:endParaRPr lang="en-US" sz="3600" b="1" u="sng" dirty="0"/>
+          </a:p>
+          <a:p>
+            <a:pPr marL="0" indent="0" algn="ctr">
+              <a:buNone/>
+            </a:pPr>
+            <a:r>
+              <a:rPr lang="en-US" sz="5100" b="1" u="sng" dirty="0"/>
+              <a:t>SAT</a:t>
+            </a:r>
+            <a:endParaRPr lang="en-US" sz="5100" dirty="0"/>
+          </a:p>
+          <a:p>
+            <a:r>
+              <a:rPr lang="en-US" sz="5100" dirty="0"/>
+              <a:t>Highest Possible Score is a 1600</a:t>
+            </a:r>
+          </a:p>
+          <a:p>
+            <a:pPr marL="0" indent="0" algn="ctr">
+              <a:buNone/>
+            </a:pPr>
+            <a:endParaRPr lang="en-US" sz="5100" dirty="0"/>
+          </a:p>
+          <a:p>
+            <a:pPr marL="0" indent="0" algn="ctr">
+              <a:buNone/>
+            </a:pPr>
+            <a:r>
+              <a:rPr lang="en-US" sz="5100" dirty="0"/>
+              <a:t>SAT(Total) = Math (800) + Reading/Writing (800)</a:t>
+            </a:r>
+          </a:p>
+          <a:p>
+            <a:pPr marL="0" indent="0">
+              <a:buNone/>
+            </a:pPr>
+            <a:r>
+              <a:rPr lang="en-US" sz="5100" dirty="0"/>
+              <a:t>	</a:t>
+            </a:r>
+          </a:p>
+          <a:p>
+            <a:pPr marL="0" indent="0" algn="ctr">
+              <a:buNone/>
+            </a:pPr>
+            <a:endParaRPr lang="en-US" sz="5100" b="1" u="sng" dirty="0"/>
+          </a:p>
+          <a:p>
+            <a:pPr marL="0" indent="0" algn="ctr">
+              <a:buNone/>
+            </a:pPr>
+            <a:r>
+              <a:rPr lang="en-US" sz="5100" b="1" u="sng" dirty="0"/>
+              <a:t>ACT</a:t>
+            </a:r>
+          </a:p>
+          <a:p>
+            <a:r>
+              <a:rPr lang="en-US" sz="5100" dirty="0"/>
+              <a:t>Highest Possible Score is a 36</a:t>
+            </a:r>
+          </a:p>
+          <a:p>
+            <a:endParaRPr lang="en-US" sz="5100" dirty="0"/>
+          </a:p>
+          <a:p>
+            <a:pPr marL="0" indent="0" algn="ctr">
+              <a:buNone/>
+            </a:pPr>
+            <a:r>
+              <a:rPr lang="en-US" sz="5100" dirty="0"/>
+              <a:t>ACT (Composite) = </a:t>
+            </a:r>
+          </a:p>
+          <a:p>
+            <a:pPr marL="0" indent="0" algn="ctr">
+              <a:buNone/>
+            </a:pPr>
+            <a:r>
+              <a:rPr lang="en-US" sz="5100" dirty="0"/>
+              <a:t>(Math (36) + Reading (36) + English (36) + Science (36))</a:t>
+            </a:r>
+          </a:p>
+          <a:p>
+            <a:pPr marL="0" indent="0" algn="ctr">
+              <a:buNone/>
+            </a:pPr>
+            <a:r>
+              <a:rPr lang="en-US" sz="5100" dirty="0"/>
+              <a:t>/  4</a:t>
+            </a:r>
+          </a:p>
+          <a:p>
+            <a:pPr marL="0" indent="0">
+              <a:buNone/>
+            </a:pPr>
+            <a:endParaRPr lang="en-US" sz="2600" dirty="0"/>
+          </a:p>
+          <a:p>
+            <a:pPr marL="0" indent="0">
+              <a:buNone/>
+            </a:pPr>
+            <a:r>
+              <a:rPr lang="en-US" dirty="0"/>
+              <a:t> </a:t>
+            </a:r>
+          </a:p>
+        </p:txBody>
+      </p:sp>
+      <p:pic>
+        <p:nvPicPr>
+          <p:cNvPr id="4" name="Picture 3">
+            <a:extLst>
+              <a:ext uri="{FF2B5EF4-FFF2-40B4-BE49-F238E27FC236}">
+                <a16:creationId xmlns:a16="http://schemas.microsoft.com/office/drawing/2014/main" id="{3FA2DA13-0A9E-42C3-B28A-73A8FF1591D6}"/>
+              </a:ext>
+            </a:extLst>
+          </p:cNvPr>
+          <p:cNvPicPr>
+            <a:picLocks noChangeAspect="1"/>
+          </p:cNvPicPr>
+          <p:nvPr/>
+        </p:nvPicPr>
+        <p:blipFill>
+          <a:blip r:embed="rId2"/>
+          <a:stretch>
+            <a:fillRect/>
+          </a:stretch>
+        </p:blipFill>
+        <p:spPr>
+          <a:xfrm>
+            <a:off x="7111014" y="1588559"/>
+            <a:ext cx="5080986" cy="4525715"/>
+          </a:xfrm>
+          <a:prstGeom prst="rect">
+            <a:avLst/>
+          </a:prstGeom>
+        </p:spPr>
+      </p:pic>
     </p:spTree>
     <p:extLst>
       <p:ext uri="{BB962C8B-B14F-4D97-AF65-F5344CB8AC3E}">
-        <p14:creationId xmlns:p14="http://schemas.microsoft.com/office/powerpoint/2010/main" val="1672466808"/>
+        <p14:creationId xmlns:p14="http://schemas.microsoft.com/office/powerpoint/2010/main" val="2040617450"/>
       </p:ext>
     </p:extLst>
   </p:cSld>
@@ -4364,7 +5217,7 @@
           <p:cNvPr id="2" name="Title 1">
             <a:extLst>
               <a:ext uri="{FF2B5EF4-FFF2-40B4-BE49-F238E27FC236}">
-                <a16:creationId xmlns:a16="http://schemas.microsoft.com/office/drawing/2014/main" id="{ABE6FA28-6183-4788-88EF-A7116446E205}"/>
+                <a16:creationId xmlns:a16="http://schemas.microsoft.com/office/drawing/2014/main" id="{1CE3BCB5-3A8D-4D52-9BB1-CD52C56B5D7B}"/>
               </a:ext>
             </a:extLst>
           </p:cNvPr>
@@ -4377,159 +5230,20 @@
         </p:nvSpPr>
         <p:spPr>
           <a:xfrm>
-            <a:off x="2540493" y="60170"/>
-            <a:ext cx="7111014" cy="744584"/>
-          </a:xfrm>
-        </p:spPr>
-        <p:txBody>
-          <a:bodyPr/>
+            <a:off x="71020" y="0"/>
+            <a:ext cx="7510509" cy="679948"/>
+          </a:xfrm>
+        </p:spPr>
+        <p:txBody>
+          <a:bodyPr>
+            <a:normAutofit fontScale="90000"/>
+          </a:bodyPr>
           <a:lstStyle/>
           <a:p>
             <a:pPr algn="ctr"/>
             <a:r>
               <a:rPr lang="en-US" b="1" dirty="0"/>
-              <a:t>College Admissions Tests</a:t>
-            </a:r>
-          </a:p>
-        </p:txBody>
-      </p:sp>
-      <p:sp>
-        <p:nvSpPr>
-          <p:cNvPr id="3" name="Content Placeholder 2">
-            <a:extLst>
-              <a:ext uri="{FF2B5EF4-FFF2-40B4-BE49-F238E27FC236}">
-                <a16:creationId xmlns:a16="http://schemas.microsoft.com/office/drawing/2014/main" id="{5C36CCC9-DED2-45E9-BD54-EBC2B8745B77}"/>
-              </a:ext>
-            </a:extLst>
-          </p:cNvPr>
-          <p:cNvSpPr>
-            <a:spLocks noGrp="1"/>
-          </p:cNvSpPr>
-          <p:nvPr>
-            <p:ph idx="1"/>
-          </p:nvPr>
-        </p:nvSpPr>
-        <p:spPr>
-          <a:xfrm>
-            <a:off x="0" y="763950"/>
-            <a:ext cx="7111014" cy="5661587"/>
-          </a:xfrm>
-        </p:spPr>
-        <p:txBody>
-          <a:bodyPr>
-            <a:normAutofit fontScale="47500" lnSpcReduction="20000"/>
-          </a:bodyPr>
-          <a:lstStyle/>
-          <a:p>
-            <a:pPr marL="0" indent="0" algn="ctr">
-              <a:buNone/>
-            </a:pPr>
-            <a:endParaRPr lang="en-US" sz="3600" b="1" u="sng" dirty="0"/>
-          </a:p>
-          <a:p>
-            <a:pPr marL="0" indent="0" algn="ctr">
-              <a:buNone/>
-            </a:pPr>
-            <a:r>
-              <a:rPr lang="en-US" sz="5100" b="1" u="sng" dirty="0"/>
-              <a:t>SAT</a:t>
-            </a:r>
-            <a:endParaRPr lang="en-US" sz="5100" dirty="0"/>
-          </a:p>
-          <a:p>
-            <a:r>
-              <a:rPr lang="en-US" sz="5100" dirty="0"/>
-              <a:t>Highest Possible Score is a 1600</a:t>
-            </a:r>
-          </a:p>
-          <a:p>
-            <a:pPr marL="0" indent="0" algn="ctr">
-              <a:buNone/>
-            </a:pPr>
-            <a:endParaRPr lang="en-US" sz="5100" dirty="0"/>
-          </a:p>
-          <a:p>
-            <a:pPr marL="0" indent="0" algn="ctr">
-              <a:buNone/>
-            </a:pPr>
-            <a:r>
-              <a:rPr lang="en-US" sz="5100" dirty="0"/>
-              <a:t>SAT(Total) = Math (800) + Reading/Writing (800)</a:t>
-            </a:r>
-          </a:p>
-          <a:p>
-            <a:pPr marL="0" indent="0">
-              <a:buNone/>
-            </a:pPr>
-            <a:r>
-              <a:rPr lang="en-US" sz="5100" dirty="0"/>
-              <a:t>	</a:t>
-            </a:r>
-          </a:p>
-          <a:p>
-            <a:pPr marL="0" indent="0" algn="ctr">
-              <a:buNone/>
-            </a:pPr>
-            <a:endParaRPr lang="en-US" sz="5100" b="1" u="sng" dirty="0"/>
-          </a:p>
-          <a:p>
-            <a:pPr marL="0" indent="0" algn="ctr">
-              <a:buNone/>
-            </a:pPr>
-            <a:r>
-              <a:rPr lang="en-US" sz="5100" b="1" u="sng" dirty="0"/>
-              <a:t>ACT</a:t>
-            </a:r>
-          </a:p>
-          <a:p>
-            <a:r>
-              <a:rPr lang="en-US" sz="5100" dirty="0"/>
-              <a:t>Highest Possible Score is a 36</a:t>
-            </a:r>
-          </a:p>
-          <a:p>
-            <a:endParaRPr lang="en-US" sz="5100" dirty="0"/>
-          </a:p>
-          <a:p>
-            <a:pPr marL="0" indent="0" algn="ctr">
-              <a:buNone/>
-            </a:pPr>
-            <a:r>
-              <a:rPr lang="en-US" sz="5100" dirty="0"/>
-              <a:t>ACT (Composite) = </a:t>
-            </a:r>
-          </a:p>
-          <a:p>
-            <a:pPr marL="0" indent="0" algn="ctr">
-              <a:buNone/>
-            </a:pPr>
-            <a:r>
-              <a:rPr lang="en-US" sz="5100" dirty="0"/>
-              <a:t>(Math (36) + Reading (36) + English (36) + Science (36))</a:t>
-            </a:r>
-          </a:p>
-          <a:p>
-            <a:pPr marL="0" indent="0" algn="ctr">
-              <a:buNone/>
-            </a:pPr>
-            <a:r>
-              <a:rPr lang="en-US" sz="5100" dirty="0"/>
-              <a:t>/  4</a:t>
-            </a:r>
-          </a:p>
-          <a:p>
-            <a:pPr marL="0" indent="0">
-              <a:buNone/>
-            </a:pPr>
-            <a:endParaRPr lang="en-US" sz="2600" dirty="0"/>
-          </a:p>
-          <a:p>
-            <a:pPr marL="0" indent="0">
-              <a:buNone/>
-            </a:pPr>
-            <a:r>
-              <a:rPr lang="en-US" dirty="0"/>
-              <a:t> </a:t>
+              <a:t>AP Exams</a:t>
             </a:r>
           </a:p>
         </p:txBody>
@@ -4539,7 +5253,7 @@
           <p:cNvPr id="4" name="Picture 3">
             <a:extLst>
               <a:ext uri="{FF2B5EF4-FFF2-40B4-BE49-F238E27FC236}">
-                <a16:creationId xmlns:a16="http://schemas.microsoft.com/office/drawing/2014/main" id="{3FA2DA13-0A9E-42C3-B28A-73A8FF1591D6}"/>
+                <a16:creationId xmlns:a16="http://schemas.microsoft.com/office/drawing/2014/main" id="{EEBBA21F-F001-429E-BB4C-0B9D92E63A4D}"/>
               </a:ext>
             </a:extLst>
           </p:cNvPr>
@@ -4556,18 +5270,140 @@
         </p:blipFill>
         <p:spPr>
           <a:xfrm>
-            <a:off x="7111014" y="1166142"/>
-            <a:ext cx="5080986" cy="4525715"/>
+            <a:off x="7765001" y="86245"/>
+            <a:ext cx="4426997" cy="3615743"/>
           </a:xfrm>
           <a:prstGeom prst="rect">
             <a:avLst/>
           </a:prstGeom>
         </p:spPr>
       </p:pic>
+      <p:pic>
+        <p:nvPicPr>
+          <p:cNvPr id="5" name="Content Placeholder 4">
+            <a:extLst>
+              <a:ext uri="{FF2B5EF4-FFF2-40B4-BE49-F238E27FC236}">
+                <a16:creationId xmlns:a16="http://schemas.microsoft.com/office/drawing/2014/main" id="{E704507C-16BE-4A10-B6C0-4F7D695DBDF2}"/>
+              </a:ext>
+            </a:extLst>
+          </p:cNvPr>
+          <p:cNvPicPr>
+            <a:picLocks noGrp="1" noChangeAspect="1"/>
+          </p:cNvPicPr>
+          <p:nvPr>
+            <p:ph idx="1"/>
+          </p:nvPr>
+        </p:nvPicPr>
+        <p:blipFill>
+          <a:blip r:embed="rId3"/>
+          <a:stretch>
+            <a:fillRect/>
+          </a:stretch>
+        </p:blipFill>
+        <p:spPr>
+          <a:xfrm>
+            <a:off x="7765002" y="3701988"/>
+            <a:ext cx="4426998" cy="3156012"/>
+          </a:xfrm>
+          <a:prstGeom prst="rect">
+            <a:avLst/>
+          </a:prstGeom>
+        </p:spPr>
+      </p:pic>
+      <p:sp>
+        <p:nvSpPr>
+          <p:cNvPr id="6" name="TextBox 5">
+            <a:extLst>
+              <a:ext uri="{FF2B5EF4-FFF2-40B4-BE49-F238E27FC236}">
+                <a16:creationId xmlns:a16="http://schemas.microsoft.com/office/drawing/2014/main" id="{CD4591B6-94D0-477D-A091-6DDD9A84C394}"/>
+              </a:ext>
+            </a:extLst>
+          </p:cNvPr>
+          <p:cNvSpPr txBox="1"/>
+          <p:nvPr/>
+        </p:nvSpPr>
+        <p:spPr>
+          <a:xfrm>
+            <a:off x="211973" y="589731"/>
+            <a:ext cx="7228604" cy="6955750"/>
+          </a:xfrm>
+          <a:prstGeom prst="rect">
+            <a:avLst/>
+          </a:prstGeom>
+          <a:noFill/>
+        </p:spPr>
+        <p:txBody>
+          <a:bodyPr wrap="square" rtlCol="0">
+            <a:spAutoFit/>
+          </a:bodyPr>
+          <a:lstStyle/>
+          <a:p>
+            <a:pPr algn="ctr"/>
+            <a:r>
+              <a:rPr lang="en-US" sz="2400" b="1" i="1" dirty="0"/>
+              <a:t>At the end of the school year, students enrolled in AP classes have the chance to earn college credit through AP Exams!</a:t>
+            </a:r>
+          </a:p>
+          <a:p>
+            <a:endParaRPr lang="en-US" sz="2000" dirty="0"/>
+          </a:p>
+          <a:p>
+            <a:pPr marL="342900" indent="-342900">
+              <a:buFont typeface="Arial" panose="020B0604020202020204" pitchFamily="34" charset="0"/>
+              <a:buChar char="•"/>
+            </a:pPr>
+            <a:r>
+              <a:rPr lang="en-US" sz="2400" dirty="0"/>
+              <a:t>Most colleges nationwide offer college credit for qualifying AP exam scores. College courses can cost thousands of dollars, but if you take and pass an AP test, you’re only spending roughly $93.  </a:t>
+            </a:r>
+          </a:p>
+          <a:p>
+            <a:pPr marL="342900" indent="-342900" algn="ctr">
+              <a:buFont typeface="Arial" panose="020B0604020202020204" pitchFamily="34" charset="0"/>
+              <a:buChar char="•"/>
+            </a:pPr>
+            <a:endParaRPr lang="en-US" sz="2400" b="1" dirty="0"/>
+          </a:p>
+          <a:p>
+            <a:pPr marL="342900" indent="-342900">
+              <a:buFont typeface="Arial" panose="020B0604020202020204" pitchFamily="34" charset="0"/>
+              <a:buChar char="•"/>
+            </a:pPr>
+            <a:r>
+              <a:rPr lang="en-US" sz="2400" dirty="0"/>
+              <a:t>AP exams are scored from one to five, with five being the highest score. Colleges will accept a minimum exam score for it to transfer to college credit. </a:t>
+            </a:r>
+          </a:p>
+          <a:p>
+            <a:pPr marL="342900" indent="-342900">
+              <a:buFont typeface="Arial" panose="020B0604020202020204" pitchFamily="34" charset="0"/>
+              <a:buChar char="•"/>
+            </a:pPr>
+            <a:endParaRPr lang="en-US" sz="2400" dirty="0"/>
+          </a:p>
+          <a:p>
+            <a:pPr marL="342900" indent="-342900">
+              <a:buFont typeface="Arial" panose="020B0604020202020204" pitchFamily="34" charset="0"/>
+              <a:buChar char="•"/>
+            </a:pPr>
+            <a:r>
+              <a:rPr lang="en-US" sz="2400" dirty="0"/>
+              <a:t>For the purpose of this data analysis, we will use the benchmark score of a 3 (most colleges accept this score) as an indicator of how well students in a district test. </a:t>
+            </a:r>
+          </a:p>
+          <a:p>
+            <a:pPr algn="ctr"/>
+            <a:endParaRPr lang="en-US" sz="2400" b="1" dirty="0"/>
+          </a:p>
+          <a:p>
+            <a:endParaRPr lang="en-US" b="1" dirty="0"/>
+          </a:p>
+        </p:txBody>
+      </p:sp>
     </p:spTree>
     <p:extLst>
       <p:ext uri="{BB962C8B-B14F-4D97-AF65-F5344CB8AC3E}">
-        <p14:creationId xmlns:p14="http://schemas.microsoft.com/office/powerpoint/2010/main" val="2040617450"/>
+        <p14:creationId xmlns:p14="http://schemas.microsoft.com/office/powerpoint/2010/main" val="3093072349"/>
       </p:ext>
     </p:extLst>
   </p:cSld>
@@ -4599,7 +5435,7 @@
           <p:cNvPr id="2" name="Title 1">
             <a:extLst>
               <a:ext uri="{FF2B5EF4-FFF2-40B4-BE49-F238E27FC236}">
-                <a16:creationId xmlns:a16="http://schemas.microsoft.com/office/drawing/2014/main" id="{1CE3BCB5-3A8D-4D52-9BB1-CD52C56B5D7B}"/>
+                <a16:creationId xmlns:a16="http://schemas.microsoft.com/office/drawing/2014/main" id="{611720B1-AAB1-4734-936E-6A7A6276F940}"/>
               </a:ext>
             </a:extLst>
           </p:cNvPr>
@@ -4612,8 +5448,8 @@
         </p:nvSpPr>
         <p:spPr>
           <a:xfrm>
-            <a:off x="71020" y="0"/>
-            <a:ext cx="7510509" cy="679948"/>
+            <a:off x="838200" y="1"/>
+            <a:ext cx="10515600" cy="689810"/>
           </a:xfrm>
         </p:spPr>
         <p:txBody>
@@ -4624,8 +5460,8 @@
           <a:p>
             <a:pPr algn="ctr"/>
             <a:r>
-              <a:rPr lang="en-US" b="1" dirty="0"/>
-              <a:t>AP Exams</a:t>
+              <a:rPr lang="en-US" dirty="0"/>
+              <a:t>Data Analysis: (SAT &amp; ACT)</a:t>
             </a:r>
           </a:p>
         </p:txBody>
@@ -4635,13 +5471,11 @@
           <p:cNvPr id="4" name="Picture 3">
             <a:extLst>
               <a:ext uri="{FF2B5EF4-FFF2-40B4-BE49-F238E27FC236}">
-                <a16:creationId xmlns:a16="http://schemas.microsoft.com/office/drawing/2014/main" id="{EEBBA21F-F001-429E-BB4C-0B9D92E63A4D}"/>
-              </a:ext>
-            </a:extLst>
-          </p:cNvPr>
-          <p:cNvPicPr>
-            <a:picLocks noChangeAspect="1"/>
-          </p:cNvPicPr>
+                <a16:creationId xmlns:a16="http://schemas.microsoft.com/office/drawing/2014/main" id="{527528D7-7935-4581-9A6A-C906F42188CB}"/>
+              </a:ext>
+            </a:extLst>
+          </p:cNvPr>
+          <p:cNvPicPr/>
           <p:nvPr/>
         </p:nvPicPr>
         <p:blipFill>
@@ -4652,8 +5486,8 @@
         </p:blipFill>
         <p:spPr>
           <a:xfrm>
-            <a:off x="7765001" y="86245"/>
-            <a:ext cx="4426997" cy="3615743"/>
+            <a:off x="176462" y="689811"/>
+            <a:ext cx="12015538" cy="3128210"/>
           </a:xfrm>
           <a:prstGeom prst="rect">
             <a:avLst/>
@@ -4662,19 +5496,15 @@
       </p:pic>
       <p:pic>
         <p:nvPicPr>
-          <p:cNvPr id="5" name="Content Placeholder 4">
-            <a:extLst>
-              <a:ext uri="{FF2B5EF4-FFF2-40B4-BE49-F238E27FC236}">
-                <a16:creationId xmlns:a16="http://schemas.microsoft.com/office/drawing/2014/main" id="{E704507C-16BE-4A10-B6C0-4F7D695DBDF2}"/>
-              </a:ext>
-            </a:extLst>
-          </p:cNvPr>
-          <p:cNvPicPr>
-            <a:picLocks noGrp="1" noChangeAspect="1"/>
-          </p:cNvPicPr>
-          <p:nvPr>
-            <p:ph idx="1"/>
-          </p:nvPr>
+          <p:cNvPr id="5" name="Picture 4">
+            <a:extLst>
+              <a:ext uri="{FF2B5EF4-FFF2-40B4-BE49-F238E27FC236}">
+                <a16:creationId xmlns:a16="http://schemas.microsoft.com/office/drawing/2014/main" id="{0F164D4C-BFE3-4631-9432-BB586A478454}"/>
+              </a:ext>
+            </a:extLst>
+          </p:cNvPr>
+          <p:cNvPicPr/>
+          <p:nvPr/>
         </p:nvPicPr>
         <p:blipFill>
           <a:blip r:embed="rId3"/>
@@ -4684,8 +5514,8 @@
         </p:blipFill>
         <p:spPr>
           <a:xfrm>
-            <a:off x="7765002" y="3701988"/>
-            <a:ext cx="4426998" cy="3156012"/>
+            <a:off x="176463" y="3818021"/>
+            <a:ext cx="12015536" cy="3039978"/>
           </a:xfrm>
           <a:prstGeom prst="rect">
             <a:avLst/>
@@ -4694,10 +5524,10 @@
       </p:pic>
       <p:sp>
         <p:nvSpPr>
-          <p:cNvPr id="6" name="TextBox 5">
-            <a:extLst>
-              <a:ext uri="{FF2B5EF4-FFF2-40B4-BE49-F238E27FC236}">
-                <a16:creationId xmlns:a16="http://schemas.microsoft.com/office/drawing/2014/main" id="{CD4591B6-94D0-477D-A091-6DDD9A84C394}"/>
+          <p:cNvPr id="8" name="TextBox 7">
+            <a:extLst>
+              <a:ext uri="{FF2B5EF4-FFF2-40B4-BE49-F238E27FC236}">
+                <a16:creationId xmlns:a16="http://schemas.microsoft.com/office/drawing/2014/main" id="{349BC8DB-8A1B-4878-93F2-27597ABB9182}"/>
               </a:ext>
             </a:extLst>
           </p:cNvPr>
@@ -4706,8 +5536,8 @@
         </p:nvSpPr>
         <p:spPr>
           <a:xfrm>
-            <a:off x="211973" y="589731"/>
-            <a:ext cx="7228604" cy="6955750"/>
+            <a:off x="10395284" y="1138989"/>
+            <a:ext cx="1507958" cy="923330"/>
           </a:xfrm>
           <a:prstGeom prst="rect">
             <a:avLst/>
@@ -4722,70 +5552,66 @@
           <a:p>
             <a:pPr algn="ctr"/>
             <a:r>
-              <a:rPr lang="en-US" sz="2400" b="1" i="1" dirty="0"/>
-              <a:t>At the end of the school year, students enrolled in AP classes have the chance to earn college credit through AP Exams!</a:t>
-            </a:r>
-          </a:p>
-          <a:p>
-            <a:endParaRPr lang="en-US" sz="2000" dirty="0"/>
-          </a:p>
-          <a:p>
-            <a:pPr marL="342900" indent="-342900">
-              <a:buFont typeface="Arial" panose="020B0604020202020204" pitchFamily="34" charset="0"/>
-              <a:buChar char="•"/>
-            </a:pPr>
-            <a:r>
-              <a:rPr lang="en-US" sz="2400" dirty="0"/>
-              <a:t>Most colleges nationwide offer college credit for qualifying AP exam scores. College courses can cost thousands of dollars, but if you take and pass an AP test, you’re only spending roughly $93.  </a:t>
-            </a:r>
-          </a:p>
-          <a:p>
-            <a:pPr marL="342900" indent="-342900" algn="ctr">
-              <a:buFont typeface="Arial" panose="020B0604020202020204" pitchFamily="34" charset="0"/>
-              <a:buChar char="•"/>
-            </a:pPr>
-            <a:endParaRPr lang="en-US" sz="2400" b="1" dirty="0"/>
-          </a:p>
-          <a:p>
-            <a:pPr marL="342900" indent="-342900">
-              <a:buFont typeface="Arial" panose="020B0604020202020204" pitchFamily="34" charset="0"/>
-              <a:buChar char="•"/>
-            </a:pPr>
-            <a:r>
-              <a:rPr lang="en-US" sz="2400" dirty="0"/>
-              <a:t>AP exams are scored from one to five, with five being the highest score. Colleges will accept a minimum exam score for it to transfer to college credit. </a:t>
-            </a:r>
-          </a:p>
-          <a:p>
-            <a:pPr marL="342900" indent="-342900">
-              <a:buFont typeface="Arial" panose="020B0604020202020204" pitchFamily="34" charset="0"/>
-              <a:buChar char="•"/>
-            </a:pPr>
-            <a:endParaRPr lang="en-US" sz="2400" dirty="0"/>
-          </a:p>
-          <a:p>
-            <a:pPr marL="342900" indent="-342900">
-              <a:buFont typeface="Arial" panose="020B0604020202020204" pitchFamily="34" charset="0"/>
-              <a:buChar char="•"/>
-            </a:pPr>
-            <a:r>
-              <a:rPr lang="en-US" sz="2400" dirty="0"/>
-              <a:t>For the purpose of this data analysis, we will use the benchmark score of a 3 (most colleges accept this score) as an indicator of how well students in a district test. </a:t>
+              <a:rPr lang="en-US" dirty="0"/>
+              <a:t>District-Level Mean:</a:t>
             </a:r>
           </a:p>
           <a:p>
             <a:pPr algn="ctr"/>
-            <a:endParaRPr lang="en-US" sz="2400" b="1" dirty="0"/>
-          </a:p>
-          <a:p>
-            <a:endParaRPr lang="en-US" b="1" dirty="0"/>
+            <a:r>
+              <a:rPr lang="en-US" dirty="0"/>
+              <a:t>1052.8</a:t>
+            </a:r>
+          </a:p>
+        </p:txBody>
+      </p:sp>
+      <p:sp>
+        <p:nvSpPr>
+          <p:cNvPr id="9" name="TextBox 8">
+            <a:extLst>
+              <a:ext uri="{FF2B5EF4-FFF2-40B4-BE49-F238E27FC236}">
+                <a16:creationId xmlns:a16="http://schemas.microsoft.com/office/drawing/2014/main" id="{413B47DC-6C6B-47B1-8E10-6AE5CC056BFD}"/>
+              </a:ext>
+            </a:extLst>
+          </p:cNvPr>
+          <p:cNvSpPr txBox="1"/>
+          <p:nvPr/>
+        </p:nvSpPr>
+        <p:spPr>
+          <a:xfrm>
+            <a:off x="10395284" y="4312266"/>
+            <a:ext cx="1507958" cy="923330"/>
+          </a:xfrm>
+          <a:prstGeom prst="rect">
+            <a:avLst/>
+          </a:prstGeom>
+          <a:noFill/>
+        </p:spPr>
+        <p:txBody>
+          <a:bodyPr wrap="square" rtlCol="0">
+            <a:spAutoFit/>
+          </a:bodyPr>
+          <a:lstStyle/>
+          <a:p>
+            <a:pPr algn="ctr"/>
+            <a:r>
+              <a:rPr lang="en-US" dirty="0"/>
+              <a:t>District-Level Mean:</a:t>
+            </a:r>
+          </a:p>
+          <a:p>
+            <a:pPr algn="ctr"/>
+            <a:r>
+              <a:rPr lang="en-US" dirty="0"/>
+              <a:t>21.1</a:t>
+            </a:r>
           </a:p>
         </p:txBody>
       </p:sp>
     </p:spTree>
     <p:extLst>
       <p:ext uri="{BB962C8B-B14F-4D97-AF65-F5344CB8AC3E}">
-        <p14:creationId xmlns:p14="http://schemas.microsoft.com/office/powerpoint/2010/main" val="3093072349"/>
+        <p14:creationId xmlns:p14="http://schemas.microsoft.com/office/powerpoint/2010/main" val="2426884512"/>
       </p:ext>
     </p:extLst>
   </p:cSld>

--- a/TexasDistrictForecast.pptx
+++ b/TexasDistrictForecast.pptx
@@ -13,11 +13,12 @@
     <p:sldId id="276" r:id="rId7"/>
     <p:sldId id="275" r:id="rId8"/>
     <p:sldId id="262" r:id="rId9"/>
-    <p:sldId id="277" r:id="rId10"/>
-    <p:sldId id="278" r:id="rId11"/>
-    <p:sldId id="279" r:id="rId12"/>
-    <p:sldId id="280" r:id="rId13"/>
-    <p:sldId id="281" r:id="rId14"/>
+    <p:sldId id="282" r:id="rId10"/>
+    <p:sldId id="277" r:id="rId11"/>
+    <p:sldId id="278" r:id="rId12"/>
+    <p:sldId id="279" r:id="rId13"/>
+    <p:sldId id="280" r:id="rId14"/>
+    <p:sldId id="281" r:id="rId15"/>
   </p:sldIdLst>
   <p:sldSz cx="12192000" cy="6858000"/>
   <p:notesSz cx="6858000" cy="9144000"/>
@@ -3374,13 +3375,13 @@
               <a:rPr lang="en-US" sz="7200" b="1" dirty="0"/>
             </a:br>
             <a:r>
-              <a:rPr lang="en-US" i="1" dirty="0"/>
+              <a:rPr lang="en-US" sz="5300" i="1" dirty="0"/>
               <a:t>(Predicting Percentage of Students Who Will Graduate College Within 4-Years, Based on the Features of the School District They Attended High School in)</a:t>
             </a:r>
             <a:br>
-              <a:rPr lang="en-US" dirty="0"/>
+              <a:rPr lang="en-US" sz="5300" dirty="0"/>
             </a:br>
-            <a:endParaRPr lang="en-US" sz="7200" i="1" dirty="0"/>
+            <a:endParaRPr lang="en-US" sz="5300" i="1" dirty="0"/>
           </a:p>
         </p:txBody>
       </p:sp>
@@ -3455,7 +3456,7 @@
           <p:cNvPr id="2" name="Title 1">
             <a:extLst>
               <a:ext uri="{FF2B5EF4-FFF2-40B4-BE49-F238E27FC236}">
-                <a16:creationId xmlns:a16="http://schemas.microsoft.com/office/drawing/2014/main" id="{7EABDBA1-D72D-48C8-AED4-07A54FFEDEAC}"/>
+                <a16:creationId xmlns:a16="http://schemas.microsoft.com/office/drawing/2014/main" id="{611720B1-AAB1-4734-936E-6A7A6276F940}"/>
               </a:ext>
             </a:extLst>
           </p:cNvPr>
@@ -3468,20 +3469,20 @@
         </p:nvSpPr>
         <p:spPr>
           <a:xfrm>
-            <a:off x="838200" y="-144378"/>
-            <a:ext cx="10515600" cy="783850"/>
+            <a:off x="838200" y="1"/>
+            <a:ext cx="10515600" cy="689810"/>
           </a:xfrm>
         </p:spPr>
         <p:txBody>
           <a:bodyPr>
-            <a:normAutofit/>
+            <a:normAutofit fontScale="90000"/>
           </a:bodyPr>
           <a:lstStyle/>
           <a:p>
             <a:pPr algn="ctr"/>
             <a:r>
-              <a:rPr lang="en-US" sz="2800" b="1" dirty="0"/>
-              <a:t>Data Analysis: (SAT/ACT Participation %)</a:t>
+              <a:rPr lang="en-US" dirty="0"/>
+              <a:t>Data Analysis: (SAT &amp; ACT)</a:t>
             </a:r>
           </a:p>
         </p:txBody>
@@ -3491,7 +3492,7 @@
           <p:cNvPr id="4" name="Picture 3">
             <a:extLst>
               <a:ext uri="{FF2B5EF4-FFF2-40B4-BE49-F238E27FC236}">
-                <a16:creationId xmlns:a16="http://schemas.microsoft.com/office/drawing/2014/main" id="{46CBA4CD-D62F-4008-A0A2-B3DE2A3A19FF}"/>
+                <a16:creationId xmlns:a16="http://schemas.microsoft.com/office/drawing/2014/main" id="{527528D7-7935-4581-9A6A-C906F42188CB}"/>
               </a:ext>
             </a:extLst>
           </p:cNvPr>
@@ -3506,8 +3507,8 @@
         </p:blipFill>
         <p:spPr>
           <a:xfrm>
-            <a:off x="3701716" y="639472"/>
-            <a:ext cx="8490284" cy="1975392"/>
+            <a:off x="176462" y="689811"/>
+            <a:ext cx="12015538" cy="3128210"/>
           </a:xfrm>
           <a:prstGeom prst="rect">
             <a:avLst/>
@@ -3519,7 +3520,7 @@
           <p:cNvPr id="5" name="Picture 4">
             <a:extLst>
               <a:ext uri="{FF2B5EF4-FFF2-40B4-BE49-F238E27FC236}">
-                <a16:creationId xmlns:a16="http://schemas.microsoft.com/office/drawing/2014/main" id="{735353E9-320A-479C-8D66-5BFD10668512}"/>
+                <a16:creationId xmlns:a16="http://schemas.microsoft.com/office/drawing/2014/main" id="{0F164D4C-BFE3-4631-9432-BB586A478454}"/>
               </a:ext>
             </a:extLst>
           </p:cNvPr>
@@ -3534,8 +3535,8 @@
         </p:blipFill>
         <p:spPr>
           <a:xfrm>
-            <a:off x="3701716" y="2614864"/>
-            <a:ext cx="8490284" cy="4243136"/>
+            <a:off x="176463" y="3818021"/>
+            <a:ext cx="12015536" cy="3039978"/>
           </a:xfrm>
           <a:prstGeom prst="rect">
             <a:avLst/>
@@ -3544,10 +3545,10 @@
       </p:pic>
       <p:sp>
         <p:nvSpPr>
-          <p:cNvPr id="6" name="TextBox 5">
-            <a:extLst>
-              <a:ext uri="{FF2B5EF4-FFF2-40B4-BE49-F238E27FC236}">
-                <a16:creationId xmlns:a16="http://schemas.microsoft.com/office/drawing/2014/main" id="{70728AB2-5B62-44A7-973A-832C0E112FC6}"/>
+          <p:cNvPr id="8" name="TextBox 7">
+            <a:extLst>
+              <a:ext uri="{FF2B5EF4-FFF2-40B4-BE49-F238E27FC236}">
+                <a16:creationId xmlns:a16="http://schemas.microsoft.com/office/drawing/2014/main" id="{349BC8DB-8A1B-4878-93F2-27597ABB9182}"/>
               </a:ext>
             </a:extLst>
           </p:cNvPr>
@@ -3556,8 +3557,8 @@
         </p:nvSpPr>
         <p:spPr>
           <a:xfrm>
-            <a:off x="0" y="639472"/>
-            <a:ext cx="3701716" cy="6124754"/>
+            <a:off x="10395284" y="1138989"/>
+            <a:ext cx="1507958" cy="923330"/>
           </a:xfrm>
           <a:prstGeom prst="rect">
             <a:avLst/>
@@ -3570,26 +3571,60 @@
           </a:bodyPr>
           <a:lstStyle/>
           <a:p>
-            <a:pPr marL="285750" indent="-285750">
-              <a:buFont typeface="Arial" panose="020B0604020202020204" pitchFamily="34" charset="0"/>
-              <a:buChar char="•"/>
-            </a:pPr>
-            <a:r>
-              <a:rPr lang="en-US" sz="2800" dirty="0"/>
-              <a:t>It appears that the classes of 2011 – 2017 all appeared to favor taking the SAT. Why is this? </a:t>
-            </a:r>
-          </a:p>
-          <a:p>
-            <a:endParaRPr lang="en-US" sz="2800" dirty="0"/>
-          </a:p>
-          <a:p>
-            <a:pPr marL="285750" indent="-285750">
-              <a:buFont typeface="Arial" panose="020B0604020202020204" pitchFamily="34" charset="0"/>
-              <a:buChar char="•"/>
-            </a:pPr>
-            <a:r>
-              <a:rPr lang="en-US" sz="2800" dirty="0"/>
-              <a:t>It’s extremely curious that this trend exists when you consider that all it takes is doing well on one of the two tests to gain college admission and receive scholarship </a:t>
+            <a:pPr algn="ctr"/>
+            <a:r>
+              <a:rPr lang="en-US" dirty="0"/>
+              <a:t>District-Level Mean:</a:t>
+            </a:r>
+          </a:p>
+          <a:p>
+            <a:pPr algn="ctr"/>
+            <a:r>
+              <a:rPr lang="en-US" dirty="0"/>
+              <a:t>1052.8</a:t>
+            </a:r>
+          </a:p>
+        </p:txBody>
+      </p:sp>
+      <p:sp>
+        <p:nvSpPr>
+          <p:cNvPr id="9" name="TextBox 8">
+            <a:extLst>
+              <a:ext uri="{FF2B5EF4-FFF2-40B4-BE49-F238E27FC236}">
+                <a16:creationId xmlns:a16="http://schemas.microsoft.com/office/drawing/2014/main" id="{413B47DC-6C6B-47B1-8E10-6AE5CC056BFD}"/>
+              </a:ext>
+            </a:extLst>
+          </p:cNvPr>
+          <p:cNvSpPr txBox="1"/>
+          <p:nvPr/>
+        </p:nvSpPr>
+        <p:spPr>
+          <a:xfrm>
+            <a:off x="10395284" y="4312266"/>
+            <a:ext cx="1507958" cy="923330"/>
+          </a:xfrm>
+          <a:prstGeom prst="rect">
+            <a:avLst/>
+          </a:prstGeom>
+          <a:noFill/>
+        </p:spPr>
+        <p:txBody>
+          <a:bodyPr wrap="square" rtlCol="0">
+            <a:spAutoFit/>
+          </a:bodyPr>
+          <a:lstStyle/>
+          <a:p>
+            <a:pPr algn="ctr"/>
+            <a:r>
+              <a:rPr lang="en-US" dirty="0"/>
+              <a:t>District-Level Mean:</a:t>
+            </a:r>
+          </a:p>
+          <a:p>
+            <a:pPr algn="ctr"/>
+            <a:r>
+              <a:rPr lang="en-US" dirty="0"/>
+              <a:t>21.1</a:t>
             </a:r>
           </a:p>
         </p:txBody>
@@ -3597,7 +3632,7 @@
     </p:spTree>
     <p:extLst>
       <p:ext uri="{BB962C8B-B14F-4D97-AF65-F5344CB8AC3E}">
-        <p14:creationId xmlns:p14="http://schemas.microsoft.com/office/powerpoint/2010/main" val="694715857"/>
+        <p14:creationId xmlns:p14="http://schemas.microsoft.com/office/powerpoint/2010/main" val="2426884512"/>
       </p:ext>
     </p:extLst>
   </p:cSld>
@@ -3624,12 +3659,48 @@
           <a:chExt cx="0" cy="0"/>
         </a:xfrm>
       </p:grpSpPr>
+      <p:sp>
+        <p:nvSpPr>
+          <p:cNvPr id="2" name="Title 1">
+            <a:extLst>
+              <a:ext uri="{FF2B5EF4-FFF2-40B4-BE49-F238E27FC236}">
+                <a16:creationId xmlns:a16="http://schemas.microsoft.com/office/drawing/2014/main" id="{7EABDBA1-D72D-48C8-AED4-07A54FFEDEAC}"/>
+              </a:ext>
+            </a:extLst>
+          </p:cNvPr>
+          <p:cNvSpPr>
+            <a:spLocks noGrp="1"/>
+          </p:cNvSpPr>
+          <p:nvPr>
+            <p:ph type="title"/>
+          </p:nvPr>
+        </p:nvSpPr>
+        <p:spPr>
+          <a:xfrm>
+            <a:off x="838200" y="-144378"/>
+            <a:ext cx="10515600" cy="783850"/>
+          </a:xfrm>
+        </p:spPr>
+        <p:txBody>
+          <a:bodyPr>
+            <a:normAutofit/>
+          </a:bodyPr>
+          <a:lstStyle/>
+          <a:p>
+            <a:pPr algn="ctr"/>
+            <a:r>
+              <a:rPr lang="en-US" sz="2800" b="1" dirty="0"/>
+              <a:t>Data Analysis: (SAT/ACT Participation %)</a:t>
+            </a:r>
+          </a:p>
+        </p:txBody>
+      </p:sp>
       <p:pic>
         <p:nvPicPr>
           <p:cNvPr id="4" name="Picture 3">
             <a:extLst>
               <a:ext uri="{FF2B5EF4-FFF2-40B4-BE49-F238E27FC236}">
-                <a16:creationId xmlns:a16="http://schemas.microsoft.com/office/drawing/2014/main" id="{39F6469F-193D-4FD1-B6FF-59E7C47EF9DA}"/>
+                <a16:creationId xmlns:a16="http://schemas.microsoft.com/office/drawing/2014/main" id="{46CBA4CD-D62F-4008-A0A2-B3DE2A3A19FF}"/>
               </a:ext>
             </a:extLst>
           </p:cNvPr>
@@ -3644,8 +3715,8 @@
         </p:blipFill>
         <p:spPr>
           <a:xfrm>
-            <a:off x="128337" y="563050"/>
-            <a:ext cx="11935326" cy="3078909"/>
+            <a:off x="3701716" y="639472"/>
+            <a:ext cx="8490284" cy="1975392"/>
           </a:xfrm>
           <a:prstGeom prst="rect">
             <a:avLst/>
@@ -3657,7 +3728,7 @@
           <p:cNvPr id="5" name="Picture 4">
             <a:extLst>
               <a:ext uri="{FF2B5EF4-FFF2-40B4-BE49-F238E27FC236}">
-                <a16:creationId xmlns:a16="http://schemas.microsoft.com/office/drawing/2014/main" id="{DE6682D8-ACA7-48A8-A7DA-4CD77EF7B5D5}"/>
+                <a16:creationId xmlns:a16="http://schemas.microsoft.com/office/drawing/2014/main" id="{735353E9-320A-479C-8D66-5BFD10668512}"/>
               </a:ext>
             </a:extLst>
           </p:cNvPr>
@@ -3672,8 +3743,8 @@
         </p:blipFill>
         <p:spPr>
           <a:xfrm>
-            <a:off x="64168" y="3641959"/>
-            <a:ext cx="12063663" cy="3216041"/>
+            <a:off x="3701716" y="2614864"/>
+            <a:ext cx="8490284" cy="4243136"/>
           </a:xfrm>
           <a:prstGeom prst="rect">
             <a:avLst/>
@@ -3685,7 +3756,7 @@
           <p:cNvPr id="6" name="TextBox 5">
             <a:extLst>
               <a:ext uri="{FF2B5EF4-FFF2-40B4-BE49-F238E27FC236}">
-                <a16:creationId xmlns:a16="http://schemas.microsoft.com/office/drawing/2014/main" id="{4CDD32CD-7EF0-484C-999F-6DA85D02AFCE}"/>
+                <a16:creationId xmlns:a16="http://schemas.microsoft.com/office/drawing/2014/main" id="{70728AB2-5B62-44A7-973A-832C0E112FC6}"/>
               </a:ext>
             </a:extLst>
           </p:cNvPr>
@@ -3694,8 +3765,8 @@
         </p:nvSpPr>
         <p:spPr>
           <a:xfrm>
-            <a:off x="2133599" y="101385"/>
-            <a:ext cx="7924800" cy="461665"/>
+            <a:off x="0" y="639472"/>
+            <a:ext cx="3701716" cy="6124754"/>
           </a:xfrm>
           <a:prstGeom prst="rect">
             <a:avLst/>
@@ -3708,96 +3779,26 @@
           </a:bodyPr>
           <a:lstStyle/>
           <a:p>
-            <a:pPr algn="ctr"/>
-            <a:r>
-              <a:rPr lang="en-US" sz="2400" dirty="0"/>
-              <a:t>Data Analysis: (AP- Passing % and Wealth/ADA ($)</a:t>
-            </a:r>
-          </a:p>
-        </p:txBody>
-      </p:sp>
-      <p:sp>
-        <p:nvSpPr>
-          <p:cNvPr id="7" name="TextBox 6">
-            <a:extLst>
-              <a:ext uri="{FF2B5EF4-FFF2-40B4-BE49-F238E27FC236}">
-                <a16:creationId xmlns:a16="http://schemas.microsoft.com/office/drawing/2014/main" id="{C3207DD6-00EC-4D24-B49B-F2FA25707117}"/>
-              </a:ext>
-            </a:extLst>
-          </p:cNvPr>
-          <p:cNvSpPr txBox="1"/>
-          <p:nvPr/>
-        </p:nvSpPr>
-        <p:spPr>
-          <a:xfrm>
-            <a:off x="7443537" y="786075"/>
-            <a:ext cx="1507958" cy="923330"/>
-          </a:xfrm>
-          <a:prstGeom prst="rect">
-            <a:avLst/>
-          </a:prstGeom>
-          <a:noFill/>
-        </p:spPr>
-        <p:txBody>
-          <a:bodyPr wrap="square" rtlCol="0">
-            <a:spAutoFit/>
-          </a:bodyPr>
-          <a:lstStyle/>
-          <a:p>
-            <a:pPr algn="ctr"/>
-            <a:r>
-              <a:rPr lang="en-US" dirty="0"/>
-              <a:t>District-Level Mean:</a:t>
-            </a:r>
-          </a:p>
-          <a:p>
-            <a:pPr algn="ctr"/>
-            <a:r>
-              <a:rPr lang="en-US" dirty="0"/>
-              <a:t>45.1%</a:t>
-            </a:r>
-          </a:p>
-        </p:txBody>
-      </p:sp>
-      <p:sp>
-        <p:nvSpPr>
-          <p:cNvPr id="8" name="TextBox 7">
-            <a:extLst>
-              <a:ext uri="{FF2B5EF4-FFF2-40B4-BE49-F238E27FC236}">
-                <a16:creationId xmlns:a16="http://schemas.microsoft.com/office/drawing/2014/main" id="{4D1A01FF-297D-45DE-8BAB-55A54CD08433}"/>
-              </a:ext>
-            </a:extLst>
-          </p:cNvPr>
-          <p:cNvSpPr txBox="1"/>
-          <p:nvPr/>
-        </p:nvSpPr>
-        <p:spPr>
-          <a:xfrm>
-            <a:off x="9785684" y="4311595"/>
-            <a:ext cx="1507958" cy="923330"/>
-          </a:xfrm>
-          <a:prstGeom prst="rect">
-            <a:avLst/>
-          </a:prstGeom>
-          <a:noFill/>
-        </p:spPr>
-        <p:txBody>
-          <a:bodyPr wrap="square" rtlCol="0">
-            <a:spAutoFit/>
-          </a:bodyPr>
-          <a:lstStyle/>
-          <a:p>
-            <a:pPr algn="ctr"/>
-            <a:r>
-              <a:rPr lang="en-US" dirty="0"/>
-              <a:t>District-Level Mean:</a:t>
-            </a:r>
-          </a:p>
-          <a:p>
-            <a:pPr algn="ctr"/>
-            <a:r>
-              <a:rPr lang="en-US" dirty="0"/>
-              <a:t>$431,718</a:t>
+            <a:pPr marL="285750" indent="-285750">
+              <a:buFont typeface="Arial" panose="020B0604020202020204" pitchFamily="34" charset="0"/>
+              <a:buChar char="•"/>
+            </a:pPr>
+            <a:r>
+              <a:rPr lang="en-US" sz="2800" dirty="0"/>
+              <a:t>It appears that the classes of 2011 – 2017 all appeared to favor taking the SAT. Why is this? </a:t>
+            </a:r>
+          </a:p>
+          <a:p>
+            <a:endParaRPr lang="en-US" sz="2800" dirty="0"/>
+          </a:p>
+          <a:p>
+            <a:pPr marL="285750" indent="-285750">
+              <a:buFont typeface="Arial" panose="020B0604020202020204" pitchFamily="34" charset="0"/>
+              <a:buChar char="•"/>
+            </a:pPr>
+            <a:r>
+              <a:rPr lang="en-US" sz="2800" dirty="0"/>
+              <a:t>It’s extremely curious that this trend exists when you consider that all it takes is doing well on one of the two tests to gain college admission and receive scholarship </a:t>
             </a:r>
           </a:p>
         </p:txBody>
@@ -3805,7 +3806,7 @@
     </p:spTree>
     <p:extLst>
       <p:ext uri="{BB962C8B-B14F-4D97-AF65-F5344CB8AC3E}">
-        <p14:creationId xmlns:p14="http://schemas.microsoft.com/office/powerpoint/2010/main" val="1871328371"/>
+        <p14:creationId xmlns:p14="http://schemas.microsoft.com/office/powerpoint/2010/main" val="694715857"/>
       </p:ext>
     </p:extLst>
   </p:cSld>
@@ -3837,7 +3838,7 @@
           <p:cNvPr id="4" name="Picture 3">
             <a:extLst>
               <a:ext uri="{FF2B5EF4-FFF2-40B4-BE49-F238E27FC236}">
-                <a16:creationId xmlns:a16="http://schemas.microsoft.com/office/drawing/2014/main" id="{15034811-80EE-4B40-8F6B-F81550509D73}"/>
+                <a16:creationId xmlns:a16="http://schemas.microsoft.com/office/drawing/2014/main" id="{39F6469F-193D-4FD1-B6FF-59E7C47EF9DA}"/>
               </a:ext>
             </a:extLst>
           </p:cNvPr>
@@ -3852,20 +3853,48 @@
         </p:blipFill>
         <p:spPr>
           <a:xfrm>
-            <a:off x="4443663" y="1432169"/>
-            <a:ext cx="7748337" cy="5281451"/>
+            <a:off x="128337" y="563050"/>
+            <a:ext cx="11935326" cy="3078909"/>
           </a:xfrm>
           <a:prstGeom prst="rect">
             <a:avLst/>
           </a:prstGeom>
         </p:spPr>
       </p:pic>
+      <p:pic>
+        <p:nvPicPr>
+          <p:cNvPr id="5" name="Picture 4">
+            <a:extLst>
+              <a:ext uri="{FF2B5EF4-FFF2-40B4-BE49-F238E27FC236}">
+                <a16:creationId xmlns:a16="http://schemas.microsoft.com/office/drawing/2014/main" id="{DE6682D8-ACA7-48A8-A7DA-4CD77EF7B5D5}"/>
+              </a:ext>
+            </a:extLst>
+          </p:cNvPr>
+          <p:cNvPicPr/>
+          <p:nvPr/>
+        </p:nvPicPr>
+        <p:blipFill>
+          <a:blip r:embed="rId3"/>
+          <a:stretch>
+            <a:fillRect/>
+          </a:stretch>
+        </p:blipFill>
+        <p:spPr>
+          <a:xfrm>
+            <a:off x="64168" y="3641959"/>
+            <a:ext cx="12063663" cy="3216041"/>
+          </a:xfrm>
+          <a:prstGeom prst="rect">
+            <a:avLst/>
+          </a:prstGeom>
+        </p:spPr>
+      </p:pic>
       <p:sp>
         <p:nvSpPr>
           <p:cNvPr id="6" name="TextBox 5">
             <a:extLst>
               <a:ext uri="{FF2B5EF4-FFF2-40B4-BE49-F238E27FC236}">
-                <a16:creationId xmlns:a16="http://schemas.microsoft.com/office/drawing/2014/main" id="{61917F3E-63FA-42DF-9480-3BE14488E124}"/>
+                <a16:creationId xmlns:a16="http://schemas.microsoft.com/office/drawing/2014/main" id="{4CDD32CD-7EF0-484C-999F-6DA85D02AFCE}"/>
               </a:ext>
             </a:extLst>
           </p:cNvPr>
@@ -3874,8 +3903,8 @@
         </p:nvSpPr>
         <p:spPr>
           <a:xfrm>
-            <a:off x="1540042" y="144379"/>
-            <a:ext cx="8726905" cy="1200329"/>
+            <a:off x="2133599" y="101385"/>
+            <a:ext cx="7924800" cy="461665"/>
           </a:xfrm>
           <a:prstGeom prst="rect">
             <a:avLst/>
@@ -3890,15 +3919,8 @@
           <a:p>
             <a:pPr algn="ctr"/>
             <a:r>
-              <a:rPr lang="en-US" sz="2400" b="1" dirty="0"/>
-              <a:t>Data Analysis: (Wealth/ADA ($) Effect on College Enrollment Percentage and College Graduation Percentage) </a:t>
-            </a:r>
-          </a:p>
-          <a:p>
-            <a:pPr algn="ctr"/>
-            <a:r>
-              <a:rPr lang="en-US" sz="2400" b="1" dirty="0"/>
-              <a:t>PART 1 of 2</a:t>
+              <a:rPr lang="en-US" sz="2400" dirty="0"/>
+              <a:t>Data Analysis: (AP- Passing % and Wealth/ADA ($)</a:t>
             </a:r>
           </a:p>
         </p:txBody>
@@ -3908,7 +3930,7 @@
           <p:cNvPr id="7" name="TextBox 6">
             <a:extLst>
               <a:ext uri="{FF2B5EF4-FFF2-40B4-BE49-F238E27FC236}">
-                <a16:creationId xmlns:a16="http://schemas.microsoft.com/office/drawing/2014/main" id="{B9BE8F29-0023-4E8A-89C0-3EF29D37DCA2}"/>
+                <a16:creationId xmlns:a16="http://schemas.microsoft.com/office/drawing/2014/main" id="{C3207DD6-00EC-4D24-B49B-F2FA25707117}"/>
               </a:ext>
             </a:extLst>
           </p:cNvPr>
@@ -3917,8 +3939,8 @@
         </p:nvSpPr>
         <p:spPr>
           <a:xfrm>
-            <a:off x="144379" y="1496338"/>
-            <a:ext cx="4299284" cy="5016758"/>
+            <a:off x="7443537" y="786075"/>
+            <a:ext cx="1507958" cy="923330"/>
           </a:xfrm>
           <a:prstGeom prst="rect">
             <a:avLst/>
@@ -3931,47 +3953,60 @@
           </a:bodyPr>
           <a:lstStyle/>
           <a:p>
-            <a:pPr marL="285750" indent="-285750">
-              <a:buFont typeface="Arial" panose="020B0604020202020204" pitchFamily="34" charset="0"/>
-              <a:buChar char="•"/>
-            </a:pPr>
-            <a:r>
-              <a:rPr lang="en-US" sz="2000" dirty="0"/>
-              <a:t>Acknowledging that college is a business in the United States, one could hypothesize that we should see a decent correlation between Wealth/ADA ($) and college enrollment percentage. </a:t>
-            </a:r>
-          </a:p>
-          <a:p>
-            <a:pPr marL="285750" indent="-285750">
-              <a:buFont typeface="Arial" panose="020B0604020202020204" pitchFamily="34" charset="0"/>
-              <a:buChar char="•"/>
-            </a:pPr>
-            <a:endParaRPr lang="en-US" sz="2000" dirty="0"/>
-          </a:p>
-          <a:p>
-            <a:pPr marL="285750" indent="-285750">
-              <a:buFont typeface="Arial" panose="020B0604020202020204" pitchFamily="34" charset="0"/>
-              <a:buChar char="•"/>
-            </a:pPr>
-            <a:endParaRPr lang="en-US" sz="2000" dirty="0"/>
-          </a:p>
-          <a:p>
-            <a:pPr marL="285750" indent="-285750">
-              <a:buFont typeface="Arial" panose="020B0604020202020204" pitchFamily="34" charset="0"/>
-              <a:buChar char="•"/>
-            </a:pPr>
-            <a:r>
-              <a:rPr lang="en-US" sz="2000" dirty="0"/>
-              <a:t>There does exist a positive correlation between the two, but its important to acknowledge that Wealth/ADA is not the sole factor in determining college enrollment percentage.</a:t>
-            </a:r>
-          </a:p>
-          <a:p>
-            <a:endParaRPr lang="en-US" sz="2000" dirty="0"/>
-          </a:p>
-          <a:p>
             <a:pPr algn="ctr"/>
             <a:r>
-              <a:rPr lang="en-US" sz="2000" dirty="0"/>
-              <a:t> (SAT/ACT/AP etc.….)</a:t>
+              <a:rPr lang="en-US" dirty="0"/>
+              <a:t>District-Level Mean:</a:t>
+            </a:r>
+          </a:p>
+          <a:p>
+            <a:pPr algn="ctr"/>
+            <a:r>
+              <a:rPr lang="en-US" dirty="0"/>
+              <a:t>45.1%</a:t>
+            </a:r>
+          </a:p>
+        </p:txBody>
+      </p:sp>
+      <p:sp>
+        <p:nvSpPr>
+          <p:cNvPr id="8" name="TextBox 7">
+            <a:extLst>
+              <a:ext uri="{FF2B5EF4-FFF2-40B4-BE49-F238E27FC236}">
+                <a16:creationId xmlns:a16="http://schemas.microsoft.com/office/drawing/2014/main" id="{4D1A01FF-297D-45DE-8BAB-55A54CD08433}"/>
+              </a:ext>
+            </a:extLst>
+          </p:cNvPr>
+          <p:cNvSpPr txBox="1"/>
+          <p:nvPr/>
+        </p:nvSpPr>
+        <p:spPr>
+          <a:xfrm>
+            <a:off x="9785684" y="4311595"/>
+            <a:ext cx="1507958" cy="923330"/>
+          </a:xfrm>
+          <a:prstGeom prst="rect">
+            <a:avLst/>
+          </a:prstGeom>
+          <a:noFill/>
+        </p:spPr>
+        <p:txBody>
+          <a:bodyPr wrap="square" rtlCol="0">
+            <a:spAutoFit/>
+          </a:bodyPr>
+          <a:lstStyle/>
+          <a:p>
+            <a:pPr algn="ctr"/>
+            <a:r>
+              <a:rPr lang="en-US" dirty="0"/>
+              <a:t>District-Level Mean:</a:t>
+            </a:r>
+          </a:p>
+          <a:p>
+            <a:pPr algn="ctr"/>
+            <a:r>
+              <a:rPr lang="en-US" dirty="0"/>
+              <a:t>$431,718</a:t>
             </a:r>
           </a:p>
         </p:txBody>
@@ -3979,7 +4014,7 @@
     </p:spTree>
     <p:extLst>
       <p:ext uri="{BB962C8B-B14F-4D97-AF65-F5344CB8AC3E}">
-        <p14:creationId xmlns:p14="http://schemas.microsoft.com/office/powerpoint/2010/main" val="4072279281"/>
+        <p14:creationId xmlns:p14="http://schemas.microsoft.com/office/powerpoint/2010/main" val="1871328371"/>
       </p:ext>
     </p:extLst>
   </p:cSld>
@@ -4006,6 +4041,34 @@
           <a:chExt cx="0" cy="0"/>
         </a:xfrm>
       </p:grpSpPr>
+      <p:pic>
+        <p:nvPicPr>
+          <p:cNvPr id="4" name="Picture 3">
+            <a:extLst>
+              <a:ext uri="{FF2B5EF4-FFF2-40B4-BE49-F238E27FC236}">
+                <a16:creationId xmlns:a16="http://schemas.microsoft.com/office/drawing/2014/main" id="{15034811-80EE-4B40-8F6B-F81550509D73}"/>
+              </a:ext>
+            </a:extLst>
+          </p:cNvPr>
+          <p:cNvPicPr/>
+          <p:nvPr/>
+        </p:nvPicPr>
+        <p:blipFill>
+          <a:blip r:embed="rId2"/>
+          <a:stretch>
+            <a:fillRect/>
+          </a:stretch>
+        </p:blipFill>
+        <p:spPr>
+          <a:xfrm>
+            <a:off x="4443663" y="1432169"/>
+            <a:ext cx="7748337" cy="5281451"/>
+          </a:xfrm>
+          <a:prstGeom prst="rect">
+            <a:avLst/>
+          </a:prstGeom>
+        </p:spPr>
+      </p:pic>
       <p:sp>
         <p:nvSpPr>
           <p:cNvPr id="6" name="TextBox 5">
@@ -4037,14 +4100,14 @@
             <a:pPr algn="ctr"/>
             <a:r>
               <a:rPr lang="en-US" sz="2400" b="1" dirty="0"/>
-              <a:t>Data Analysis: (Wealth/ADA ($) Effect on College Enrollment Percentage vs. College Graduation Percentage) </a:t>
+              <a:t>Data Analysis: (Wealth/ADA Effect on College Enrollment Percentage and College Graduation Percentage) </a:t>
             </a:r>
           </a:p>
           <a:p>
             <a:pPr algn="ctr"/>
             <a:r>
               <a:rPr lang="en-US" sz="2400" b="1" dirty="0"/>
-              <a:t>PART 2 of 2</a:t>
+              <a:t>PART 1 of 2</a:t>
             </a:r>
           </a:p>
         </p:txBody>
@@ -4063,8 +4126,8 @@
         </p:nvSpPr>
         <p:spPr>
           <a:xfrm>
-            <a:off x="80208" y="2186149"/>
-            <a:ext cx="4299284" cy="3170099"/>
+            <a:off x="144379" y="1496338"/>
+            <a:ext cx="4299284" cy="5016758"/>
           </a:xfrm>
           <a:prstGeom prst="rect">
             <a:avLst/>
@@ -4077,6 +4140,152 @@
           </a:bodyPr>
           <a:lstStyle/>
           <a:p>
+            <a:pPr marL="285750" indent="-285750">
+              <a:buFont typeface="Arial" panose="020B0604020202020204" pitchFamily="34" charset="0"/>
+              <a:buChar char="•"/>
+            </a:pPr>
+            <a:r>
+              <a:rPr lang="en-US" sz="2000" dirty="0"/>
+              <a:t>Acknowledging that college is a business in the United States, one could hypothesize that we should see a decent correlation between Wealth/ADA and college enrollment percentage. </a:t>
+            </a:r>
+          </a:p>
+          <a:p>
+            <a:pPr marL="285750" indent="-285750">
+              <a:buFont typeface="Arial" panose="020B0604020202020204" pitchFamily="34" charset="0"/>
+              <a:buChar char="•"/>
+            </a:pPr>
+            <a:endParaRPr lang="en-US" sz="2000" dirty="0"/>
+          </a:p>
+          <a:p>
+            <a:pPr marL="285750" indent="-285750">
+              <a:buFont typeface="Arial" panose="020B0604020202020204" pitchFamily="34" charset="0"/>
+              <a:buChar char="•"/>
+            </a:pPr>
+            <a:endParaRPr lang="en-US" sz="2000" dirty="0"/>
+          </a:p>
+          <a:p>
+            <a:pPr marL="285750" indent="-285750">
+              <a:buFont typeface="Arial" panose="020B0604020202020204" pitchFamily="34" charset="0"/>
+              <a:buChar char="•"/>
+            </a:pPr>
+            <a:r>
+              <a:rPr lang="en-US" sz="2000" dirty="0"/>
+              <a:t>There does exist a positive correlation between the two, but its important to acknowledge that Wealth/ADA is not the sole factor in determining college enrollment percentage.</a:t>
+            </a:r>
+          </a:p>
+          <a:p>
+            <a:endParaRPr lang="en-US" sz="2000" dirty="0"/>
+          </a:p>
+          <a:p>
+            <a:pPr algn="ctr"/>
+            <a:r>
+              <a:rPr lang="en-US" sz="2000" dirty="0"/>
+              <a:t> (SAT/ACT/AP etc.….)</a:t>
+            </a:r>
+          </a:p>
+        </p:txBody>
+      </p:sp>
+    </p:spTree>
+    <p:extLst>
+      <p:ext uri="{BB962C8B-B14F-4D97-AF65-F5344CB8AC3E}">
+        <p14:creationId xmlns:p14="http://schemas.microsoft.com/office/powerpoint/2010/main" val="4072279281"/>
+      </p:ext>
+    </p:extLst>
+  </p:cSld>
+  <p:clrMapOvr>
+    <a:masterClrMapping/>
+  </p:clrMapOvr>
+</p:sld>
+</file>
+
+<file path=ppt/slides/slide14.xml><?xml version="1.0" encoding="utf-8"?>
+<p:sld xmlns:a="http://schemas.openxmlformats.org/drawingml/2006/main" xmlns:r="http://schemas.openxmlformats.org/officeDocument/2006/relationships" xmlns:p="http://schemas.openxmlformats.org/presentationml/2006/main">
+  <p:cSld>
+    <p:spTree>
+      <p:nvGrpSpPr>
+        <p:cNvPr id="1" name=""/>
+        <p:cNvGrpSpPr/>
+        <p:nvPr/>
+      </p:nvGrpSpPr>
+      <p:grpSpPr>
+        <a:xfrm>
+          <a:off x="0" y="0"/>
+          <a:ext cx="0" cy="0"/>
+          <a:chOff x="0" y="0"/>
+          <a:chExt cx="0" cy="0"/>
+        </a:xfrm>
+      </p:grpSpPr>
+      <p:sp>
+        <p:nvSpPr>
+          <p:cNvPr id="6" name="TextBox 5">
+            <a:extLst>
+              <a:ext uri="{FF2B5EF4-FFF2-40B4-BE49-F238E27FC236}">
+                <a16:creationId xmlns:a16="http://schemas.microsoft.com/office/drawing/2014/main" id="{61917F3E-63FA-42DF-9480-3BE14488E124}"/>
+              </a:ext>
+            </a:extLst>
+          </p:cNvPr>
+          <p:cNvSpPr txBox="1"/>
+          <p:nvPr/>
+        </p:nvSpPr>
+        <p:spPr>
+          <a:xfrm>
+            <a:off x="1540042" y="144379"/>
+            <a:ext cx="8726905" cy="1200329"/>
+          </a:xfrm>
+          <a:prstGeom prst="rect">
+            <a:avLst/>
+          </a:prstGeom>
+          <a:noFill/>
+        </p:spPr>
+        <p:txBody>
+          <a:bodyPr wrap="square" rtlCol="0">
+            <a:spAutoFit/>
+          </a:bodyPr>
+          <a:lstStyle/>
+          <a:p>
+            <a:pPr algn="ctr"/>
+            <a:r>
+              <a:rPr lang="en-US" sz="2400" b="1" dirty="0"/>
+              <a:t>Data Analysis: (Wealth/ADA ($) Effect on College Enrollment Percentage vs. College Graduation Percentage) </a:t>
+            </a:r>
+          </a:p>
+          <a:p>
+            <a:pPr algn="ctr"/>
+            <a:r>
+              <a:rPr lang="en-US" sz="2400" b="1" dirty="0"/>
+              <a:t>PART 2 of 2</a:t>
+            </a:r>
+          </a:p>
+        </p:txBody>
+      </p:sp>
+      <p:sp>
+        <p:nvSpPr>
+          <p:cNvPr id="7" name="TextBox 6">
+            <a:extLst>
+              <a:ext uri="{FF2B5EF4-FFF2-40B4-BE49-F238E27FC236}">
+                <a16:creationId xmlns:a16="http://schemas.microsoft.com/office/drawing/2014/main" id="{B9BE8F29-0023-4E8A-89C0-3EF29D37DCA2}"/>
+              </a:ext>
+            </a:extLst>
+          </p:cNvPr>
+          <p:cNvSpPr txBox="1"/>
+          <p:nvPr/>
+        </p:nvSpPr>
+        <p:spPr>
+          <a:xfrm>
+            <a:off x="0" y="1533465"/>
+            <a:ext cx="4299284" cy="5324535"/>
+          </a:xfrm>
+          <a:prstGeom prst="rect">
+            <a:avLst/>
+          </a:prstGeom>
+          <a:noFill/>
+        </p:spPr>
+        <p:txBody>
+          <a:bodyPr wrap="square" rtlCol="0">
+            <a:spAutoFit/>
+          </a:bodyPr>
+          <a:lstStyle/>
+          <a:p>
             <a:pPr marL="342900" indent="-342900">
               <a:buFont typeface="Arial" panose="020B0604020202020204" pitchFamily="34" charset="0"/>
               <a:buChar char="•"/>
@@ -4084,6 +4293,19 @@
             <a:r>
               <a:rPr lang="en-US" sz="2000" dirty="0"/>
               <a:t>The correlation between Wealth/ADA and college graduation was a little bit weaker, but still positive. </a:t>
+            </a:r>
+          </a:p>
+          <a:p>
+            <a:endParaRPr lang="en-US" sz="2000" dirty="0"/>
+          </a:p>
+          <a:p>
+            <a:pPr marL="342900" indent="-342900">
+              <a:buFont typeface="Arial" panose="020B0604020202020204" pitchFamily="34" charset="0"/>
+              <a:buChar char="•"/>
+            </a:pPr>
+            <a:r>
+              <a:rPr lang="en-US" sz="2000" dirty="0"/>
+              <a:t>Compared to college enrollment percentage, this is where the student’s actual education/performance has the upper hand in influencing the outcome.</a:t>
             </a:r>
           </a:p>
           <a:p>
@@ -4098,17 +4320,13 @@
               <a:buFont typeface="Arial" panose="020B0604020202020204" pitchFamily="34" charset="0"/>
               <a:buChar char="•"/>
             </a:pPr>
+            <a:r>
+              <a:rPr lang="en-US" sz="2000" dirty="0"/>
+              <a:t>In the middle-left part of the figure we see some of the highest college graduation percentages near the mean Wealth/ADA ($431,718)</a:t>
+            </a:r>
+          </a:p>
+          <a:p>
             <a:endParaRPr lang="en-US" sz="2000" dirty="0"/>
-          </a:p>
-          <a:p>
-            <a:pPr marL="342900" indent="-342900">
-              <a:buFont typeface="Arial" panose="020B0604020202020204" pitchFamily="34" charset="0"/>
-              <a:buChar char="•"/>
-            </a:pPr>
-            <a:r>
-              <a:rPr lang="en-US" sz="2000" dirty="0"/>
-              <a:t>This is where the student’s actual education has the upper hand in determining if they can earn a degree</a:t>
-            </a:r>
           </a:p>
         </p:txBody>
       </p:sp>
@@ -4328,10 +4546,10 @@
           </a:p>
           <a:p>
             <a:r>
-              <a:rPr lang="en-US" sz="2400" dirty="0"/>
-              <a:t>The college enrollment and graduation data utilized in this study only considers Texas colleges. </a:t>
-            </a:r>
-            <a:endParaRPr lang="en-US" sz="2800" dirty="0"/>
+              <a:rPr lang="en-US" sz="2400" u="sng" dirty="0"/>
+              <a:t>The college enrollment and graduation data only considers Texas colleges. </a:t>
+            </a:r>
+            <a:endParaRPr lang="en-US" sz="2800" u="sng" dirty="0"/>
           </a:p>
         </p:txBody>
       </p:sp>
@@ -4383,7 +4601,7 @@
         </p:nvSpPr>
         <p:spPr>
           <a:xfrm>
-            <a:off x="838200" y="0"/>
+            <a:off x="838200" y="-122051"/>
             <a:ext cx="10515600" cy="1260629"/>
           </a:xfrm>
         </p:spPr>
@@ -4445,8 +4663,8 @@
         </p:nvSpPr>
         <p:spPr>
           <a:xfrm>
-            <a:off x="1" y="1154210"/>
-            <a:ext cx="5390146" cy="5693866"/>
+            <a:off x="1" y="1802590"/>
+            <a:ext cx="5390146" cy="4401205"/>
           </a:xfrm>
           <a:prstGeom prst="rect">
             <a:avLst/>
@@ -4465,7 +4683,7 @@
             </a:pPr>
             <a:r>
               <a:rPr lang="en-US" sz="2800" dirty="0"/>
-              <a:t>The major regions represent areas with the most economic opportunity, making them prime locations for families and talented educators. </a:t>
+              <a:t>Here’s how the Texas Education Agency splits up its educational regions for reporting data</a:t>
             </a:r>
           </a:p>
           <a:p>
@@ -4482,25 +4700,11 @@
             </a:pPr>
             <a:r>
               <a:rPr lang="en-US" sz="2800" dirty="0"/>
-              <a:t>Here’s how the Texas Education Agency splits up its educational regions for reporting data</a:t>
-            </a:r>
-          </a:p>
-          <a:p>
-            <a:pPr marL="457200" indent="-457200">
-              <a:buFont typeface="Arial" panose="020B0604020202020204" pitchFamily="34" charset="0"/>
-              <a:buChar char="•"/>
-            </a:pPr>
+              <a:t>The major regions represent areas with the most economic opportunity, making them prime locations for families and talented educators. </a:t>
+            </a:r>
+          </a:p>
+          <a:p>
             <a:endParaRPr lang="en-US" sz="2800" dirty="0"/>
-          </a:p>
-          <a:p>
-            <a:pPr marL="457200" indent="-457200">
-              <a:buFont typeface="Arial" panose="020B0604020202020204" pitchFamily="34" charset="0"/>
-              <a:buChar char="•"/>
-            </a:pPr>
-            <a:r>
-              <a:rPr lang="en-US" sz="2800" dirty="0"/>
-              <a:t>The school districts utilized in this study exist within the highlighted regions</a:t>
-            </a:r>
           </a:p>
         </p:txBody>
       </p:sp>
@@ -4606,7 +4810,7 @@
           <a:p>
             <a:r>
               <a:rPr lang="en-US" sz="3200" dirty="0"/>
-              <a:t>With a solid high school career, students can go to college prepared to earn their degree and live a more comfortable life.</a:t>
+              <a:t>With quality high school education, students can go to college prepared to earn their degree and live a more comfortable life.</a:t>
             </a:r>
           </a:p>
           <a:p>
@@ -4740,19 +4944,31 @@
           <a:lstStyle/>
           <a:p>
             <a:r>
-              <a:rPr lang="en-US" sz="3200" dirty="0"/>
-              <a:t>The better question for parents to ask is “which school districts have historically proven to have a higher percentage of its graduates earn a college degree within four years?” </a:t>
-            </a:r>
-          </a:p>
-          <a:p>
-            <a:r>
-              <a:rPr lang="en-US" sz="3200" dirty="0"/>
+              <a:rPr lang="en-US" dirty="0"/>
+              <a:t>The better question for parents to ask is “which school districts are proven to contain a higher percentage of its graduates earn a college degree within four years?” </a:t>
+            </a:r>
+          </a:p>
+          <a:p>
+            <a:pPr marL="0" indent="0">
+              <a:buNone/>
+            </a:pPr>
+            <a:endParaRPr lang="en-US" dirty="0"/>
+          </a:p>
+          <a:p>
+            <a:r>
+              <a:rPr lang="en-US" dirty="0"/>
               <a:t>The honest truth is that there are many colleges willing to accept your child even if they had poor college admission test results. </a:t>
             </a:r>
           </a:p>
           <a:p>
-            <a:r>
-              <a:rPr lang="en-US" sz="3200" dirty="0"/>
+            <a:pPr marL="0" indent="0">
+              <a:buNone/>
+            </a:pPr>
+            <a:endParaRPr lang="en-US" dirty="0"/>
+          </a:p>
+          <a:p>
+            <a:r>
+              <a:rPr lang="en-US" dirty="0"/>
               <a:t>Colleges will gladly collect expensive tuition checks until the student fails out (not prepared) or earns a degree (prepared student). </a:t>
             </a:r>
           </a:p>
@@ -4872,8 +5088,8 @@
         </p:nvSpPr>
         <p:spPr>
           <a:xfrm>
-            <a:off x="515351" y="168777"/>
-            <a:ext cx="11161295" cy="1325563"/>
+            <a:off x="0" y="310734"/>
+            <a:ext cx="12192000" cy="1325563"/>
           </a:xfrm>
         </p:spPr>
         <p:txBody>
@@ -4885,7 +5101,7 @@
             <a:pPr algn="ctr"/>
             <a:r>
               <a:rPr lang="en-US" sz="5400" b="1" dirty="0"/>
-              <a:t>Aim of the Project/Problem I Want to Solve:</a:t>
+              <a:t>Aim of the Project/Product I Want to Provide:</a:t>
             </a:r>
             <a:br>
               <a:rPr lang="en-US" b="1" dirty="0"/>
@@ -4912,8 +5128,8 @@
         </p:nvSpPr>
         <p:spPr>
           <a:xfrm>
-            <a:off x="0" y="1379621"/>
-            <a:ext cx="12192000" cy="5594517"/>
+            <a:off x="352927" y="1479884"/>
+            <a:ext cx="11161295" cy="5067381"/>
           </a:xfrm>
         </p:spPr>
         <p:txBody>
@@ -4923,7 +5139,7 @@
           <a:lstStyle/>
           <a:p>
             <a:r>
-              <a:rPr lang="en-US" sz="4000" dirty="0"/>
+              <a:rPr lang="en-US" dirty="0"/>
               <a:t>Through this project, I aimed to study the relationship between the percentage of college students who graduate within four years and the features of the school district they attended high school in. </a:t>
             </a:r>
           </a:p>
@@ -4931,12 +5147,24 @@
             <a:pPr marL="0" indent="0">
               <a:buNone/>
             </a:pPr>
-            <a:endParaRPr lang="en-US" sz="4000" dirty="0"/>
-          </a:p>
-          <a:p>
-            <a:r>
-              <a:rPr lang="en-US" sz="4000" dirty="0"/>
-              <a:t>In order to achieve this goal, historical district features were collected along with the resulting percentage of students who were able to earn their college degree within four years. </a:t>
+            <a:endParaRPr lang="en-US" dirty="0"/>
+          </a:p>
+          <a:p>
+            <a:r>
+              <a:rPr lang="en-US" dirty="0"/>
+              <a:t>In order to achieve this goal, historical district features were collected for the high school classes of 2011 – 2017, along with the resulting percentage of students who were able to earn their college degree within four years. </a:t>
+            </a:r>
+          </a:p>
+          <a:p>
+            <a:pPr marL="0" indent="0">
+              <a:buNone/>
+            </a:pPr>
+            <a:endParaRPr lang="en-US" dirty="0"/>
+          </a:p>
+          <a:p>
+            <a:r>
+              <a:rPr lang="en-US" dirty="0"/>
+              <a:t>With the historical data in place, I then utilized machine learning to build a predictive model to estimate the target variable (“Graduated 4-Year (%)”)</a:t>
             </a:r>
           </a:p>
           <a:p>
@@ -5435,7 +5663,7 @@
           <p:cNvPr id="2" name="Title 1">
             <a:extLst>
               <a:ext uri="{FF2B5EF4-FFF2-40B4-BE49-F238E27FC236}">
-                <a16:creationId xmlns:a16="http://schemas.microsoft.com/office/drawing/2014/main" id="{611720B1-AAB1-4734-936E-6A7A6276F940}"/>
+                <a16:creationId xmlns:a16="http://schemas.microsoft.com/office/drawing/2014/main" id="{8671C1F8-9447-41D4-A49F-4F79826534A9}"/>
               </a:ext>
             </a:extLst>
           </p:cNvPr>
@@ -5448,20 +5676,25 @@
         </p:nvSpPr>
         <p:spPr>
           <a:xfrm>
-            <a:off x="838200" y="1"/>
-            <a:ext cx="10515600" cy="689810"/>
-          </a:xfrm>
-        </p:spPr>
-        <p:txBody>
-          <a:bodyPr>
-            <a:normAutofit fontScale="90000"/>
-          </a:bodyPr>
+            <a:off x="838200" y="0"/>
+            <a:ext cx="10515600" cy="1325563"/>
+          </a:xfrm>
+        </p:spPr>
+        <p:txBody>
+          <a:bodyPr/>
           <a:lstStyle/>
           <a:p>
             <a:pPr algn="ctr"/>
             <a:r>
-              <a:rPr lang="en-US" dirty="0"/>
-              <a:t>Data Analysis: (SAT &amp; ACT)</a:t>
+              <a:rPr lang="en-US" b="1" dirty="0"/>
+              <a:t>Wealth Per Average Daily Attendance</a:t>
+            </a:r>
+            <a:br>
+              <a:rPr lang="en-US" b="1" dirty="0"/>
+            </a:br>
+            <a:r>
+              <a:rPr lang="en-US" b="1" dirty="0"/>
+              <a:t>(“Wealth/ADA”) </a:t>
             </a:r>
           </a:p>
         </p:txBody>
@@ -5471,11 +5704,13 @@
           <p:cNvPr id="4" name="Picture 3">
             <a:extLst>
               <a:ext uri="{FF2B5EF4-FFF2-40B4-BE49-F238E27FC236}">
-                <a16:creationId xmlns:a16="http://schemas.microsoft.com/office/drawing/2014/main" id="{527528D7-7935-4581-9A6A-C906F42188CB}"/>
-              </a:ext>
-            </a:extLst>
-          </p:cNvPr>
-          <p:cNvPicPr/>
+                <a16:creationId xmlns:a16="http://schemas.microsoft.com/office/drawing/2014/main" id="{D938823A-C22F-43B7-B667-4E0B31437DB8}"/>
+              </a:ext>
+            </a:extLst>
+          </p:cNvPr>
+          <p:cNvPicPr>
+            <a:picLocks noChangeAspect="1"/>
+          </p:cNvPicPr>
           <p:nvPr/>
         </p:nvPicPr>
         <p:blipFill>
@@ -5486,48 +5721,20 @@
         </p:blipFill>
         <p:spPr>
           <a:xfrm>
-            <a:off x="176462" y="689811"/>
-            <a:ext cx="12015538" cy="3128210"/>
+            <a:off x="5871411" y="2117559"/>
+            <a:ext cx="6146506" cy="4090736"/>
           </a:xfrm>
           <a:prstGeom prst="rect">
             <a:avLst/>
           </a:prstGeom>
         </p:spPr>
       </p:pic>
-      <p:pic>
-        <p:nvPicPr>
-          <p:cNvPr id="5" name="Picture 4">
-            <a:extLst>
-              <a:ext uri="{FF2B5EF4-FFF2-40B4-BE49-F238E27FC236}">
-                <a16:creationId xmlns:a16="http://schemas.microsoft.com/office/drawing/2014/main" id="{0F164D4C-BFE3-4631-9432-BB586A478454}"/>
-              </a:ext>
-            </a:extLst>
-          </p:cNvPr>
-          <p:cNvPicPr/>
-          <p:nvPr/>
-        </p:nvPicPr>
-        <p:blipFill>
-          <a:blip r:embed="rId3"/>
-          <a:stretch>
-            <a:fillRect/>
-          </a:stretch>
-        </p:blipFill>
-        <p:spPr>
-          <a:xfrm>
-            <a:off x="176463" y="3818021"/>
-            <a:ext cx="12015536" cy="3039978"/>
-          </a:xfrm>
-          <a:prstGeom prst="rect">
-            <a:avLst/>
-          </a:prstGeom>
-        </p:spPr>
-      </p:pic>
-      <p:sp>
-        <p:nvSpPr>
-          <p:cNvPr id="8" name="TextBox 7">
-            <a:extLst>
-              <a:ext uri="{FF2B5EF4-FFF2-40B4-BE49-F238E27FC236}">
-                <a16:creationId xmlns:a16="http://schemas.microsoft.com/office/drawing/2014/main" id="{349BC8DB-8A1B-4878-93F2-27597ABB9182}"/>
+      <p:sp>
+        <p:nvSpPr>
+          <p:cNvPr id="5" name="TextBox 4">
+            <a:extLst>
+              <a:ext uri="{FF2B5EF4-FFF2-40B4-BE49-F238E27FC236}">
+                <a16:creationId xmlns:a16="http://schemas.microsoft.com/office/drawing/2014/main" id="{A79499C9-512F-4BFD-8DC8-5B74C6B3B364}"/>
               </a:ext>
             </a:extLst>
           </p:cNvPr>
@@ -5536,8 +5743,8 @@
         </p:nvSpPr>
         <p:spPr>
           <a:xfrm>
-            <a:off x="10395284" y="1138989"/>
-            <a:ext cx="1507958" cy="923330"/>
+            <a:off x="385011" y="1876926"/>
+            <a:ext cx="5181600" cy="3693319"/>
           </a:xfrm>
           <a:prstGeom prst="rect">
             <a:avLst/>
@@ -5550,60 +5757,48 @@
           </a:bodyPr>
           <a:lstStyle/>
           <a:p>
-            <a:pPr algn="ctr"/>
+            <a:endParaRPr lang="en-US" dirty="0"/>
+          </a:p>
+          <a:p>
             <a:r>
               <a:rPr lang="en-US" dirty="0"/>
-              <a:t>District-Level Mean:</a:t>
-            </a:r>
-          </a:p>
-          <a:p>
-            <a:pPr algn="ctr"/>
+              <a:t>Wealth:</a:t>
+            </a:r>
+          </a:p>
+          <a:p>
+            <a:endParaRPr lang="en-US" dirty="0"/>
+          </a:p>
+          <a:p>
             <a:r>
               <a:rPr lang="en-US" dirty="0"/>
-              <a:t>1052.8</a:t>
-            </a:r>
-          </a:p>
-        </p:txBody>
-      </p:sp>
-      <p:sp>
-        <p:nvSpPr>
-          <p:cNvPr id="9" name="TextBox 8">
-            <a:extLst>
-              <a:ext uri="{FF2B5EF4-FFF2-40B4-BE49-F238E27FC236}">
-                <a16:creationId xmlns:a16="http://schemas.microsoft.com/office/drawing/2014/main" id="{413B47DC-6C6B-47B1-8E10-6AE5CC056BFD}"/>
-              </a:ext>
-            </a:extLst>
-          </p:cNvPr>
-          <p:cNvSpPr txBox="1"/>
-          <p:nvPr/>
-        </p:nvSpPr>
-        <p:spPr>
-          <a:xfrm>
-            <a:off x="10395284" y="4312266"/>
-            <a:ext cx="1507958" cy="923330"/>
-          </a:xfrm>
-          <a:prstGeom prst="rect">
-            <a:avLst/>
-          </a:prstGeom>
-          <a:noFill/>
-        </p:spPr>
-        <p:txBody>
-          <a:bodyPr wrap="square" rtlCol="0">
-            <a:spAutoFit/>
-          </a:bodyPr>
-          <a:lstStyle/>
-          <a:p>
-            <a:pPr algn="ctr"/>
+              <a:t>Property values of the homes that are zoned to a specific district </a:t>
+            </a:r>
+          </a:p>
+          <a:p>
+            <a:endParaRPr lang="en-US" dirty="0"/>
+          </a:p>
+          <a:p>
+            <a:endParaRPr lang="en-US" dirty="0"/>
+          </a:p>
+          <a:p>
+            <a:endParaRPr lang="en-US" dirty="0"/>
+          </a:p>
+          <a:p>
+            <a:endParaRPr lang="en-US" dirty="0"/>
+          </a:p>
+          <a:p>
             <a:r>
               <a:rPr lang="en-US" dirty="0"/>
-              <a:t>District-Level Mean:</a:t>
-            </a:r>
-          </a:p>
-          <a:p>
-            <a:pPr algn="ctr"/>
+              <a:t>Average Daily Attendance (“ADA”):</a:t>
+            </a:r>
+          </a:p>
+          <a:p>
+            <a:endParaRPr lang="en-US" dirty="0"/>
+          </a:p>
+          <a:p>
             <a:r>
               <a:rPr lang="en-US" dirty="0"/>
-              <a:t>21.1</a:t>
+              <a:t>ADA = Sum of Attendance Counts / Days of Instruction</a:t>
             </a:r>
           </a:p>
         </p:txBody>
@@ -5611,7 +5806,7 @@
     </p:spTree>
     <p:extLst>
       <p:ext uri="{BB962C8B-B14F-4D97-AF65-F5344CB8AC3E}">
-        <p14:creationId xmlns:p14="http://schemas.microsoft.com/office/powerpoint/2010/main" val="2426884512"/>
+        <p14:creationId xmlns:p14="http://schemas.microsoft.com/office/powerpoint/2010/main" val="4249155989"/>
       </p:ext>
     </p:extLst>
   </p:cSld>

--- a/TexasDistrictForecast.pptx
+++ b/TexasDistrictForecast.pptx
@@ -9,16 +9,27 @@
     <p:sldId id="258" r:id="rId3"/>
     <p:sldId id="259" r:id="rId4"/>
     <p:sldId id="260" r:id="rId5"/>
-    <p:sldId id="273" r:id="rId6"/>
-    <p:sldId id="276" r:id="rId7"/>
-    <p:sldId id="275" r:id="rId8"/>
-    <p:sldId id="262" r:id="rId9"/>
-    <p:sldId id="282" r:id="rId10"/>
-    <p:sldId id="277" r:id="rId11"/>
+    <p:sldId id="276" r:id="rId6"/>
+    <p:sldId id="275" r:id="rId7"/>
+    <p:sldId id="262" r:id="rId8"/>
+    <p:sldId id="282" r:id="rId9"/>
+    <p:sldId id="277" r:id="rId10"/>
+    <p:sldId id="283" r:id="rId11"/>
     <p:sldId id="278" r:id="rId12"/>
     <p:sldId id="279" r:id="rId13"/>
     <p:sldId id="280" r:id="rId14"/>
-    <p:sldId id="281" r:id="rId15"/>
+    <p:sldId id="284" r:id="rId15"/>
+    <p:sldId id="285" r:id="rId16"/>
+    <p:sldId id="286" r:id="rId17"/>
+    <p:sldId id="287" r:id="rId18"/>
+    <p:sldId id="288" r:id="rId19"/>
+    <p:sldId id="289" r:id="rId20"/>
+    <p:sldId id="290" r:id="rId21"/>
+    <p:sldId id="291" r:id="rId22"/>
+    <p:sldId id="292" r:id="rId23"/>
+    <p:sldId id="293" r:id="rId24"/>
+    <p:sldId id="294" r:id="rId25"/>
+    <p:sldId id="295" r:id="rId26"/>
   </p:sldIdLst>
   <p:sldSz cx="12192000" cy="6858000"/>
   <p:notesSz cx="6858000" cy="9144000"/>
@@ -272,7 +283,7 @@
           <a:p>
             <a:fld id="{D8A0F69C-4D49-4D49-989B-4887897EB134}" type="datetimeFigureOut">
               <a:rPr lang="en-US" smtClean="0"/>
-              <a:t>3/18/2020</a:t>
+              <a:t>4/3/2020</a:t>
             </a:fld>
             <a:endParaRPr lang="en-US"/>
           </a:p>
@@ -470,7 +481,7 @@
           <a:p>
             <a:fld id="{D8A0F69C-4D49-4D49-989B-4887897EB134}" type="datetimeFigureOut">
               <a:rPr lang="en-US" smtClean="0"/>
-              <a:t>3/18/2020</a:t>
+              <a:t>4/3/2020</a:t>
             </a:fld>
             <a:endParaRPr lang="en-US"/>
           </a:p>
@@ -678,7 +689,7 @@
           <a:p>
             <a:fld id="{D8A0F69C-4D49-4D49-989B-4887897EB134}" type="datetimeFigureOut">
               <a:rPr lang="en-US" smtClean="0"/>
-              <a:t>3/18/2020</a:t>
+              <a:t>4/3/2020</a:t>
             </a:fld>
             <a:endParaRPr lang="en-US"/>
           </a:p>
@@ -876,7 +887,7 @@
           <a:p>
             <a:fld id="{D8A0F69C-4D49-4D49-989B-4887897EB134}" type="datetimeFigureOut">
               <a:rPr lang="en-US" smtClean="0"/>
-              <a:t>3/18/2020</a:t>
+              <a:t>4/3/2020</a:t>
             </a:fld>
             <a:endParaRPr lang="en-US"/>
           </a:p>
@@ -1151,7 +1162,7 @@
           <a:p>
             <a:fld id="{D8A0F69C-4D49-4D49-989B-4887897EB134}" type="datetimeFigureOut">
               <a:rPr lang="en-US" smtClean="0"/>
-              <a:t>3/18/2020</a:t>
+              <a:t>4/3/2020</a:t>
             </a:fld>
             <a:endParaRPr lang="en-US"/>
           </a:p>
@@ -1416,7 +1427,7 @@
           <a:p>
             <a:fld id="{D8A0F69C-4D49-4D49-989B-4887897EB134}" type="datetimeFigureOut">
               <a:rPr lang="en-US" smtClean="0"/>
-              <a:t>3/18/2020</a:t>
+              <a:t>4/3/2020</a:t>
             </a:fld>
             <a:endParaRPr lang="en-US"/>
           </a:p>
@@ -1828,7 +1839,7 @@
           <a:p>
             <a:fld id="{D8A0F69C-4D49-4D49-989B-4887897EB134}" type="datetimeFigureOut">
               <a:rPr lang="en-US" smtClean="0"/>
-              <a:t>3/18/2020</a:t>
+              <a:t>4/3/2020</a:t>
             </a:fld>
             <a:endParaRPr lang="en-US"/>
           </a:p>
@@ -1969,7 +1980,7 @@
           <a:p>
             <a:fld id="{D8A0F69C-4D49-4D49-989B-4887897EB134}" type="datetimeFigureOut">
               <a:rPr lang="en-US" smtClean="0"/>
-              <a:t>3/18/2020</a:t>
+              <a:t>4/3/2020</a:t>
             </a:fld>
             <a:endParaRPr lang="en-US"/>
           </a:p>
@@ -2082,7 +2093,7 @@
           <a:p>
             <a:fld id="{D8A0F69C-4D49-4D49-989B-4887897EB134}" type="datetimeFigureOut">
               <a:rPr lang="en-US" smtClean="0"/>
-              <a:t>3/18/2020</a:t>
+              <a:t>4/3/2020</a:t>
             </a:fld>
             <a:endParaRPr lang="en-US"/>
           </a:p>
@@ -2393,7 +2404,7 @@
           <a:p>
             <a:fld id="{D8A0F69C-4D49-4D49-989B-4887897EB134}" type="datetimeFigureOut">
               <a:rPr lang="en-US" smtClean="0"/>
-              <a:t>3/18/2020</a:t>
+              <a:t>4/3/2020</a:t>
             </a:fld>
             <a:endParaRPr lang="en-US"/>
           </a:p>
@@ -2681,7 +2692,7 @@
           <a:p>
             <a:fld id="{D8A0F69C-4D49-4D49-989B-4887897EB134}" type="datetimeFigureOut">
               <a:rPr lang="en-US" smtClean="0"/>
-              <a:t>3/18/2020</a:t>
+              <a:t>4/3/2020</a:t>
             </a:fld>
             <a:endParaRPr lang="en-US"/>
           </a:p>
@@ -2922,7 +2933,7 @@
           <a:p>
             <a:fld id="{D8A0F69C-4D49-4D49-989B-4887897EB134}" type="datetimeFigureOut">
               <a:rPr lang="en-US" smtClean="0"/>
-              <a:t>3/18/2020</a:t>
+              <a:t>4/3/2020</a:t>
             </a:fld>
             <a:endParaRPr lang="en-US"/>
           </a:p>
@@ -3357,8 +3368,8 @@
         </p:nvSpPr>
         <p:spPr>
           <a:xfrm>
-            <a:off x="500059" y="2722395"/>
-            <a:ext cx="11191875" cy="2876300"/>
+            <a:off x="500062" y="2262605"/>
+            <a:ext cx="11191875" cy="3946359"/>
           </a:xfrm>
         </p:spPr>
         <p:txBody>
@@ -3367,19 +3378,15 @@
           </a:bodyPr>
           <a:lstStyle/>
           <a:p>
-            <a:r>
-              <a:rPr lang="en-US" sz="7200" b="1" dirty="0"/>
-              <a:t>Texas Education:</a:t>
-            </a:r>
             <a:br>
               <a:rPr lang="en-US" sz="7200" b="1" dirty="0"/>
             </a:br>
             <a:r>
-              <a:rPr lang="en-US" sz="5300" i="1" dirty="0"/>
-              <a:t>(Predicting Percentage of Students Who Will Graduate College Within 4-Years, Based on the Features of the School District They Attended High School in)</a:t>
+              <a:rPr lang="en-US" i="1" dirty="0"/>
+              <a:t>(Predicting the Percentage of Students Who Will Graduate College Within Four Years, Based on the Features of the School District They Attended High School in)</a:t>
             </a:r>
             <a:br>
-              <a:rPr lang="en-US" sz="5300" dirty="0"/>
+              <a:rPr lang="en-US" dirty="0"/>
             </a:br>
             <a:endParaRPr lang="en-US" sz="5300" i="1" dirty="0"/>
           </a:p>
@@ -3403,7 +3410,7 @@
         </p:nvSpPr>
         <p:spPr>
           <a:xfrm>
-            <a:off x="1523996" y="4770814"/>
+            <a:off x="1523999" y="5202238"/>
             <a:ext cx="9144000" cy="1655762"/>
           </a:xfrm>
         </p:spPr>
@@ -3417,6 +3424,41 @@
             <a:r>
               <a:rPr lang="en-US" sz="5400" dirty="0"/>
               <a:t>Capstone 1 Project </a:t>
+            </a:r>
+          </a:p>
+        </p:txBody>
+      </p:sp>
+      <p:sp>
+        <p:nvSpPr>
+          <p:cNvPr id="4" name="TextBox 3">
+            <a:extLst>
+              <a:ext uri="{FF2B5EF4-FFF2-40B4-BE49-F238E27FC236}">
+                <a16:creationId xmlns:a16="http://schemas.microsoft.com/office/drawing/2014/main" id="{3B7C3AD4-FA38-46CB-A8D8-1BB879AA84B2}"/>
+              </a:ext>
+            </a:extLst>
+          </p:cNvPr>
+          <p:cNvSpPr txBox="1"/>
+          <p:nvPr/>
+        </p:nvSpPr>
+        <p:spPr>
+          <a:xfrm>
+            <a:off x="2598820" y="290130"/>
+            <a:ext cx="6994358" cy="1323439"/>
+          </a:xfrm>
+          <a:prstGeom prst="rect">
+            <a:avLst/>
+          </a:prstGeom>
+          <a:noFill/>
+        </p:spPr>
+        <p:txBody>
+          <a:bodyPr wrap="square" rtlCol="0">
+            <a:spAutoFit/>
+          </a:bodyPr>
+          <a:lstStyle/>
+          <a:p>
+            <a:r>
+              <a:rPr lang="en-US" sz="8000" dirty="0"/>
+              <a:t>Texas Education</a:t>
             </a:r>
           </a:p>
         </p:txBody>
@@ -3451,48 +3493,12 @@
           <a:chExt cx="0" cy="0"/>
         </a:xfrm>
       </p:grpSpPr>
-      <p:sp>
-        <p:nvSpPr>
-          <p:cNvPr id="2" name="Title 1">
-            <a:extLst>
-              <a:ext uri="{FF2B5EF4-FFF2-40B4-BE49-F238E27FC236}">
-                <a16:creationId xmlns:a16="http://schemas.microsoft.com/office/drawing/2014/main" id="{611720B1-AAB1-4734-936E-6A7A6276F940}"/>
-              </a:ext>
-            </a:extLst>
-          </p:cNvPr>
-          <p:cNvSpPr>
-            <a:spLocks noGrp="1"/>
-          </p:cNvSpPr>
-          <p:nvPr>
-            <p:ph type="title"/>
-          </p:nvPr>
-        </p:nvSpPr>
-        <p:spPr>
-          <a:xfrm>
-            <a:off x="838200" y="1"/>
-            <a:ext cx="10515600" cy="689810"/>
-          </a:xfrm>
-        </p:spPr>
-        <p:txBody>
-          <a:bodyPr>
-            <a:normAutofit fontScale="90000"/>
-          </a:bodyPr>
-          <a:lstStyle/>
-          <a:p>
-            <a:pPr algn="ctr"/>
-            <a:r>
-              <a:rPr lang="en-US" dirty="0"/>
-              <a:t>Data Analysis: (SAT &amp; ACT)</a:t>
-            </a:r>
-          </a:p>
-        </p:txBody>
-      </p:sp>
       <p:pic>
         <p:nvPicPr>
           <p:cNvPr id="4" name="Picture 3">
             <a:extLst>
               <a:ext uri="{FF2B5EF4-FFF2-40B4-BE49-F238E27FC236}">
-                <a16:creationId xmlns:a16="http://schemas.microsoft.com/office/drawing/2014/main" id="{527528D7-7935-4581-9A6A-C906F42188CB}"/>
+                <a16:creationId xmlns:a16="http://schemas.microsoft.com/office/drawing/2014/main" id="{709A6D73-2947-4002-93CC-EC1C9E91AC36}"/>
               </a:ext>
             </a:extLst>
           </p:cNvPr>
@@ -3507,132 +3513,18 @@
         </p:blipFill>
         <p:spPr>
           <a:xfrm>
-            <a:off x="176462" y="689811"/>
-            <a:ext cx="12015538" cy="3128210"/>
+            <a:off x="521368" y="1090864"/>
+            <a:ext cx="11149264" cy="5614736"/>
           </a:xfrm>
           <a:prstGeom prst="rect">
             <a:avLst/>
           </a:prstGeom>
         </p:spPr>
       </p:pic>
-      <p:pic>
-        <p:nvPicPr>
-          <p:cNvPr id="5" name="Picture 4">
-            <a:extLst>
-              <a:ext uri="{FF2B5EF4-FFF2-40B4-BE49-F238E27FC236}">
-                <a16:creationId xmlns:a16="http://schemas.microsoft.com/office/drawing/2014/main" id="{0F164D4C-BFE3-4631-9432-BB586A478454}"/>
-              </a:ext>
-            </a:extLst>
-          </p:cNvPr>
-          <p:cNvPicPr/>
-          <p:nvPr/>
-        </p:nvPicPr>
-        <p:blipFill>
-          <a:blip r:embed="rId3"/>
-          <a:stretch>
-            <a:fillRect/>
-          </a:stretch>
-        </p:blipFill>
-        <p:spPr>
-          <a:xfrm>
-            <a:off x="176463" y="3818021"/>
-            <a:ext cx="12015536" cy="3039978"/>
-          </a:xfrm>
-          <a:prstGeom prst="rect">
-            <a:avLst/>
-          </a:prstGeom>
-        </p:spPr>
-      </p:pic>
-      <p:sp>
-        <p:nvSpPr>
-          <p:cNvPr id="8" name="TextBox 7">
-            <a:extLst>
-              <a:ext uri="{FF2B5EF4-FFF2-40B4-BE49-F238E27FC236}">
-                <a16:creationId xmlns:a16="http://schemas.microsoft.com/office/drawing/2014/main" id="{349BC8DB-8A1B-4878-93F2-27597ABB9182}"/>
-              </a:ext>
-            </a:extLst>
-          </p:cNvPr>
-          <p:cNvSpPr txBox="1"/>
-          <p:nvPr/>
-        </p:nvSpPr>
-        <p:spPr>
-          <a:xfrm>
-            <a:off x="10395284" y="1138989"/>
-            <a:ext cx="1507958" cy="923330"/>
-          </a:xfrm>
-          <a:prstGeom prst="rect">
-            <a:avLst/>
-          </a:prstGeom>
-          <a:noFill/>
-        </p:spPr>
-        <p:txBody>
-          <a:bodyPr wrap="square" rtlCol="0">
-            <a:spAutoFit/>
-          </a:bodyPr>
-          <a:lstStyle/>
-          <a:p>
-            <a:pPr algn="ctr"/>
-            <a:r>
-              <a:rPr lang="en-US" dirty="0"/>
-              <a:t>District-Level Mean:</a:t>
-            </a:r>
-          </a:p>
-          <a:p>
-            <a:pPr algn="ctr"/>
-            <a:r>
-              <a:rPr lang="en-US" dirty="0"/>
-              <a:t>1052.8</a:t>
-            </a:r>
-          </a:p>
-        </p:txBody>
-      </p:sp>
-      <p:sp>
-        <p:nvSpPr>
-          <p:cNvPr id="9" name="TextBox 8">
-            <a:extLst>
-              <a:ext uri="{FF2B5EF4-FFF2-40B4-BE49-F238E27FC236}">
-                <a16:creationId xmlns:a16="http://schemas.microsoft.com/office/drawing/2014/main" id="{413B47DC-6C6B-47B1-8E10-6AE5CC056BFD}"/>
-              </a:ext>
-            </a:extLst>
-          </p:cNvPr>
-          <p:cNvSpPr txBox="1"/>
-          <p:nvPr/>
-        </p:nvSpPr>
-        <p:spPr>
-          <a:xfrm>
-            <a:off x="10395284" y="4312266"/>
-            <a:ext cx="1507958" cy="923330"/>
-          </a:xfrm>
-          <a:prstGeom prst="rect">
-            <a:avLst/>
-          </a:prstGeom>
-          <a:noFill/>
-        </p:spPr>
-        <p:txBody>
-          <a:bodyPr wrap="square" rtlCol="0">
-            <a:spAutoFit/>
-          </a:bodyPr>
-          <a:lstStyle/>
-          <a:p>
-            <a:pPr algn="ctr"/>
-            <a:r>
-              <a:rPr lang="en-US" dirty="0"/>
-              <a:t>District-Level Mean:</a:t>
-            </a:r>
-          </a:p>
-          <a:p>
-            <a:pPr algn="ctr"/>
-            <a:r>
-              <a:rPr lang="en-US" dirty="0"/>
-              <a:t>21.1</a:t>
-            </a:r>
-          </a:p>
-        </p:txBody>
-      </p:sp>
     </p:spTree>
     <p:extLst>
       <p:ext uri="{BB962C8B-B14F-4D97-AF65-F5344CB8AC3E}">
-        <p14:creationId xmlns:p14="http://schemas.microsoft.com/office/powerpoint/2010/main" val="2426884512"/>
+        <p14:creationId xmlns:p14="http://schemas.microsoft.com/office/powerpoint/2010/main" val="3453693181"/>
       </p:ext>
     </p:extLst>
   </p:cSld>
@@ -3695,12 +3587,82 @@
           </a:p>
         </p:txBody>
       </p:sp>
+      <p:sp>
+        <p:nvSpPr>
+          <p:cNvPr id="6" name="TextBox 5">
+            <a:extLst>
+              <a:ext uri="{FF2B5EF4-FFF2-40B4-BE49-F238E27FC236}">
+                <a16:creationId xmlns:a16="http://schemas.microsoft.com/office/drawing/2014/main" id="{70728AB2-5B62-44A7-973A-832C0E112FC6}"/>
+              </a:ext>
+            </a:extLst>
+          </p:cNvPr>
+          <p:cNvSpPr txBox="1"/>
+          <p:nvPr/>
+        </p:nvSpPr>
+        <p:spPr>
+          <a:xfrm>
+            <a:off x="0" y="889536"/>
+            <a:ext cx="3701716" cy="5693866"/>
+          </a:xfrm>
+          <a:prstGeom prst="rect">
+            <a:avLst/>
+          </a:prstGeom>
+          <a:noFill/>
+        </p:spPr>
+        <p:txBody>
+          <a:bodyPr wrap="square" rtlCol="0">
+            <a:spAutoFit/>
+          </a:bodyPr>
+          <a:lstStyle/>
+          <a:p>
+            <a:pPr marL="285750" indent="-285750">
+              <a:buFont typeface="Arial" panose="020B0604020202020204" pitchFamily="34" charset="0"/>
+              <a:buChar char="•"/>
+            </a:pPr>
+            <a:r>
+              <a:rPr lang="en-US" sz="2800" dirty="0"/>
+              <a:t>It appears that the classes of 2011 – 2017 all appeared to favor taking the SAT. Why is this?</a:t>
+            </a:r>
+          </a:p>
+          <a:p>
+            <a:pPr marL="285750" indent="-285750">
+              <a:buFont typeface="Arial" panose="020B0604020202020204" pitchFamily="34" charset="0"/>
+              <a:buChar char="•"/>
+            </a:pPr>
+            <a:endParaRPr lang="en-US" sz="2800" dirty="0"/>
+          </a:p>
+          <a:p>
+            <a:pPr marL="285750" indent="-285750">
+              <a:buFont typeface="Arial" panose="020B0604020202020204" pitchFamily="34" charset="0"/>
+              <a:buChar char="•"/>
+            </a:pPr>
+            <a:endParaRPr lang="en-US" sz="2800" dirty="0"/>
+          </a:p>
+          <a:p>
+            <a:pPr marL="285750" indent="-285750">
+              <a:buFont typeface="Arial" panose="020B0604020202020204" pitchFamily="34" charset="0"/>
+              <a:buChar char="•"/>
+            </a:pPr>
+            <a:r>
+              <a:rPr lang="en-US" sz="2800" dirty="0"/>
+              <a:t>Participation % for both tests contained similar positive correlations with college enrollment % </a:t>
+            </a:r>
+          </a:p>
+          <a:p>
+            <a:pPr marL="457200" indent="-457200">
+              <a:buFont typeface="Arial" panose="020B0604020202020204" pitchFamily="34" charset="0"/>
+              <a:buChar char="•"/>
+            </a:pPr>
+            <a:endParaRPr lang="en-US" sz="2800" dirty="0"/>
+          </a:p>
+        </p:txBody>
+      </p:sp>
       <p:pic>
         <p:nvPicPr>
-          <p:cNvPr id="4" name="Picture 3">
-            <a:extLst>
-              <a:ext uri="{FF2B5EF4-FFF2-40B4-BE49-F238E27FC236}">
-                <a16:creationId xmlns:a16="http://schemas.microsoft.com/office/drawing/2014/main" id="{46CBA4CD-D62F-4008-A0A2-B3DE2A3A19FF}"/>
+          <p:cNvPr id="7" name="Picture 6">
+            <a:extLst>
+              <a:ext uri="{FF2B5EF4-FFF2-40B4-BE49-F238E27FC236}">
+                <a16:creationId xmlns:a16="http://schemas.microsoft.com/office/drawing/2014/main" id="{E4F08DC1-E449-4E4A-9D22-4B1ABD4949A4}"/>
               </a:ext>
             </a:extLst>
           </p:cNvPr>
@@ -3715,8 +3677,8 @@
         </p:blipFill>
         <p:spPr>
           <a:xfrm>
-            <a:off x="3701716" y="639472"/>
-            <a:ext cx="8490284" cy="1975392"/>
+            <a:off x="3701715" y="447367"/>
+            <a:ext cx="8041105" cy="1764364"/>
           </a:xfrm>
           <a:prstGeom prst="rect">
             <a:avLst/>
@@ -3725,10 +3687,10 @@
       </p:pic>
       <p:pic>
         <p:nvPicPr>
-          <p:cNvPr id="5" name="Picture 4">
-            <a:extLst>
-              <a:ext uri="{FF2B5EF4-FFF2-40B4-BE49-F238E27FC236}">
-                <a16:creationId xmlns:a16="http://schemas.microsoft.com/office/drawing/2014/main" id="{735353E9-320A-479C-8D66-5BFD10668512}"/>
+          <p:cNvPr id="8" name="Picture 7">
+            <a:extLst>
+              <a:ext uri="{FF2B5EF4-FFF2-40B4-BE49-F238E27FC236}">
+                <a16:creationId xmlns:a16="http://schemas.microsoft.com/office/drawing/2014/main" id="{84CCE497-DF22-4872-A16D-6527976ACA71}"/>
               </a:ext>
             </a:extLst>
           </p:cNvPr>
@@ -3743,66 +3705,14 @@
         </p:blipFill>
         <p:spPr>
           <a:xfrm>
-            <a:off x="3701716" y="2614864"/>
-            <a:ext cx="8490284" cy="4243136"/>
+            <a:off x="3701715" y="2403836"/>
+            <a:ext cx="8397640" cy="4454164"/>
           </a:xfrm>
           <a:prstGeom prst="rect">
             <a:avLst/>
           </a:prstGeom>
         </p:spPr>
       </p:pic>
-      <p:sp>
-        <p:nvSpPr>
-          <p:cNvPr id="6" name="TextBox 5">
-            <a:extLst>
-              <a:ext uri="{FF2B5EF4-FFF2-40B4-BE49-F238E27FC236}">
-                <a16:creationId xmlns:a16="http://schemas.microsoft.com/office/drawing/2014/main" id="{70728AB2-5B62-44A7-973A-832C0E112FC6}"/>
-              </a:ext>
-            </a:extLst>
-          </p:cNvPr>
-          <p:cNvSpPr txBox="1"/>
-          <p:nvPr/>
-        </p:nvSpPr>
-        <p:spPr>
-          <a:xfrm>
-            <a:off x="0" y="639472"/>
-            <a:ext cx="3701716" cy="6124754"/>
-          </a:xfrm>
-          <a:prstGeom prst="rect">
-            <a:avLst/>
-          </a:prstGeom>
-          <a:noFill/>
-        </p:spPr>
-        <p:txBody>
-          <a:bodyPr wrap="square" rtlCol="0">
-            <a:spAutoFit/>
-          </a:bodyPr>
-          <a:lstStyle/>
-          <a:p>
-            <a:pPr marL="285750" indent="-285750">
-              <a:buFont typeface="Arial" panose="020B0604020202020204" pitchFamily="34" charset="0"/>
-              <a:buChar char="•"/>
-            </a:pPr>
-            <a:r>
-              <a:rPr lang="en-US" sz="2800" dirty="0"/>
-              <a:t>It appears that the classes of 2011 – 2017 all appeared to favor taking the SAT. Why is this? </a:t>
-            </a:r>
-          </a:p>
-          <a:p>
-            <a:endParaRPr lang="en-US" sz="2800" dirty="0"/>
-          </a:p>
-          <a:p>
-            <a:pPr marL="285750" indent="-285750">
-              <a:buFont typeface="Arial" panose="020B0604020202020204" pitchFamily="34" charset="0"/>
-              <a:buChar char="•"/>
-            </a:pPr>
-            <a:r>
-              <a:rPr lang="en-US" sz="2800" dirty="0"/>
-              <a:t>It’s extremely curious that this trend exists when you consider that all it takes is doing well on one of the two tests to gain college admission and receive scholarship </a:t>
-            </a:r>
-          </a:p>
-        </p:txBody>
-      </p:sp>
     </p:spTree>
     <p:extLst>
       <p:ext uri="{BB962C8B-B14F-4D97-AF65-F5344CB8AC3E}">
@@ -3853,20 +3763,99 @@
         </p:blipFill>
         <p:spPr>
           <a:xfrm>
-            <a:off x="128337" y="563050"/>
-            <a:ext cx="11935326" cy="3078909"/>
+            <a:off x="818147" y="615842"/>
+            <a:ext cx="10555705" cy="2549118"/>
           </a:xfrm>
           <a:prstGeom prst="rect">
             <a:avLst/>
           </a:prstGeom>
         </p:spPr>
       </p:pic>
+      <p:sp>
+        <p:nvSpPr>
+          <p:cNvPr id="6" name="TextBox 5">
+            <a:extLst>
+              <a:ext uri="{FF2B5EF4-FFF2-40B4-BE49-F238E27FC236}">
+                <a16:creationId xmlns:a16="http://schemas.microsoft.com/office/drawing/2014/main" id="{4CDD32CD-7EF0-484C-999F-6DA85D02AFCE}"/>
+              </a:ext>
+            </a:extLst>
+          </p:cNvPr>
+          <p:cNvSpPr txBox="1"/>
+          <p:nvPr/>
+        </p:nvSpPr>
+        <p:spPr>
+          <a:xfrm>
+            <a:off x="2133599" y="101385"/>
+            <a:ext cx="7924800" cy="461665"/>
+          </a:xfrm>
+          <a:prstGeom prst="rect">
+            <a:avLst/>
+          </a:prstGeom>
+          <a:noFill/>
+        </p:spPr>
+        <p:txBody>
+          <a:bodyPr wrap="square" rtlCol="0">
+            <a:spAutoFit/>
+          </a:bodyPr>
+          <a:lstStyle/>
+          <a:p>
+            <a:pPr algn="ctr"/>
+            <a:r>
+              <a:rPr lang="en-US" sz="2400" b="1" dirty="0"/>
+              <a:t>Data Analysis: (AP- Passing % and AP-Exams/Student)</a:t>
+            </a:r>
+          </a:p>
+        </p:txBody>
+      </p:sp>
+      <p:sp>
+        <p:nvSpPr>
+          <p:cNvPr id="7" name="TextBox 6">
+            <a:extLst>
+              <a:ext uri="{FF2B5EF4-FFF2-40B4-BE49-F238E27FC236}">
+                <a16:creationId xmlns:a16="http://schemas.microsoft.com/office/drawing/2014/main" id="{C3207DD6-00EC-4D24-B49B-F2FA25707117}"/>
+              </a:ext>
+            </a:extLst>
+          </p:cNvPr>
+          <p:cNvSpPr txBox="1"/>
+          <p:nvPr/>
+        </p:nvSpPr>
+        <p:spPr>
+          <a:xfrm>
+            <a:off x="7443537" y="786075"/>
+            <a:ext cx="1507958" cy="923330"/>
+          </a:xfrm>
+          <a:prstGeom prst="rect">
+            <a:avLst/>
+          </a:prstGeom>
+          <a:noFill/>
+        </p:spPr>
+        <p:txBody>
+          <a:bodyPr wrap="square" rtlCol="0">
+            <a:spAutoFit/>
+          </a:bodyPr>
+          <a:lstStyle/>
+          <a:p>
+            <a:pPr algn="ctr"/>
+            <a:r>
+              <a:rPr lang="en-US" dirty="0"/>
+              <a:t>District-Level Mean:</a:t>
+            </a:r>
+          </a:p>
+          <a:p>
+            <a:pPr algn="ctr"/>
+            <a:r>
+              <a:rPr lang="en-US" dirty="0"/>
+              <a:t>45.1%</a:t>
+            </a:r>
+          </a:p>
+        </p:txBody>
+      </p:sp>
       <p:pic>
         <p:nvPicPr>
-          <p:cNvPr id="5" name="Picture 4">
-            <a:extLst>
-              <a:ext uri="{FF2B5EF4-FFF2-40B4-BE49-F238E27FC236}">
-                <a16:creationId xmlns:a16="http://schemas.microsoft.com/office/drawing/2014/main" id="{DE6682D8-ACA7-48A8-A7DA-4CD77EF7B5D5}"/>
+          <p:cNvPr id="9" name="Picture 8">
+            <a:extLst>
+              <a:ext uri="{FF2B5EF4-FFF2-40B4-BE49-F238E27FC236}">
+                <a16:creationId xmlns:a16="http://schemas.microsoft.com/office/drawing/2014/main" id="{EA70FA2A-16F1-4CA2-BDEB-95AF0C3C7396}"/>
               </a:ext>
             </a:extLst>
           </p:cNvPr>
@@ -3881,136 +3870,14 @@
         </p:blipFill>
         <p:spPr>
           <a:xfrm>
-            <a:off x="64168" y="3641959"/>
-            <a:ext cx="12063663" cy="3216041"/>
+            <a:off x="417094" y="3164960"/>
+            <a:ext cx="11357810" cy="3693040"/>
           </a:xfrm>
           <a:prstGeom prst="rect">
             <a:avLst/>
           </a:prstGeom>
         </p:spPr>
       </p:pic>
-      <p:sp>
-        <p:nvSpPr>
-          <p:cNvPr id="6" name="TextBox 5">
-            <a:extLst>
-              <a:ext uri="{FF2B5EF4-FFF2-40B4-BE49-F238E27FC236}">
-                <a16:creationId xmlns:a16="http://schemas.microsoft.com/office/drawing/2014/main" id="{4CDD32CD-7EF0-484C-999F-6DA85D02AFCE}"/>
-              </a:ext>
-            </a:extLst>
-          </p:cNvPr>
-          <p:cNvSpPr txBox="1"/>
-          <p:nvPr/>
-        </p:nvSpPr>
-        <p:spPr>
-          <a:xfrm>
-            <a:off x="2133599" y="101385"/>
-            <a:ext cx="7924800" cy="461665"/>
-          </a:xfrm>
-          <a:prstGeom prst="rect">
-            <a:avLst/>
-          </a:prstGeom>
-          <a:noFill/>
-        </p:spPr>
-        <p:txBody>
-          <a:bodyPr wrap="square" rtlCol="0">
-            <a:spAutoFit/>
-          </a:bodyPr>
-          <a:lstStyle/>
-          <a:p>
-            <a:pPr algn="ctr"/>
-            <a:r>
-              <a:rPr lang="en-US" sz="2400" dirty="0"/>
-              <a:t>Data Analysis: (AP- Passing % and Wealth/ADA ($)</a:t>
-            </a:r>
-          </a:p>
-        </p:txBody>
-      </p:sp>
-      <p:sp>
-        <p:nvSpPr>
-          <p:cNvPr id="7" name="TextBox 6">
-            <a:extLst>
-              <a:ext uri="{FF2B5EF4-FFF2-40B4-BE49-F238E27FC236}">
-                <a16:creationId xmlns:a16="http://schemas.microsoft.com/office/drawing/2014/main" id="{C3207DD6-00EC-4D24-B49B-F2FA25707117}"/>
-              </a:ext>
-            </a:extLst>
-          </p:cNvPr>
-          <p:cNvSpPr txBox="1"/>
-          <p:nvPr/>
-        </p:nvSpPr>
-        <p:spPr>
-          <a:xfrm>
-            <a:off x="7443537" y="786075"/>
-            <a:ext cx="1507958" cy="923330"/>
-          </a:xfrm>
-          <a:prstGeom prst="rect">
-            <a:avLst/>
-          </a:prstGeom>
-          <a:noFill/>
-        </p:spPr>
-        <p:txBody>
-          <a:bodyPr wrap="square" rtlCol="0">
-            <a:spAutoFit/>
-          </a:bodyPr>
-          <a:lstStyle/>
-          <a:p>
-            <a:pPr algn="ctr"/>
-            <a:r>
-              <a:rPr lang="en-US" dirty="0"/>
-              <a:t>District-Level Mean:</a:t>
-            </a:r>
-          </a:p>
-          <a:p>
-            <a:pPr algn="ctr"/>
-            <a:r>
-              <a:rPr lang="en-US" dirty="0"/>
-              <a:t>45.1%</a:t>
-            </a:r>
-          </a:p>
-        </p:txBody>
-      </p:sp>
-      <p:sp>
-        <p:nvSpPr>
-          <p:cNvPr id="8" name="TextBox 7">
-            <a:extLst>
-              <a:ext uri="{FF2B5EF4-FFF2-40B4-BE49-F238E27FC236}">
-                <a16:creationId xmlns:a16="http://schemas.microsoft.com/office/drawing/2014/main" id="{4D1A01FF-297D-45DE-8BAB-55A54CD08433}"/>
-              </a:ext>
-            </a:extLst>
-          </p:cNvPr>
-          <p:cNvSpPr txBox="1"/>
-          <p:nvPr/>
-        </p:nvSpPr>
-        <p:spPr>
-          <a:xfrm>
-            <a:off x="9785684" y="4311595"/>
-            <a:ext cx="1507958" cy="923330"/>
-          </a:xfrm>
-          <a:prstGeom prst="rect">
-            <a:avLst/>
-          </a:prstGeom>
-          <a:noFill/>
-        </p:spPr>
-        <p:txBody>
-          <a:bodyPr wrap="square" rtlCol="0">
-            <a:spAutoFit/>
-          </a:bodyPr>
-          <a:lstStyle/>
-          <a:p>
-            <a:pPr algn="ctr"/>
-            <a:r>
-              <a:rPr lang="en-US" dirty="0"/>
-              <a:t>District-Level Mean:</a:t>
-            </a:r>
-          </a:p>
-          <a:p>
-            <a:pPr algn="ctr"/>
-            <a:r>
-              <a:rPr lang="en-US" dirty="0"/>
-              <a:t>$431,718</a:t>
-            </a:r>
-          </a:p>
-        </p:txBody>
-      </p:sp>
     </p:spTree>
     <p:extLst>
       <p:ext uri="{BB962C8B-B14F-4D97-AF65-F5344CB8AC3E}">
@@ -4041,12 +3908,57 @@
           <a:chExt cx="0" cy="0"/>
         </a:xfrm>
       </p:grpSpPr>
+      <p:sp>
+        <p:nvSpPr>
+          <p:cNvPr id="6" name="TextBox 5">
+            <a:extLst>
+              <a:ext uri="{FF2B5EF4-FFF2-40B4-BE49-F238E27FC236}">
+                <a16:creationId xmlns:a16="http://schemas.microsoft.com/office/drawing/2014/main" id="{61917F3E-63FA-42DF-9480-3BE14488E124}"/>
+              </a:ext>
+            </a:extLst>
+          </p:cNvPr>
+          <p:cNvSpPr txBox="1"/>
+          <p:nvPr/>
+        </p:nvSpPr>
+        <p:spPr>
+          <a:xfrm>
+            <a:off x="0" y="0"/>
+            <a:ext cx="11871157" cy="769441"/>
+          </a:xfrm>
+          <a:prstGeom prst="rect">
+            <a:avLst/>
+          </a:prstGeom>
+          <a:noFill/>
+        </p:spPr>
+        <p:txBody>
+          <a:bodyPr wrap="square" rtlCol="0">
+            <a:spAutoFit/>
+          </a:bodyPr>
+          <a:lstStyle/>
+          <a:p>
+            <a:pPr algn="ctr"/>
+            <a:r>
+              <a:rPr lang="en-US" sz="2000" b="1" dirty="0"/>
+              <a:t>Data Analysis: </a:t>
+            </a:r>
+            <a:r>
+              <a:rPr lang="en-US" sz="2000" b="1" i="1" dirty="0"/>
+              <a:t>(Wealth/ADA’s Influence on College Enrollment (%) Versus College Graduation (%))</a:t>
+            </a:r>
+            <a:endParaRPr lang="en-US" sz="2000" b="1" dirty="0"/>
+          </a:p>
+          <a:p>
+            <a:pPr algn="ctr"/>
+            <a:endParaRPr lang="en-US" sz="2400" b="1" dirty="0"/>
+          </a:p>
+        </p:txBody>
+      </p:sp>
       <p:pic>
         <p:nvPicPr>
-          <p:cNvPr id="4" name="Picture 3">
-            <a:extLst>
-              <a:ext uri="{FF2B5EF4-FFF2-40B4-BE49-F238E27FC236}">
-                <a16:creationId xmlns:a16="http://schemas.microsoft.com/office/drawing/2014/main" id="{15034811-80EE-4B40-8F6B-F81550509D73}"/>
+          <p:cNvPr id="5" name="Picture 4">
+            <a:extLst>
+              <a:ext uri="{FF2B5EF4-FFF2-40B4-BE49-F238E27FC236}">
+                <a16:creationId xmlns:a16="http://schemas.microsoft.com/office/drawing/2014/main" id="{7CB2076A-D671-474F-B8C4-A8CE9B205B4F}"/>
               </a:ext>
             </a:extLst>
           </p:cNvPr>
@@ -4061,130 +3973,42 @@
         </p:blipFill>
         <p:spPr>
           <a:xfrm>
-            <a:off x="4443663" y="1432169"/>
-            <a:ext cx="7748337" cy="5281451"/>
+            <a:off x="1138987" y="384720"/>
+            <a:ext cx="9865895" cy="2642937"/>
           </a:xfrm>
           <a:prstGeom prst="rect">
             <a:avLst/>
           </a:prstGeom>
         </p:spPr>
       </p:pic>
-      <p:sp>
-        <p:nvSpPr>
-          <p:cNvPr id="6" name="TextBox 5">
-            <a:extLst>
-              <a:ext uri="{FF2B5EF4-FFF2-40B4-BE49-F238E27FC236}">
-                <a16:creationId xmlns:a16="http://schemas.microsoft.com/office/drawing/2014/main" id="{61917F3E-63FA-42DF-9480-3BE14488E124}"/>
-              </a:ext>
-            </a:extLst>
-          </p:cNvPr>
-          <p:cNvSpPr txBox="1"/>
+      <p:pic>
+        <p:nvPicPr>
+          <p:cNvPr id="8" name="Picture 7">
+            <a:extLst>
+              <a:ext uri="{FF2B5EF4-FFF2-40B4-BE49-F238E27FC236}">
+                <a16:creationId xmlns:a16="http://schemas.microsoft.com/office/drawing/2014/main" id="{9432FAA5-4C98-408E-A6DB-B5792B64D5BA}"/>
+              </a:ext>
+            </a:extLst>
+          </p:cNvPr>
+          <p:cNvPicPr/>
           <p:nvPr/>
-        </p:nvSpPr>
-        <p:spPr>
-          <a:xfrm>
-            <a:off x="1540042" y="144379"/>
-            <a:ext cx="8726905" cy="1200329"/>
+        </p:nvPicPr>
+        <p:blipFill>
+          <a:blip r:embed="rId3"/>
+          <a:stretch>
+            <a:fillRect/>
+          </a:stretch>
+        </p:blipFill>
+        <p:spPr>
+          <a:xfrm>
+            <a:off x="946483" y="3027657"/>
+            <a:ext cx="10250904" cy="3830343"/>
           </a:xfrm>
           <a:prstGeom prst="rect">
             <a:avLst/>
           </a:prstGeom>
-          <a:noFill/>
-        </p:spPr>
-        <p:txBody>
-          <a:bodyPr wrap="square" rtlCol="0">
-            <a:spAutoFit/>
-          </a:bodyPr>
-          <a:lstStyle/>
-          <a:p>
-            <a:pPr algn="ctr"/>
-            <a:r>
-              <a:rPr lang="en-US" sz="2400" b="1" dirty="0"/>
-              <a:t>Data Analysis: (Wealth/ADA Effect on College Enrollment Percentage and College Graduation Percentage) </a:t>
-            </a:r>
-          </a:p>
-          <a:p>
-            <a:pPr algn="ctr"/>
-            <a:r>
-              <a:rPr lang="en-US" sz="2400" b="1" dirty="0"/>
-              <a:t>PART 1 of 2</a:t>
-            </a:r>
-          </a:p>
-        </p:txBody>
-      </p:sp>
-      <p:sp>
-        <p:nvSpPr>
-          <p:cNvPr id="7" name="TextBox 6">
-            <a:extLst>
-              <a:ext uri="{FF2B5EF4-FFF2-40B4-BE49-F238E27FC236}">
-                <a16:creationId xmlns:a16="http://schemas.microsoft.com/office/drawing/2014/main" id="{B9BE8F29-0023-4E8A-89C0-3EF29D37DCA2}"/>
-              </a:ext>
-            </a:extLst>
-          </p:cNvPr>
-          <p:cNvSpPr txBox="1"/>
-          <p:nvPr/>
-        </p:nvSpPr>
-        <p:spPr>
-          <a:xfrm>
-            <a:off x="144379" y="1496338"/>
-            <a:ext cx="4299284" cy="5016758"/>
-          </a:xfrm>
-          <a:prstGeom prst="rect">
-            <a:avLst/>
-          </a:prstGeom>
-          <a:noFill/>
-        </p:spPr>
-        <p:txBody>
-          <a:bodyPr wrap="square" rtlCol="0">
-            <a:spAutoFit/>
-          </a:bodyPr>
-          <a:lstStyle/>
-          <a:p>
-            <a:pPr marL="285750" indent="-285750">
-              <a:buFont typeface="Arial" panose="020B0604020202020204" pitchFamily="34" charset="0"/>
-              <a:buChar char="•"/>
-            </a:pPr>
-            <a:r>
-              <a:rPr lang="en-US" sz="2000" dirty="0"/>
-              <a:t>Acknowledging that college is a business in the United States, one could hypothesize that we should see a decent correlation between Wealth/ADA and college enrollment percentage. </a:t>
-            </a:r>
-          </a:p>
-          <a:p>
-            <a:pPr marL="285750" indent="-285750">
-              <a:buFont typeface="Arial" panose="020B0604020202020204" pitchFamily="34" charset="0"/>
-              <a:buChar char="•"/>
-            </a:pPr>
-            <a:endParaRPr lang="en-US" sz="2000" dirty="0"/>
-          </a:p>
-          <a:p>
-            <a:pPr marL="285750" indent="-285750">
-              <a:buFont typeface="Arial" panose="020B0604020202020204" pitchFamily="34" charset="0"/>
-              <a:buChar char="•"/>
-            </a:pPr>
-            <a:endParaRPr lang="en-US" sz="2000" dirty="0"/>
-          </a:p>
-          <a:p>
-            <a:pPr marL="285750" indent="-285750">
-              <a:buFont typeface="Arial" panose="020B0604020202020204" pitchFamily="34" charset="0"/>
-              <a:buChar char="•"/>
-            </a:pPr>
-            <a:r>
-              <a:rPr lang="en-US" sz="2000" dirty="0"/>
-              <a:t>There does exist a positive correlation between the two, but its important to acknowledge that Wealth/ADA is not the sole factor in determining college enrollment percentage.</a:t>
-            </a:r>
-          </a:p>
-          <a:p>
-            <a:endParaRPr lang="en-US" sz="2000" dirty="0"/>
-          </a:p>
-          <a:p>
-            <a:pPr algn="ctr"/>
-            <a:r>
-              <a:rPr lang="en-US" sz="2000" dirty="0"/>
-              <a:t> (SAT/ACT/AP etc.….)</a:t>
-            </a:r>
-          </a:p>
-        </p:txBody>
-      </p:sp>
+        </p:spPr>
+      </p:pic>
     </p:spTree>
     <p:extLst>
       <p:ext uri="{BB962C8B-B14F-4D97-AF65-F5344CB8AC3E}">
@@ -4217,10 +4041,10 @@
       </p:grpSpPr>
       <p:sp>
         <p:nvSpPr>
-          <p:cNvPr id="6" name="TextBox 5">
-            <a:extLst>
-              <a:ext uri="{FF2B5EF4-FFF2-40B4-BE49-F238E27FC236}">
-                <a16:creationId xmlns:a16="http://schemas.microsoft.com/office/drawing/2014/main" id="{61917F3E-63FA-42DF-9480-3BE14488E124}"/>
+          <p:cNvPr id="4" name="TextBox 3">
+            <a:extLst>
+              <a:ext uri="{FF2B5EF4-FFF2-40B4-BE49-F238E27FC236}">
+                <a16:creationId xmlns:a16="http://schemas.microsoft.com/office/drawing/2014/main" id="{983A34EF-07F1-4D43-B961-40FE89888A48}"/>
               </a:ext>
             </a:extLst>
           </p:cNvPr>
@@ -4229,8 +4053,8 @@
         </p:nvSpPr>
         <p:spPr>
           <a:xfrm>
-            <a:off x="1540042" y="144379"/>
-            <a:ext cx="8726905" cy="1200329"/>
+            <a:off x="0" y="0"/>
+            <a:ext cx="11871157" cy="830997"/>
           </a:xfrm>
           <a:prstGeom prst="rect">
             <a:avLst/>
@@ -4246,96 +4070,26 @@
             <a:pPr algn="ctr"/>
             <a:r>
               <a:rPr lang="en-US" sz="2400" b="1" dirty="0"/>
-              <a:t>Data Analysis: (Wealth/ADA ($) Effect on College Enrollment Percentage vs. College Graduation Percentage) </a:t>
-            </a:r>
+              <a:t>Data Analysis: </a:t>
+            </a:r>
+            <a:r>
+              <a:rPr lang="en-US" sz="2400" b="1" i="1" dirty="0"/>
+              <a:t>Historical Percentage of Students Earning a College Degree Within Four Years</a:t>
+            </a:r>
+            <a:endParaRPr lang="en-US" sz="2400" b="1" dirty="0"/>
           </a:p>
           <a:p>
             <a:pPr algn="ctr"/>
-            <a:r>
-              <a:rPr lang="en-US" sz="2400" b="1" dirty="0"/>
-              <a:t>PART 2 of 2</a:t>
-            </a:r>
-          </a:p>
-        </p:txBody>
-      </p:sp>
-      <p:sp>
-        <p:nvSpPr>
-          <p:cNvPr id="7" name="TextBox 6">
-            <a:extLst>
-              <a:ext uri="{FF2B5EF4-FFF2-40B4-BE49-F238E27FC236}">
-                <a16:creationId xmlns:a16="http://schemas.microsoft.com/office/drawing/2014/main" id="{B9BE8F29-0023-4E8A-89C0-3EF29D37DCA2}"/>
-              </a:ext>
-            </a:extLst>
-          </p:cNvPr>
-          <p:cNvSpPr txBox="1"/>
-          <p:nvPr/>
-        </p:nvSpPr>
-        <p:spPr>
-          <a:xfrm>
-            <a:off x="0" y="1533465"/>
-            <a:ext cx="4299284" cy="5324535"/>
-          </a:xfrm>
-          <a:prstGeom prst="rect">
-            <a:avLst/>
-          </a:prstGeom>
-          <a:noFill/>
-        </p:spPr>
-        <p:txBody>
-          <a:bodyPr wrap="square" rtlCol="0">
-            <a:spAutoFit/>
-          </a:bodyPr>
-          <a:lstStyle/>
-          <a:p>
-            <a:pPr marL="342900" indent="-342900">
-              <a:buFont typeface="Arial" panose="020B0604020202020204" pitchFamily="34" charset="0"/>
-              <a:buChar char="•"/>
-            </a:pPr>
-            <a:r>
-              <a:rPr lang="en-US" sz="2000" dirty="0"/>
-              <a:t>The correlation between Wealth/ADA and college graduation was a little bit weaker, but still positive. </a:t>
-            </a:r>
-          </a:p>
-          <a:p>
-            <a:endParaRPr lang="en-US" sz="2000" dirty="0"/>
-          </a:p>
-          <a:p>
-            <a:pPr marL="342900" indent="-342900">
-              <a:buFont typeface="Arial" panose="020B0604020202020204" pitchFamily="34" charset="0"/>
-              <a:buChar char="•"/>
-            </a:pPr>
-            <a:r>
-              <a:rPr lang="en-US" sz="2000" dirty="0"/>
-              <a:t>Compared to college enrollment percentage, this is where the student’s actual education/performance has the upper hand in influencing the outcome.</a:t>
-            </a:r>
-          </a:p>
-          <a:p>
-            <a:pPr marL="342900" indent="-342900">
-              <a:buFont typeface="Arial" panose="020B0604020202020204" pitchFamily="34" charset="0"/>
-              <a:buChar char="•"/>
-            </a:pPr>
-            <a:endParaRPr lang="en-US" sz="2000" dirty="0"/>
-          </a:p>
-          <a:p>
-            <a:pPr marL="342900" indent="-342900">
-              <a:buFont typeface="Arial" panose="020B0604020202020204" pitchFamily="34" charset="0"/>
-              <a:buChar char="•"/>
-            </a:pPr>
-            <a:r>
-              <a:rPr lang="en-US" sz="2000" dirty="0"/>
-              <a:t>In the middle-left part of the figure we see some of the highest college graduation percentages near the mean Wealth/ADA ($431,718)</a:t>
-            </a:r>
-          </a:p>
-          <a:p>
-            <a:endParaRPr lang="en-US" sz="2000" dirty="0"/>
+            <a:endParaRPr lang="en-US" sz="2400" b="1" dirty="0"/>
           </a:p>
         </p:txBody>
       </p:sp>
       <p:pic>
         <p:nvPicPr>
-          <p:cNvPr id="5" name="Picture 4">
-            <a:extLst>
-              <a:ext uri="{FF2B5EF4-FFF2-40B4-BE49-F238E27FC236}">
-                <a16:creationId xmlns:a16="http://schemas.microsoft.com/office/drawing/2014/main" id="{D5FFB3C5-CBDA-4DDC-9BD9-BF9E32E9AA61}"/>
+          <p:cNvPr id="6" name="Picture 5">
+            <a:extLst>
+              <a:ext uri="{FF2B5EF4-FFF2-40B4-BE49-F238E27FC236}">
+                <a16:creationId xmlns:a16="http://schemas.microsoft.com/office/drawing/2014/main" id="{CDBC9C54-032E-4E34-80DC-4F6904E62DF6}"/>
               </a:ext>
             </a:extLst>
           </p:cNvPr>
@@ -4350,8 +4104,290 @@
         </p:blipFill>
         <p:spPr>
           <a:xfrm>
-            <a:off x="4654468" y="1696864"/>
-            <a:ext cx="7457324" cy="5016757"/>
+            <a:off x="1" y="1323439"/>
+            <a:ext cx="5775156" cy="5466382"/>
+          </a:xfrm>
+          <a:prstGeom prst="rect">
+            <a:avLst/>
+          </a:prstGeom>
+        </p:spPr>
+      </p:pic>
+      <p:pic>
+        <p:nvPicPr>
+          <p:cNvPr id="7" name="Picture 6">
+            <a:extLst>
+              <a:ext uri="{FF2B5EF4-FFF2-40B4-BE49-F238E27FC236}">
+                <a16:creationId xmlns:a16="http://schemas.microsoft.com/office/drawing/2014/main" id="{3E7C40FD-B016-4C44-9BC9-75D4B8447C97}"/>
+              </a:ext>
+            </a:extLst>
+          </p:cNvPr>
+          <p:cNvPicPr/>
+          <p:nvPr/>
+        </p:nvPicPr>
+        <p:blipFill>
+          <a:blip r:embed="rId3"/>
+          <a:stretch>
+            <a:fillRect/>
+          </a:stretch>
+        </p:blipFill>
+        <p:spPr>
+          <a:xfrm>
+            <a:off x="5775157" y="1028680"/>
+            <a:ext cx="6416842" cy="3557237"/>
+          </a:xfrm>
+          <a:prstGeom prst="rect">
+            <a:avLst/>
+          </a:prstGeom>
+        </p:spPr>
+      </p:pic>
+      <p:pic>
+        <p:nvPicPr>
+          <p:cNvPr id="8" name="Picture 7">
+            <a:extLst>
+              <a:ext uri="{FF2B5EF4-FFF2-40B4-BE49-F238E27FC236}">
+                <a16:creationId xmlns:a16="http://schemas.microsoft.com/office/drawing/2014/main" id="{829DDECE-E21A-47FC-90CC-C64329EA7868}"/>
+              </a:ext>
+            </a:extLst>
+          </p:cNvPr>
+          <p:cNvPicPr/>
+          <p:nvPr/>
+        </p:nvPicPr>
+        <p:blipFill>
+          <a:blip r:embed="rId4"/>
+          <a:stretch>
+            <a:fillRect/>
+          </a:stretch>
+        </p:blipFill>
+        <p:spPr>
+          <a:xfrm>
+            <a:off x="7058527" y="4585917"/>
+            <a:ext cx="3609474" cy="2203904"/>
+          </a:xfrm>
+          <a:prstGeom prst="rect">
+            <a:avLst/>
+          </a:prstGeom>
+        </p:spPr>
+      </p:pic>
+      <p:sp>
+        <p:nvSpPr>
+          <p:cNvPr id="9" name="TextBox 8">
+            <a:extLst>
+              <a:ext uri="{FF2B5EF4-FFF2-40B4-BE49-F238E27FC236}">
+                <a16:creationId xmlns:a16="http://schemas.microsoft.com/office/drawing/2014/main" id="{DFDE6EFF-53E9-40DC-BC02-F726727DC2B2}"/>
+              </a:ext>
+            </a:extLst>
+          </p:cNvPr>
+          <p:cNvSpPr txBox="1"/>
+          <p:nvPr/>
+        </p:nvSpPr>
+        <p:spPr>
+          <a:xfrm>
+            <a:off x="898358" y="675754"/>
+            <a:ext cx="3978442" cy="400110"/>
+          </a:xfrm>
+          <a:prstGeom prst="rect">
+            <a:avLst/>
+          </a:prstGeom>
+          <a:noFill/>
+        </p:spPr>
+        <p:txBody>
+          <a:bodyPr wrap="square" rtlCol="0">
+            <a:spAutoFit/>
+          </a:bodyPr>
+          <a:lstStyle/>
+          <a:p>
+            <a:pPr algn="ctr"/>
+            <a:r>
+              <a:rPr lang="en-US" sz="2000" u="sng" dirty="0"/>
+              <a:t>Correlation Heatmap</a:t>
+            </a:r>
+            <a:r>
+              <a:rPr lang="en-US" dirty="0"/>
+              <a:t>:</a:t>
+            </a:r>
+          </a:p>
+        </p:txBody>
+      </p:sp>
+    </p:spTree>
+    <p:extLst>
+      <p:ext uri="{BB962C8B-B14F-4D97-AF65-F5344CB8AC3E}">
+        <p14:creationId xmlns:p14="http://schemas.microsoft.com/office/powerpoint/2010/main" val="1023544247"/>
+      </p:ext>
+    </p:extLst>
+  </p:cSld>
+  <p:clrMapOvr>
+    <a:masterClrMapping/>
+  </p:clrMapOvr>
+</p:sld>
+</file>
+
+<file path=ppt/slides/slide15.xml><?xml version="1.0" encoding="utf-8"?>
+<p:sld xmlns:a="http://schemas.openxmlformats.org/drawingml/2006/main" xmlns:r="http://schemas.openxmlformats.org/officeDocument/2006/relationships" xmlns:p="http://schemas.openxmlformats.org/presentationml/2006/main">
+  <p:cSld>
+    <p:spTree>
+      <p:nvGrpSpPr>
+        <p:cNvPr id="1" name=""/>
+        <p:cNvGrpSpPr/>
+        <p:nvPr/>
+      </p:nvGrpSpPr>
+      <p:grpSpPr>
+        <a:xfrm>
+          <a:off x="0" y="0"/>
+          <a:ext cx="0" cy="0"/>
+          <a:chOff x="0" y="0"/>
+          <a:chExt cx="0" cy="0"/>
+        </a:xfrm>
+      </p:grpSpPr>
+      <p:sp>
+        <p:nvSpPr>
+          <p:cNvPr id="2" name="Title 1">
+            <a:extLst>
+              <a:ext uri="{FF2B5EF4-FFF2-40B4-BE49-F238E27FC236}">
+                <a16:creationId xmlns:a16="http://schemas.microsoft.com/office/drawing/2014/main" id="{C3D9DC0B-662F-497C-B10A-BBFB59D6A322}"/>
+              </a:ext>
+            </a:extLst>
+          </p:cNvPr>
+          <p:cNvSpPr>
+            <a:spLocks noGrp="1"/>
+          </p:cNvSpPr>
+          <p:nvPr>
+            <p:ph type="title"/>
+          </p:nvPr>
+        </p:nvSpPr>
+        <p:spPr>
+          <a:xfrm>
+            <a:off x="838200" y="-148222"/>
+            <a:ext cx="10515600" cy="1325563"/>
+          </a:xfrm>
+        </p:spPr>
+        <p:txBody>
+          <a:bodyPr>
+            <a:normAutofit/>
+          </a:bodyPr>
+          <a:lstStyle/>
+          <a:p>
+            <a:pPr algn="ctr"/>
+            <a:r>
+              <a:rPr lang="en-US" sz="3200" b="1" u="sng" dirty="0"/>
+              <a:t>Model 1</a:t>
+            </a:r>
+            <a:r>
+              <a:rPr lang="en-US" sz="3200" b="1" dirty="0"/>
+              <a:t>: Linear Regression </a:t>
+            </a:r>
+          </a:p>
+        </p:txBody>
+      </p:sp>
+      <p:pic>
+        <p:nvPicPr>
+          <p:cNvPr id="5" name="Picture 4">
+            <a:extLst>
+              <a:ext uri="{FF2B5EF4-FFF2-40B4-BE49-F238E27FC236}">
+                <a16:creationId xmlns:a16="http://schemas.microsoft.com/office/drawing/2014/main" id="{873DD99F-4222-493C-837F-8B4CE3DDF785}"/>
+              </a:ext>
+            </a:extLst>
+          </p:cNvPr>
+          <p:cNvPicPr>
+            <a:picLocks noChangeAspect="1"/>
+          </p:cNvPicPr>
+          <p:nvPr/>
+        </p:nvPicPr>
+        <p:blipFill>
+          <a:blip r:embed="rId2"/>
+          <a:stretch>
+            <a:fillRect/>
+          </a:stretch>
+        </p:blipFill>
+        <p:spPr>
+          <a:xfrm>
+            <a:off x="6023938" y="818234"/>
+            <a:ext cx="6128556" cy="2350168"/>
+          </a:xfrm>
+          <a:prstGeom prst="rect">
+            <a:avLst/>
+          </a:prstGeom>
+        </p:spPr>
+      </p:pic>
+      <p:pic>
+        <p:nvPicPr>
+          <p:cNvPr id="10" name="Picture 9">
+            <a:extLst>
+              <a:ext uri="{FF2B5EF4-FFF2-40B4-BE49-F238E27FC236}">
+                <a16:creationId xmlns:a16="http://schemas.microsoft.com/office/drawing/2014/main" id="{CBD7B052-40E9-4B4C-82D2-BA95C8618496}"/>
+              </a:ext>
+            </a:extLst>
+          </p:cNvPr>
+          <p:cNvPicPr/>
+          <p:nvPr/>
+        </p:nvPicPr>
+        <p:blipFill>
+          <a:blip r:embed="rId3"/>
+          <a:stretch>
+            <a:fillRect/>
+          </a:stretch>
+        </p:blipFill>
+        <p:spPr>
+          <a:xfrm>
+            <a:off x="6544375" y="3689599"/>
+            <a:ext cx="5370795" cy="2568576"/>
+          </a:xfrm>
+          <a:prstGeom prst="rect">
+            <a:avLst/>
+          </a:prstGeom>
+        </p:spPr>
+      </p:pic>
+      <p:pic>
+        <p:nvPicPr>
+          <p:cNvPr id="11" name="Picture 10">
+            <a:extLst>
+              <a:ext uri="{FF2B5EF4-FFF2-40B4-BE49-F238E27FC236}">
+                <a16:creationId xmlns:a16="http://schemas.microsoft.com/office/drawing/2014/main" id="{C027086A-7E3E-4C9E-925C-6998112839F0}"/>
+              </a:ext>
+            </a:extLst>
+          </p:cNvPr>
+          <p:cNvPicPr>
+            <a:picLocks noChangeAspect="1"/>
+          </p:cNvPicPr>
+          <p:nvPr/>
+        </p:nvPicPr>
+        <p:blipFill>
+          <a:blip r:embed="rId4"/>
+          <a:stretch>
+            <a:fillRect/>
+          </a:stretch>
+        </p:blipFill>
+        <p:spPr>
+          <a:xfrm>
+            <a:off x="276830" y="3160296"/>
+            <a:ext cx="5254389" cy="3659458"/>
+          </a:xfrm>
+          <a:prstGeom prst="rect">
+            <a:avLst/>
+          </a:prstGeom>
+        </p:spPr>
+      </p:pic>
+      <p:pic>
+        <p:nvPicPr>
+          <p:cNvPr id="12" name="Picture 11">
+            <a:extLst>
+              <a:ext uri="{FF2B5EF4-FFF2-40B4-BE49-F238E27FC236}">
+                <a16:creationId xmlns:a16="http://schemas.microsoft.com/office/drawing/2014/main" id="{44A2EBB9-869C-432F-97E0-AF1B039DC363}"/>
+              </a:ext>
+            </a:extLst>
+          </p:cNvPr>
+          <p:cNvPicPr/>
+          <p:nvPr/>
+        </p:nvPicPr>
+        <p:blipFill>
+          <a:blip r:embed="rId5"/>
+          <a:stretch>
+            <a:fillRect/>
+          </a:stretch>
+        </p:blipFill>
+        <p:spPr>
+          <a:xfrm>
+            <a:off x="39506" y="810127"/>
+            <a:ext cx="6056494" cy="2350168"/>
           </a:xfrm>
           <a:prstGeom prst="rect">
             <a:avLst/>
@@ -4361,7 +4397,817 @@
     </p:spTree>
     <p:extLst>
       <p:ext uri="{BB962C8B-B14F-4D97-AF65-F5344CB8AC3E}">
-        <p14:creationId xmlns:p14="http://schemas.microsoft.com/office/powerpoint/2010/main" val="1714310185"/>
+        <p14:creationId xmlns:p14="http://schemas.microsoft.com/office/powerpoint/2010/main" val="3451296739"/>
+      </p:ext>
+    </p:extLst>
+  </p:cSld>
+  <p:clrMapOvr>
+    <a:masterClrMapping/>
+  </p:clrMapOvr>
+</p:sld>
+</file>
+
+<file path=ppt/slides/slide16.xml><?xml version="1.0" encoding="utf-8"?>
+<p:sld xmlns:a="http://schemas.openxmlformats.org/drawingml/2006/main" xmlns:r="http://schemas.openxmlformats.org/officeDocument/2006/relationships" xmlns:p="http://schemas.openxmlformats.org/presentationml/2006/main">
+  <p:cSld>
+    <p:spTree>
+      <p:nvGrpSpPr>
+        <p:cNvPr id="1" name=""/>
+        <p:cNvGrpSpPr/>
+        <p:nvPr/>
+      </p:nvGrpSpPr>
+      <p:grpSpPr>
+        <a:xfrm>
+          <a:off x="0" y="0"/>
+          <a:ext cx="0" cy="0"/>
+          <a:chOff x="0" y="0"/>
+          <a:chExt cx="0" cy="0"/>
+        </a:xfrm>
+      </p:grpSpPr>
+      <p:sp>
+        <p:nvSpPr>
+          <p:cNvPr id="2" name="Title 1">
+            <a:extLst>
+              <a:ext uri="{FF2B5EF4-FFF2-40B4-BE49-F238E27FC236}">
+                <a16:creationId xmlns:a16="http://schemas.microsoft.com/office/drawing/2014/main" id="{C3D9DC0B-662F-497C-B10A-BBFB59D6A322}"/>
+              </a:ext>
+            </a:extLst>
+          </p:cNvPr>
+          <p:cNvSpPr>
+            <a:spLocks noGrp="1"/>
+          </p:cNvSpPr>
+          <p:nvPr>
+            <p:ph type="title"/>
+          </p:nvPr>
+        </p:nvSpPr>
+        <p:spPr>
+          <a:xfrm>
+            <a:off x="838200" y="-148222"/>
+            <a:ext cx="10515600" cy="1325563"/>
+          </a:xfrm>
+        </p:spPr>
+        <p:txBody>
+          <a:bodyPr>
+            <a:normAutofit/>
+          </a:bodyPr>
+          <a:lstStyle/>
+          <a:p>
+            <a:pPr algn="ctr"/>
+            <a:r>
+              <a:rPr lang="en-US" sz="3200" b="1" u="sng" dirty="0"/>
+              <a:t>Model 2</a:t>
+            </a:r>
+            <a:r>
+              <a:rPr lang="en-US" sz="3200" b="1" dirty="0"/>
+              <a:t>: Random Forest Regressor (No </a:t>
+            </a:r>
+            <a:r>
+              <a:rPr lang="en-US" sz="3200" b="1" dirty="0" err="1"/>
+              <a:t>HyperParameter</a:t>
+            </a:r>
+            <a:r>
+              <a:rPr lang="en-US" sz="3200" b="1" dirty="0"/>
+              <a:t> Tuning)</a:t>
+            </a:r>
+          </a:p>
+        </p:txBody>
+      </p:sp>
+      <p:pic>
+        <p:nvPicPr>
+          <p:cNvPr id="7" name="Picture 6">
+            <a:extLst>
+              <a:ext uri="{FF2B5EF4-FFF2-40B4-BE49-F238E27FC236}">
+                <a16:creationId xmlns:a16="http://schemas.microsoft.com/office/drawing/2014/main" id="{E92C5D73-33D4-410F-BE8F-7E22078AD5BA}"/>
+              </a:ext>
+            </a:extLst>
+          </p:cNvPr>
+          <p:cNvPicPr/>
+          <p:nvPr/>
+        </p:nvPicPr>
+        <p:blipFill>
+          <a:blip r:embed="rId2"/>
+          <a:stretch>
+            <a:fillRect/>
+          </a:stretch>
+        </p:blipFill>
+        <p:spPr>
+          <a:xfrm>
+            <a:off x="0" y="1565798"/>
+            <a:ext cx="7812505" cy="5123760"/>
+          </a:xfrm>
+          <a:prstGeom prst="rect">
+            <a:avLst/>
+          </a:prstGeom>
+        </p:spPr>
+      </p:pic>
+      <p:sp>
+        <p:nvSpPr>
+          <p:cNvPr id="3" name="TextBox 2">
+            <a:extLst>
+              <a:ext uri="{FF2B5EF4-FFF2-40B4-BE49-F238E27FC236}">
+                <a16:creationId xmlns:a16="http://schemas.microsoft.com/office/drawing/2014/main" id="{7464CC2C-9101-44DE-A823-B6D048BEE66E}"/>
+              </a:ext>
+            </a:extLst>
+          </p:cNvPr>
+          <p:cNvSpPr txBox="1"/>
+          <p:nvPr/>
+        </p:nvSpPr>
+        <p:spPr>
+          <a:xfrm>
+            <a:off x="2550695" y="1109960"/>
+            <a:ext cx="4812632" cy="523220"/>
+          </a:xfrm>
+          <a:prstGeom prst="rect">
+            <a:avLst/>
+          </a:prstGeom>
+          <a:noFill/>
+        </p:spPr>
+        <p:txBody>
+          <a:bodyPr wrap="square" rtlCol="0">
+            <a:spAutoFit/>
+          </a:bodyPr>
+          <a:lstStyle/>
+          <a:p>
+            <a:r>
+              <a:rPr lang="en-US" sz="2800" dirty="0"/>
+              <a:t>Feature Importance Plot:</a:t>
+            </a:r>
+          </a:p>
+        </p:txBody>
+      </p:sp>
+      <p:sp>
+        <p:nvSpPr>
+          <p:cNvPr id="4" name="TextBox 3">
+            <a:extLst>
+              <a:ext uri="{FF2B5EF4-FFF2-40B4-BE49-F238E27FC236}">
+                <a16:creationId xmlns:a16="http://schemas.microsoft.com/office/drawing/2014/main" id="{93325A00-0C41-455B-8C0F-E484BE0EE6BC}"/>
+              </a:ext>
+            </a:extLst>
+          </p:cNvPr>
+          <p:cNvSpPr txBox="1"/>
+          <p:nvPr/>
+        </p:nvSpPr>
+        <p:spPr>
+          <a:xfrm>
+            <a:off x="7812505" y="4046679"/>
+            <a:ext cx="4010526" cy="2677656"/>
+          </a:xfrm>
+          <a:prstGeom prst="rect">
+            <a:avLst/>
+          </a:prstGeom>
+          <a:noFill/>
+        </p:spPr>
+        <p:txBody>
+          <a:bodyPr wrap="square" rtlCol="0">
+            <a:spAutoFit/>
+          </a:bodyPr>
+          <a:lstStyle/>
+          <a:p>
+            <a:pPr marL="342900" indent="-342900">
+              <a:buFont typeface="Arial" panose="020B0604020202020204" pitchFamily="34" charset="0"/>
+              <a:buChar char="•"/>
+            </a:pPr>
+            <a:r>
+              <a:rPr lang="en-US" sz="2800" u="sng" dirty="0"/>
+              <a:t>Decided to drop bottom four features for Model 3</a:t>
+            </a:r>
+            <a:r>
+              <a:rPr lang="en-US" sz="2800" dirty="0"/>
+              <a:t>. Features were redundant and/or used to engineer other features</a:t>
+            </a:r>
+          </a:p>
+        </p:txBody>
+      </p:sp>
+      <p:pic>
+        <p:nvPicPr>
+          <p:cNvPr id="6" name="Picture 5">
+            <a:extLst>
+              <a:ext uri="{FF2B5EF4-FFF2-40B4-BE49-F238E27FC236}">
+                <a16:creationId xmlns:a16="http://schemas.microsoft.com/office/drawing/2014/main" id="{8DB52C15-2E88-4AE7-8FE5-729410E81C61}"/>
+              </a:ext>
+            </a:extLst>
+          </p:cNvPr>
+          <p:cNvPicPr>
+            <a:picLocks noChangeAspect="1"/>
+          </p:cNvPicPr>
+          <p:nvPr/>
+        </p:nvPicPr>
+        <p:blipFill>
+          <a:blip r:embed="rId3"/>
+          <a:stretch>
+            <a:fillRect/>
+          </a:stretch>
+        </p:blipFill>
+        <p:spPr>
+          <a:xfrm>
+            <a:off x="7812505" y="1671526"/>
+            <a:ext cx="4128049" cy="2064025"/>
+          </a:xfrm>
+          <a:prstGeom prst="rect">
+            <a:avLst/>
+          </a:prstGeom>
+        </p:spPr>
+      </p:pic>
+    </p:spTree>
+    <p:extLst>
+      <p:ext uri="{BB962C8B-B14F-4D97-AF65-F5344CB8AC3E}">
+        <p14:creationId xmlns:p14="http://schemas.microsoft.com/office/powerpoint/2010/main" val="2558715092"/>
+      </p:ext>
+    </p:extLst>
+  </p:cSld>
+  <p:clrMapOvr>
+    <a:masterClrMapping/>
+  </p:clrMapOvr>
+</p:sld>
+</file>
+
+<file path=ppt/slides/slide17.xml><?xml version="1.0" encoding="utf-8"?>
+<p:sld xmlns:a="http://schemas.openxmlformats.org/drawingml/2006/main" xmlns:r="http://schemas.openxmlformats.org/officeDocument/2006/relationships" xmlns:p="http://schemas.openxmlformats.org/presentationml/2006/main">
+  <p:cSld>
+    <p:spTree>
+      <p:nvGrpSpPr>
+        <p:cNvPr id="1" name=""/>
+        <p:cNvGrpSpPr/>
+        <p:nvPr/>
+      </p:nvGrpSpPr>
+      <p:grpSpPr>
+        <a:xfrm>
+          <a:off x="0" y="0"/>
+          <a:ext cx="0" cy="0"/>
+          <a:chOff x="0" y="0"/>
+          <a:chExt cx="0" cy="0"/>
+        </a:xfrm>
+      </p:grpSpPr>
+      <p:sp>
+        <p:nvSpPr>
+          <p:cNvPr id="2" name="Title 1">
+            <a:extLst>
+              <a:ext uri="{FF2B5EF4-FFF2-40B4-BE49-F238E27FC236}">
+                <a16:creationId xmlns:a16="http://schemas.microsoft.com/office/drawing/2014/main" id="{C3D9DC0B-662F-497C-B10A-BBFB59D6A322}"/>
+              </a:ext>
+            </a:extLst>
+          </p:cNvPr>
+          <p:cNvSpPr>
+            <a:spLocks noGrp="1"/>
+          </p:cNvSpPr>
+          <p:nvPr>
+            <p:ph type="title"/>
+          </p:nvPr>
+        </p:nvSpPr>
+        <p:spPr>
+          <a:xfrm>
+            <a:off x="838200" y="-148222"/>
+            <a:ext cx="10515600" cy="1325563"/>
+          </a:xfrm>
+        </p:spPr>
+        <p:txBody>
+          <a:bodyPr>
+            <a:normAutofit/>
+          </a:bodyPr>
+          <a:lstStyle/>
+          <a:p>
+            <a:pPr algn="ctr"/>
+            <a:r>
+              <a:rPr lang="en-US" sz="3200" b="1" u="sng" dirty="0"/>
+              <a:t>Model 3</a:t>
+            </a:r>
+            <a:r>
+              <a:rPr lang="en-US" sz="3200" b="1" dirty="0"/>
+              <a:t>: Random Forest Regressor </a:t>
+            </a:r>
+            <a:br>
+              <a:rPr lang="en-US" sz="3200" b="1" dirty="0"/>
+            </a:br>
+            <a:r>
+              <a:rPr lang="en-US" sz="3200" b="1" dirty="0"/>
+              <a:t>(</a:t>
+            </a:r>
+            <a:r>
+              <a:rPr lang="en-US" sz="3200" b="1" dirty="0" err="1"/>
+              <a:t>HyperParameter</a:t>
+            </a:r>
+            <a:r>
+              <a:rPr lang="en-US" sz="3200" b="1" dirty="0"/>
+              <a:t> Tuning &amp; Feature Selection)</a:t>
+            </a:r>
+          </a:p>
+        </p:txBody>
+      </p:sp>
+      <p:sp>
+        <p:nvSpPr>
+          <p:cNvPr id="5" name="TextBox 4">
+            <a:extLst>
+              <a:ext uri="{FF2B5EF4-FFF2-40B4-BE49-F238E27FC236}">
+                <a16:creationId xmlns:a16="http://schemas.microsoft.com/office/drawing/2014/main" id="{379A1681-1F75-4C26-A331-FCE3B322B7CE}"/>
+              </a:ext>
+            </a:extLst>
+          </p:cNvPr>
+          <p:cNvSpPr txBox="1"/>
+          <p:nvPr/>
+        </p:nvSpPr>
+        <p:spPr>
+          <a:xfrm>
+            <a:off x="0" y="1735425"/>
+            <a:ext cx="7299158" cy="1569660"/>
+          </a:xfrm>
+          <a:prstGeom prst="rect">
+            <a:avLst/>
+          </a:prstGeom>
+          <a:noFill/>
+        </p:spPr>
+        <p:txBody>
+          <a:bodyPr wrap="square" rtlCol="0">
+            <a:spAutoFit/>
+          </a:bodyPr>
+          <a:lstStyle/>
+          <a:p>
+            <a:r>
+              <a:rPr lang="en-US" sz="3200" dirty="0"/>
+              <a:t>‘</a:t>
+            </a:r>
+            <a:r>
+              <a:rPr lang="en-US" sz="3200" dirty="0" err="1"/>
+              <a:t>n_estimators</a:t>
+            </a:r>
+            <a:r>
+              <a:rPr lang="en-US" sz="3200" dirty="0"/>
+              <a:t>’: [100, 200, 600, 1000]</a:t>
+            </a:r>
+          </a:p>
+          <a:p>
+            <a:r>
+              <a:rPr lang="en-US" sz="3200" dirty="0"/>
+              <a:t>‘</a:t>
+            </a:r>
+            <a:r>
+              <a:rPr lang="en-US" sz="3200" dirty="0" err="1"/>
+              <a:t>max_features</a:t>
+            </a:r>
+            <a:r>
+              <a:rPr lang="en-US" sz="3200" dirty="0"/>
+              <a:t>’: [‘sqrt’, ‘log2’, 0.5, None]</a:t>
+            </a:r>
+          </a:p>
+          <a:p>
+            <a:r>
+              <a:rPr lang="en-US" sz="3200" dirty="0"/>
+              <a:t>‘</a:t>
+            </a:r>
+            <a:r>
+              <a:rPr lang="en-US" sz="3200" dirty="0" err="1"/>
+              <a:t>min_samples_leaf</a:t>
+            </a:r>
+            <a:r>
+              <a:rPr lang="en-US" sz="3200" dirty="0"/>
+              <a:t>’: [5, 3, 2, 1]</a:t>
+            </a:r>
+          </a:p>
+        </p:txBody>
+      </p:sp>
+      <p:sp>
+        <p:nvSpPr>
+          <p:cNvPr id="6" name="Arrow: Right 5">
+            <a:extLst>
+              <a:ext uri="{FF2B5EF4-FFF2-40B4-BE49-F238E27FC236}">
+                <a16:creationId xmlns:a16="http://schemas.microsoft.com/office/drawing/2014/main" id="{A6ECAD82-1ED2-4879-8173-52152164F012}"/>
+              </a:ext>
+            </a:extLst>
+          </p:cNvPr>
+          <p:cNvSpPr/>
+          <p:nvPr/>
+        </p:nvSpPr>
+        <p:spPr>
+          <a:xfrm>
+            <a:off x="6994358" y="2170717"/>
+            <a:ext cx="705852" cy="737937"/>
+          </a:xfrm>
+          <a:prstGeom prst="rightArrow">
+            <a:avLst/>
+          </a:prstGeom>
+        </p:spPr>
+        <p:style>
+          <a:lnRef idx="2">
+            <a:schemeClr val="accent1">
+              <a:shade val="50000"/>
+            </a:schemeClr>
+          </a:lnRef>
+          <a:fillRef idx="1">
+            <a:schemeClr val="accent1"/>
+          </a:fillRef>
+          <a:effectRef idx="0">
+            <a:schemeClr val="accent1"/>
+          </a:effectRef>
+          <a:fontRef idx="minor">
+            <a:schemeClr val="lt1"/>
+          </a:fontRef>
+        </p:style>
+        <p:txBody>
+          <a:bodyPr rtlCol="0" anchor="ctr"/>
+          <a:lstStyle/>
+          <a:p>
+            <a:pPr algn="ctr"/>
+            <a:endParaRPr lang="en-US"/>
+          </a:p>
+        </p:txBody>
+      </p:sp>
+      <p:sp>
+        <p:nvSpPr>
+          <p:cNvPr id="8" name="TextBox 7">
+            <a:extLst>
+              <a:ext uri="{FF2B5EF4-FFF2-40B4-BE49-F238E27FC236}">
+                <a16:creationId xmlns:a16="http://schemas.microsoft.com/office/drawing/2014/main" id="{D9CE971E-1DCB-417B-9F64-DA7EEBBE4F71}"/>
+              </a:ext>
+            </a:extLst>
+          </p:cNvPr>
+          <p:cNvSpPr txBox="1"/>
+          <p:nvPr/>
+        </p:nvSpPr>
+        <p:spPr>
+          <a:xfrm>
+            <a:off x="8101263" y="1366897"/>
+            <a:ext cx="3834063" cy="2062103"/>
+          </a:xfrm>
+          <a:prstGeom prst="rect">
+            <a:avLst/>
+          </a:prstGeom>
+          <a:noFill/>
+        </p:spPr>
+        <p:txBody>
+          <a:bodyPr wrap="square" rtlCol="0">
+            <a:spAutoFit/>
+          </a:bodyPr>
+          <a:lstStyle/>
+          <a:p>
+            <a:r>
+              <a:rPr lang="en-US" sz="3200" u="sng" dirty="0"/>
+              <a:t>Best Parameters</a:t>
+            </a:r>
+            <a:r>
+              <a:rPr lang="en-US" sz="3200" dirty="0"/>
+              <a:t>:</a:t>
+            </a:r>
+          </a:p>
+          <a:p>
+            <a:r>
+              <a:rPr lang="en-US" sz="3200" dirty="0"/>
+              <a:t>‘</a:t>
+            </a:r>
+            <a:r>
+              <a:rPr lang="en-US" sz="3200" dirty="0" err="1"/>
+              <a:t>n_estimators</a:t>
+            </a:r>
+            <a:r>
+              <a:rPr lang="en-US" sz="3200" dirty="0"/>
+              <a:t>’: 1000</a:t>
+            </a:r>
+          </a:p>
+          <a:p>
+            <a:r>
+              <a:rPr lang="en-US" sz="3200" dirty="0"/>
+              <a:t>‘</a:t>
+            </a:r>
+            <a:r>
+              <a:rPr lang="en-US" sz="3200" dirty="0" err="1"/>
+              <a:t>max_features</a:t>
+            </a:r>
+            <a:r>
+              <a:rPr lang="en-US" sz="3200" dirty="0"/>
+              <a:t>’: ‘log2’</a:t>
+            </a:r>
+          </a:p>
+          <a:p>
+            <a:r>
+              <a:rPr lang="en-US" sz="3200" dirty="0"/>
+              <a:t>‘</a:t>
+            </a:r>
+            <a:r>
+              <a:rPr lang="en-US" sz="3200" dirty="0" err="1"/>
+              <a:t>min_samples_leaf</a:t>
+            </a:r>
+            <a:r>
+              <a:rPr lang="en-US" sz="3200" dirty="0"/>
+              <a:t>’: 1</a:t>
+            </a:r>
+          </a:p>
+        </p:txBody>
+      </p:sp>
+      <p:pic>
+        <p:nvPicPr>
+          <p:cNvPr id="9" name="Picture 8">
+            <a:extLst>
+              <a:ext uri="{FF2B5EF4-FFF2-40B4-BE49-F238E27FC236}">
+                <a16:creationId xmlns:a16="http://schemas.microsoft.com/office/drawing/2014/main" id="{8864FD00-8607-4502-9920-888E68033F56}"/>
+              </a:ext>
+            </a:extLst>
+          </p:cNvPr>
+          <p:cNvPicPr>
+            <a:picLocks noChangeAspect="1"/>
+          </p:cNvPicPr>
+          <p:nvPr/>
+        </p:nvPicPr>
+        <p:blipFill>
+          <a:blip r:embed="rId2"/>
+          <a:stretch>
+            <a:fillRect/>
+          </a:stretch>
+        </p:blipFill>
+        <p:spPr>
+          <a:xfrm>
+            <a:off x="3667424" y="3987084"/>
+            <a:ext cx="4857152" cy="2538411"/>
+          </a:xfrm>
+          <a:prstGeom prst="rect">
+            <a:avLst/>
+          </a:prstGeom>
+        </p:spPr>
+      </p:pic>
+    </p:spTree>
+    <p:extLst>
+      <p:ext uri="{BB962C8B-B14F-4D97-AF65-F5344CB8AC3E}">
+        <p14:creationId xmlns:p14="http://schemas.microsoft.com/office/powerpoint/2010/main" val="2847849990"/>
+      </p:ext>
+    </p:extLst>
+  </p:cSld>
+  <p:clrMapOvr>
+    <a:masterClrMapping/>
+  </p:clrMapOvr>
+</p:sld>
+</file>
+
+<file path=ppt/slides/slide18.xml><?xml version="1.0" encoding="utf-8"?>
+<p:sld xmlns:a="http://schemas.openxmlformats.org/drawingml/2006/main" xmlns:r="http://schemas.openxmlformats.org/officeDocument/2006/relationships" xmlns:p="http://schemas.openxmlformats.org/presentationml/2006/main">
+  <p:cSld>
+    <p:spTree>
+      <p:nvGrpSpPr>
+        <p:cNvPr id="1" name=""/>
+        <p:cNvGrpSpPr/>
+        <p:nvPr/>
+      </p:nvGrpSpPr>
+      <p:grpSpPr>
+        <a:xfrm>
+          <a:off x="0" y="0"/>
+          <a:ext cx="0" cy="0"/>
+          <a:chOff x="0" y="0"/>
+          <a:chExt cx="0" cy="0"/>
+        </a:xfrm>
+      </p:grpSpPr>
+      <p:sp>
+        <p:nvSpPr>
+          <p:cNvPr id="2" name="Title 1">
+            <a:extLst>
+              <a:ext uri="{FF2B5EF4-FFF2-40B4-BE49-F238E27FC236}">
+                <a16:creationId xmlns:a16="http://schemas.microsoft.com/office/drawing/2014/main" id="{A3D81377-F03D-4FF6-8439-03C9573EB851}"/>
+              </a:ext>
+            </a:extLst>
+          </p:cNvPr>
+          <p:cNvSpPr>
+            <a:spLocks noGrp="1"/>
+          </p:cNvSpPr>
+          <p:nvPr>
+            <p:ph type="title"/>
+          </p:nvPr>
+        </p:nvSpPr>
+        <p:spPr>
+          <a:xfrm>
+            <a:off x="2202775" y="-278415"/>
+            <a:ext cx="7786439" cy="1325563"/>
+          </a:xfrm>
+        </p:spPr>
+        <p:txBody>
+          <a:bodyPr>
+            <a:normAutofit/>
+          </a:bodyPr>
+          <a:lstStyle/>
+          <a:p>
+            <a:r>
+              <a:rPr lang="en-US" sz="3600" b="1" dirty="0"/>
+              <a:t>Model Selection – Performance Summary</a:t>
+            </a:r>
+          </a:p>
+        </p:txBody>
+      </p:sp>
+      <p:sp>
+        <p:nvSpPr>
+          <p:cNvPr id="5" name="TextBox 4">
+            <a:extLst>
+              <a:ext uri="{FF2B5EF4-FFF2-40B4-BE49-F238E27FC236}">
+                <a16:creationId xmlns:a16="http://schemas.microsoft.com/office/drawing/2014/main" id="{B3EA4140-2539-40DB-9CD0-A80B12BDCEB5}"/>
+              </a:ext>
+            </a:extLst>
+          </p:cNvPr>
+          <p:cNvSpPr txBox="1"/>
+          <p:nvPr/>
+        </p:nvSpPr>
+        <p:spPr>
+          <a:xfrm>
+            <a:off x="585531" y="4403666"/>
+            <a:ext cx="11020925" cy="2092881"/>
+          </a:xfrm>
+          <a:prstGeom prst="rect">
+            <a:avLst/>
+          </a:prstGeom>
+          <a:noFill/>
+        </p:spPr>
+        <p:txBody>
+          <a:bodyPr wrap="square" rtlCol="0">
+            <a:spAutoFit/>
+          </a:bodyPr>
+          <a:lstStyle/>
+          <a:p>
+            <a:r>
+              <a:rPr lang="en-US" sz="2800" u="sng" dirty="0"/>
+              <a:t>Best Model</a:t>
+            </a:r>
+            <a:r>
+              <a:rPr lang="en-US" sz="2800" dirty="0"/>
+              <a:t>: Model 3</a:t>
+            </a:r>
+          </a:p>
+          <a:p>
+            <a:pPr marL="457200" indent="-457200">
+              <a:buFont typeface="Arial" panose="020B0604020202020204" pitchFamily="34" charset="0"/>
+              <a:buChar char="•"/>
+            </a:pPr>
+            <a:r>
+              <a:rPr lang="en-US" sz="2800" dirty="0"/>
+              <a:t>While these performance results led me to favor Model 3, we’ll also  compare its “Residual vs Predicted” and residual distribution with the base model (Model 1) in the next slide.  </a:t>
+            </a:r>
+          </a:p>
+          <a:p>
+            <a:endParaRPr lang="en-US" dirty="0"/>
+          </a:p>
+        </p:txBody>
+      </p:sp>
+      <p:pic>
+        <p:nvPicPr>
+          <p:cNvPr id="7" name="Picture 6">
+            <a:extLst>
+              <a:ext uri="{FF2B5EF4-FFF2-40B4-BE49-F238E27FC236}">
+                <a16:creationId xmlns:a16="http://schemas.microsoft.com/office/drawing/2014/main" id="{6F6A71BA-EC02-4FAB-B2C1-6962BA0D18DB}"/>
+              </a:ext>
+            </a:extLst>
+          </p:cNvPr>
+          <p:cNvPicPr/>
+          <p:nvPr/>
+        </p:nvPicPr>
+        <p:blipFill>
+          <a:blip r:embed="rId2"/>
+          <a:stretch>
+            <a:fillRect/>
+          </a:stretch>
+        </p:blipFill>
+        <p:spPr>
+          <a:xfrm>
+            <a:off x="2390274" y="1155929"/>
+            <a:ext cx="6425214" cy="3138955"/>
+          </a:xfrm>
+          <a:prstGeom prst="rect">
+            <a:avLst/>
+          </a:prstGeom>
+        </p:spPr>
+      </p:pic>
+    </p:spTree>
+    <p:extLst>
+      <p:ext uri="{BB962C8B-B14F-4D97-AF65-F5344CB8AC3E}">
+        <p14:creationId xmlns:p14="http://schemas.microsoft.com/office/powerpoint/2010/main" val="211556193"/>
+      </p:ext>
+    </p:extLst>
+  </p:cSld>
+  <p:clrMapOvr>
+    <a:masterClrMapping/>
+  </p:clrMapOvr>
+</p:sld>
+</file>
+
+<file path=ppt/slides/slide19.xml><?xml version="1.0" encoding="utf-8"?>
+<p:sld xmlns:a="http://schemas.openxmlformats.org/drawingml/2006/main" xmlns:r="http://schemas.openxmlformats.org/officeDocument/2006/relationships" xmlns:p="http://schemas.openxmlformats.org/presentationml/2006/main">
+  <p:cSld>
+    <p:spTree>
+      <p:nvGrpSpPr>
+        <p:cNvPr id="1" name=""/>
+        <p:cNvGrpSpPr/>
+        <p:nvPr/>
+      </p:nvGrpSpPr>
+      <p:grpSpPr>
+        <a:xfrm>
+          <a:off x="0" y="0"/>
+          <a:ext cx="0" cy="0"/>
+          <a:chOff x="0" y="0"/>
+          <a:chExt cx="0" cy="0"/>
+        </a:xfrm>
+      </p:grpSpPr>
+      <p:pic>
+        <p:nvPicPr>
+          <p:cNvPr id="4" name="Picture 3">
+            <a:extLst>
+              <a:ext uri="{FF2B5EF4-FFF2-40B4-BE49-F238E27FC236}">
+                <a16:creationId xmlns:a16="http://schemas.microsoft.com/office/drawing/2014/main" id="{3A55E73B-81F2-4397-B3E1-25E732AF5A31}"/>
+              </a:ext>
+            </a:extLst>
+          </p:cNvPr>
+          <p:cNvPicPr>
+            <a:picLocks noChangeAspect="1"/>
+          </p:cNvPicPr>
+          <p:nvPr/>
+        </p:nvPicPr>
+        <p:blipFill>
+          <a:blip r:embed="rId2"/>
+          <a:stretch>
+            <a:fillRect/>
+          </a:stretch>
+        </p:blipFill>
+        <p:spPr>
+          <a:xfrm>
+            <a:off x="1187116" y="385011"/>
+            <a:ext cx="9817768" cy="6312568"/>
+          </a:xfrm>
+          <a:prstGeom prst="rect">
+            <a:avLst/>
+          </a:prstGeom>
+        </p:spPr>
+      </p:pic>
+      <p:sp>
+        <p:nvSpPr>
+          <p:cNvPr id="7" name="TextBox 6">
+            <a:extLst>
+              <a:ext uri="{FF2B5EF4-FFF2-40B4-BE49-F238E27FC236}">
+                <a16:creationId xmlns:a16="http://schemas.microsoft.com/office/drawing/2014/main" id="{449D10EF-88A1-47E5-BD59-7847D60D292D}"/>
+              </a:ext>
+            </a:extLst>
+          </p:cNvPr>
+          <p:cNvSpPr txBox="1"/>
+          <p:nvPr/>
+        </p:nvSpPr>
+        <p:spPr>
+          <a:xfrm>
+            <a:off x="3336758" y="-15679"/>
+            <a:ext cx="2630905" cy="369332"/>
+          </a:xfrm>
+          <a:prstGeom prst="rect">
+            <a:avLst/>
+          </a:prstGeom>
+          <a:noFill/>
+        </p:spPr>
+        <p:txBody>
+          <a:bodyPr wrap="square" rtlCol="0">
+            <a:spAutoFit/>
+          </a:bodyPr>
+          <a:lstStyle/>
+          <a:p>
+            <a:r>
+              <a:rPr lang="en-US" b="1" u="sng" dirty="0"/>
+              <a:t>Model 1</a:t>
+            </a:r>
+            <a:r>
+              <a:rPr lang="en-US" dirty="0"/>
+              <a:t>:</a:t>
+            </a:r>
+          </a:p>
+        </p:txBody>
+      </p:sp>
+      <p:sp>
+        <p:nvSpPr>
+          <p:cNvPr id="8" name="TextBox 7">
+            <a:extLst>
+              <a:ext uri="{FF2B5EF4-FFF2-40B4-BE49-F238E27FC236}">
+                <a16:creationId xmlns:a16="http://schemas.microsoft.com/office/drawing/2014/main" id="{180255CE-5497-4C02-8C9B-BDF8B85383DA}"/>
+              </a:ext>
+            </a:extLst>
+          </p:cNvPr>
+          <p:cNvSpPr txBox="1"/>
+          <p:nvPr/>
+        </p:nvSpPr>
+        <p:spPr>
+          <a:xfrm>
+            <a:off x="8373979" y="15679"/>
+            <a:ext cx="2630905" cy="369332"/>
+          </a:xfrm>
+          <a:prstGeom prst="rect">
+            <a:avLst/>
+          </a:prstGeom>
+          <a:noFill/>
+        </p:spPr>
+        <p:txBody>
+          <a:bodyPr wrap="square" rtlCol="0">
+            <a:spAutoFit/>
+          </a:bodyPr>
+          <a:lstStyle/>
+          <a:p>
+            <a:r>
+              <a:rPr lang="en-US" b="1" u="sng" dirty="0"/>
+              <a:t>Model 3</a:t>
+            </a:r>
+            <a:r>
+              <a:rPr lang="en-US" dirty="0"/>
+              <a:t>:</a:t>
+            </a:r>
+          </a:p>
+        </p:txBody>
+      </p:sp>
+    </p:spTree>
+    <p:extLst>
+      <p:ext uri="{BB962C8B-B14F-4D97-AF65-F5344CB8AC3E}">
+        <p14:creationId xmlns:p14="http://schemas.microsoft.com/office/powerpoint/2010/main" val="3546720852"/>
       </p:ext>
     </p:extLst>
   </p:cSld>
@@ -4557,6 +5403,997 @@
     <p:extLst>
       <p:ext uri="{BB962C8B-B14F-4D97-AF65-F5344CB8AC3E}">
         <p14:creationId xmlns:p14="http://schemas.microsoft.com/office/powerpoint/2010/main" val="2599900425"/>
+      </p:ext>
+    </p:extLst>
+  </p:cSld>
+  <p:clrMapOvr>
+    <a:masterClrMapping/>
+  </p:clrMapOvr>
+</p:sld>
+</file>
+
+<file path=ppt/slides/slide20.xml><?xml version="1.0" encoding="utf-8"?>
+<p:sld xmlns:a="http://schemas.openxmlformats.org/drawingml/2006/main" xmlns:r="http://schemas.openxmlformats.org/officeDocument/2006/relationships" xmlns:p="http://schemas.openxmlformats.org/presentationml/2006/main">
+  <p:cSld>
+    <p:spTree>
+      <p:nvGrpSpPr>
+        <p:cNvPr id="1" name=""/>
+        <p:cNvGrpSpPr/>
+        <p:nvPr/>
+      </p:nvGrpSpPr>
+      <p:grpSpPr>
+        <a:xfrm>
+          <a:off x="0" y="0"/>
+          <a:ext cx="0" cy="0"/>
+          <a:chOff x="0" y="0"/>
+          <a:chExt cx="0" cy="0"/>
+        </a:xfrm>
+      </p:grpSpPr>
+      <p:sp>
+        <p:nvSpPr>
+          <p:cNvPr id="2" name="Title 1">
+            <a:extLst>
+              <a:ext uri="{FF2B5EF4-FFF2-40B4-BE49-F238E27FC236}">
+                <a16:creationId xmlns:a16="http://schemas.microsoft.com/office/drawing/2014/main" id="{4A28A101-FFFB-4ED0-8542-D88DFC327BDE}"/>
+              </a:ext>
+            </a:extLst>
+          </p:cNvPr>
+          <p:cNvSpPr>
+            <a:spLocks noGrp="1"/>
+          </p:cNvSpPr>
+          <p:nvPr>
+            <p:ph type="title"/>
+          </p:nvPr>
+        </p:nvSpPr>
+        <p:spPr>
+          <a:xfrm>
+            <a:off x="691816" y="-128337"/>
+            <a:ext cx="10808368" cy="1325563"/>
+          </a:xfrm>
+        </p:spPr>
+        <p:txBody>
+          <a:bodyPr>
+            <a:normAutofit/>
+          </a:bodyPr>
+          <a:lstStyle/>
+          <a:p>
+            <a:pPr algn="ctr"/>
+            <a:r>
+              <a:rPr lang="en-US" sz="3200" b="1" dirty="0"/>
+              <a:t>Predicting College Grad. % for High School Classes of 2015 - 2017</a:t>
+            </a:r>
+          </a:p>
+        </p:txBody>
+      </p:sp>
+      <p:pic>
+        <p:nvPicPr>
+          <p:cNvPr id="4" name="Picture 3">
+            <a:extLst>
+              <a:ext uri="{FF2B5EF4-FFF2-40B4-BE49-F238E27FC236}">
+                <a16:creationId xmlns:a16="http://schemas.microsoft.com/office/drawing/2014/main" id="{1D3D3D6D-AFB1-40E2-82B4-EA44E8DA42D9}"/>
+              </a:ext>
+            </a:extLst>
+          </p:cNvPr>
+          <p:cNvPicPr/>
+          <p:nvPr/>
+        </p:nvPicPr>
+        <p:blipFill>
+          <a:blip r:embed="rId2"/>
+          <a:stretch>
+            <a:fillRect/>
+          </a:stretch>
+        </p:blipFill>
+        <p:spPr>
+          <a:xfrm>
+            <a:off x="515353" y="1325563"/>
+            <a:ext cx="10808368" cy="5532437"/>
+          </a:xfrm>
+          <a:prstGeom prst="rect">
+            <a:avLst/>
+          </a:prstGeom>
+        </p:spPr>
+      </p:pic>
+    </p:spTree>
+    <p:extLst>
+      <p:ext uri="{BB962C8B-B14F-4D97-AF65-F5344CB8AC3E}">
+        <p14:creationId xmlns:p14="http://schemas.microsoft.com/office/powerpoint/2010/main" val="494989272"/>
+      </p:ext>
+    </p:extLst>
+  </p:cSld>
+  <p:clrMapOvr>
+    <a:masterClrMapping/>
+  </p:clrMapOvr>
+</p:sld>
+</file>
+
+<file path=ppt/slides/slide21.xml><?xml version="1.0" encoding="utf-8"?>
+<p:sld xmlns:a="http://schemas.openxmlformats.org/drawingml/2006/main" xmlns:r="http://schemas.openxmlformats.org/officeDocument/2006/relationships" xmlns:p="http://schemas.openxmlformats.org/presentationml/2006/main">
+  <p:cSld>
+    <p:spTree>
+      <p:nvGrpSpPr>
+        <p:cNvPr id="1" name=""/>
+        <p:cNvGrpSpPr/>
+        <p:nvPr/>
+      </p:nvGrpSpPr>
+      <p:grpSpPr>
+        <a:xfrm>
+          <a:off x="0" y="0"/>
+          <a:ext cx="0" cy="0"/>
+          <a:chOff x="0" y="0"/>
+          <a:chExt cx="0" cy="0"/>
+        </a:xfrm>
+      </p:grpSpPr>
+      <p:sp>
+        <p:nvSpPr>
+          <p:cNvPr id="2" name="Title 1">
+            <a:extLst>
+              <a:ext uri="{FF2B5EF4-FFF2-40B4-BE49-F238E27FC236}">
+                <a16:creationId xmlns:a16="http://schemas.microsoft.com/office/drawing/2014/main" id="{6B496671-6A44-49B8-8889-39F00971D673}"/>
+              </a:ext>
+            </a:extLst>
+          </p:cNvPr>
+          <p:cNvSpPr>
+            <a:spLocks noGrp="1"/>
+          </p:cNvSpPr>
+          <p:nvPr>
+            <p:ph type="title"/>
+          </p:nvPr>
+        </p:nvSpPr>
+        <p:spPr>
+          <a:xfrm>
+            <a:off x="4485773" y="-158208"/>
+            <a:ext cx="3060032" cy="1325563"/>
+          </a:xfrm>
+        </p:spPr>
+        <p:txBody>
+          <a:bodyPr/>
+          <a:lstStyle/>
+          <a:p>
+            <a:r>
+              <a:rPr lang="en-US" b="1" dirty="0"/>
+              <a:t>Future Work</a:t>
+            </a:r>
+          </a:p>
+        </p:txBody>
+      </p:sp>
+      <p:sp>
+        <p:nvSpPr>
+          <p:cNvPr id="3" name="Content Placeholder 2">
+            <a:extLst>
+              <a:ext uri="{FF2B5EF4-FFF2-40B4-BE49-F238E27FC236}">
+                <a16:creationId xmlns:a16="http://schemas.microsoft.com/office/drawing/2014/main" id="{A7C64893-1CB4-4BC1-AE75-CC31C854CC6E}"/>
+              </a:ext>
+            </a:extLst>
+          </p:cNvPr>
+          <p:cNvSpPr>
+            <a:spLocks noGrp="1"/>
+          </p:cNvSpPr>
+          <p:nvPr>
+            <p:ph idx="1"/>
+          </p:nvPr>
+        </p:nvSpPr>
+        <p:spPr>
+          <a:xfrm>
+            <a:off x="192504" y="1167355"/>
+            <a:ext cx="11646569" cy="5566610"/>
+          </a:xfrm>
+        </p:spPr>
+        <p:txBody>
+          <a:bodyPr>
+            <a:normAutofit/>
+          </a:bodyPr>
+          <a:lstStyle/>
+          <a:p>
+            <a:r>
+              <a:rPr lang="en-US" sz="3200" dirty="0"/>
+              <a:t>When high school class of 2015 graduation percentage data come out, this will give me more historical data to train my model on, leading to better predicting power on unseen data. </a:t>
+            </a:r>
+          </a:p>
+          <a:p>
+            <a:r>
+              <a:rPr lang="en-US" sz="3200" dirty="0"/>
+              <a:t>Neural Network </a:t>
+            </a:r>
+          </a:p>
+          <a:p>
+            <a:r>
+              <a:rPr lang="en-US" sz="3200" dirty="0"/>
+              <a:t>Replicate project for other states (could lead to some interesting comparisons)</a:t>
+            </a:r>
+          </a:p>
+          <a:p>
+            <a:r>
+              <a:rPr lang="en-US" sz="3200" dirty="0"/>
+              <a:t>Should data for students who were able to graduate within four years from a specific Texas college (Ex: “University of Texas” / “Texas A&amp;M”) after graduating high school from a particular Texas school district come out, I could build a model for clients that already had that certain Texas college in mind for their child. </a:t>
+            </a:r>
+          </a:p>
+          <a:p>
+            <a:pPr marL="0" indent="0">
+              <a:buNone/>
+            </a:pPr>
+            <a:endParaRPr lang="en-US" dirty="0"/>
+          </a:p>
+        </p:txBody>
+      </p:sp>
+    </p:spTree>
+    <p:extLst>
+      <p:ext uri="{BB962C8B-B14F-4D97-AF65-F5344CB8AC3E}">
+        <p14:creationId xmlns:p14="http://schemas.microsoft.com/office/powerpoint/2010/main" val="518622406"/>
+      </p:ext>
+    </p:extLst>
+  </p:cSld>
+  <p:clrMapOvr>
+    <a:masterClrMapping/>
+  </p:clrMapOvr>
+</p:sld>
+</file>
+
+<file path=ppt/slides/slide22.xml><?xml version="1.0" encoding="utf-8"?>
+<p:sld xmlns:a="http://schemas.openxmlformats.org/drawingml/2006/main" xmlns:r="http://schemas.openxmlformats.org/officeDocument/2006/relationships" xmlns:p="http://schemas.openxmlformats.org/presentationml/2006/main">
+  <p:cSld>
+    <p:spTree>
+      <p:nvGrpSpPr>
+        <p:cNvPr id="1" name=""/>
+        <p:cNvGrpSpPr/>
+        <p:nvPr/>
+      </p:nvGrpSpPr>
+      <p:grpSpPr>
+        <a:xfrm>
+          <a:off x="0" y="0"/>
+          <a:ext cx="0" cy="0"/>
+          <a:chOff x="0" y="0"/>
+          <a:chExt cx="0" cy="0"/>
+        </a:xfrm>
+      </p:grpSpPr>
+      <p:sp>
+        <p:nvSpPr>
+          <p:cNvPr id="4" name="TextBox 3">
+            <a:extLst>
+              <a:ext uri="{FF2B5EF4-FFF2-40B4-BE49-F238E27FC236}">
+                <a16:creationId xmlns:a16="http://schemas.microsoft.com/office/drawing/2014/main" id="{DE36B6FF-8FF3-4191-9372-72D25C225F9E}"/>
+              </a:ext>
+            </a:extLst>
+          </p:cNvPr>
+          <p:cNvSpPr txBox="1"/>
+          <p:nvPr/>
+        </p:nvSpPr>
+        <p:spPr>
+          <a:xfrm>
+            <a:off x="2702690" y="-8570"/>
+            <a:ext cx="6272464" cy="646331"/>
+          </a:xfrm>
+          <a:prstGeom prst="rect">
+            <a:avLst/>
+          </a:prstGeom>
+          <a:noFill/>
+        </p:spPr>
+        <p:txBody>
+          <a:bodyPr wrap="square" rtlCol="0">
+            <a:spAutoFit/>
+          </a:bodyPr>
+          <a:lstStyle/>
+          <a:p>
+            <a:r>
+              <a:rPr lang="en-US" sz="3600" dirty="0"/>
+              <a:t>Recommendations to the Clients</a:t>
+            </a:r>
+          </a:p>
+        </p:txBody>
+      </p:sp>
+      <p:pic>
+        <p:nvPicPr>
+          <p:cNvPr id="5" name="Picture 4">
+            <a:extLst>
+              <a:ext uri="{FF2B5EF4-FFF2-40B4-BE49-F238E27FC236}">
+                <a16:creationId xmlns:a16="http://schemas.microsoft.com/office/drawing/2014/main" id="{12571FB7-58E8-4AA7-8F53-326545155166}"/>
+              </a:ext>
+            </a:extLst>
+          </p:cNvPr>
+          <p:cNvPicPr/>
+          <p:nvPr/>
+        </p:nvPicPr>
+        <p:blipFill>
+          <a:blip r:embed="rId2"/>
+          <a:stretch>
+            <a:fillRect/>
+          </a:stretch>
+        </p:blipFill>
+        <p:spPr>
+          <a:xfrm>
+            <a:off x="5526304" y="828343"/>
+            <a:ext cx="6665696" cy="2833954"/>
+          </a:xfrm>
+          <a:prstGeom prst="rect">
+            <a:avLst/>
+          </a:prstGeom>
+        </p:spPr>
+      </p:pic>
+      <p:pic>
+        <p:nvPicPr>
+          <p:cNvPr id="6" name="Picture 5">
+            <a:extLst>
+              <a:ext uri="{FF2B5EF4-FFF2-40B4-BE49-F238E27FC236}">
+                <a16:creationId xmlns:a16="http://schemas.microsoft.com/office/drawing/2014/main" id="{725E1B1E-D054-48D4-A78E-959A2744DC7E}"/>
+              </a:ext>
+            </a:extLst>
+          </p:cNvPr>
+          <p:cNvPicPr/>
+          <p:nvPr/>
+        </p:nvPicPr>
+        <p:blipFill>
+          <a:blip r:embed="rId3"/>
+          <a:stretch>
+            <a:fillRect/>
+          </a:stretch>
+        </p:blipFill>
+        <p:spPr>
+          <a:xfrm>
+            <a:off x="6763200" y="4043461"/>
+            <a:ext cx="4986187" cy="2605991"/>
+          </a:xfrm>
+          <a:prstGeom prst="rect">
+            <a:avLst/>
+          </a:prstGeom>
+        </p:spPr>
+      </p:pic>
+      <p:sp>
+        <p:nvSpPr>
+          <p:cNvPr id="7" name="Arrow: Right 6">
+            <a:extLst>
+              <a:ext uri="{FF2B5EF4-FFF2-40B4-BE49-F238E27FC236}">
+                <a16:creationId xmlns:a16="http://schemas.microsoft.com/office/drawing/2014/main" id="{0E649AA8-9080-445F-B3E6-66F2006A2485}"/>
+              </a:ext>
+            </a:extLst>
+          </p:cNvPr>
+          <p:cNvSpPr/>
+          <p:nvPr/>
+        </p:nvSpPr>
+        <p:spPr>
+          <a:xfrm>
+            <a:off x="5181197" y="1922155"/>
+            <a:ext cx="1315453" cy="646331"/>
+          </a:xfrm>
+          <a:prstGeom prst="rightArrow">
+            <a:avLst/>
+          </a:prstGeom>
+        </p:spPr>
+        <p:style>
+          <a:lnRef idx="2">
+            <a:schemeClr val="accent1">
+              <a:shade val="50000"/>
+            </a:schemeClr>
+          </a:lnRef>
+          <a:fillRef idx="1">
+            <a:schemeClr val="accent1"/>
+          </a:fillRef>
+          <a:effectRef idx="0">
+            <a:schemeClr val="accent1"/>
+          </a:effectRef>
+          <a:fontRef idx="minor">
+            <a:schemeClr val="lt1"/>
+          </a:fontRef>
+        </p:style>
+        <p:txBody>
+          <a:bodyPr rtlCol="0" anchor="ctr"/>
+          <a:lstStyle/>
+          <a:p>
+            <a:pPr algn="ctr"/>
+            <a:endParaRPr lang="en-US"/>
+          </a:p>
+        </p:txBody>
+      </p:sp>
+      <p:sp>
+        <p:nvSpPr>
+          <p:cNvPr id="8" name="Arrow: Right 7">
+            <a:extLst>
+              <a:ext uri="{FF2B5EF4-FFF2-40B4-BE49-F238E27FC236}">
+                <a16:creationId xmlns:a16="http://schemas.microsoft.com/office/drawing/2014/main" id="{0E7A1094-5AED-4431-8D0C-9D03A7EAE2BF}"/>
+              </a:ext>
+            </a:extLst>
+          </p:cNvPr>
+          <p:cNvSpPr/>
+          <p:nvPr/>
+        </p:nvSpPr>
+        <p:spPr>
+          <a:xfrm>
+            <a:off x="5181196" y="5023290"/>
+            <a:ext cx="1315453" cy="646331"/>
+          </a:xfrm>
+          <a:prstGeom prst="rightArrow">
+            <a:avLst/>
+          </a:prstGeom>
+        </p:spPr>
+        <p:style>
+          <a:lnRef idx="2">
+            <a:schemeClr val="accent1">
+              <a:shade val="50000"/>
+            </a:schemeClr>
+          </a:lnRef>
+          <a:fillRef idx="1">
+            <a:schemeClr val="accent1"/>
+          </a:fillRef>
+          <a:effectRef idx="0">
+            <a:schemeClr val="accent1"/>
+          </a:effectRef>
+          <a:fontRef idx="minor">
+            <a:schemeClr val="lt1"/>
+          </a:fontRef>
+        </p:style>
+        <p:txBody>
+          <a:bodyPr rtlCol="0" anchor="ctr"/>
+          <a:lstStyle/>
+          <a:p>
+            <a:pPr algn="ctr"/>
+            <a:endParaRPr lang="en-US"/>
+          </a:p>
+        </p:txBody>
+      </p:sp>
+      <p:sp>
+        <p:nvSpPr>
+          <p:cNvPr id="10" name="TextBox 9">
+            <a:extLst>
+              <a:ext uri="{FF2B5EF4-FFF2-40B4-BE49-F238E27FC236}">
+                <a16:creationId xmlns:a16="http://schemas.microsoft.com/office/drawing/2014/main" id="{01481595-135B-4D6C-A30D-0A08899215DD}"/>
+              </a:ext>
+            </a:extLst>
+          </p:cNvPr>
+          <p:cNvSpPr txBox="1"/>
+          <p:nvPr/>
+        </p:nvSpPr>
+        <p:spPr>
+          <a:xfrm>
+            <a:off x="112295" y="682972"/>
+            <a:ext cx="4908882" cy="2677656"/>
+          </a:xfrm>
+          <a:prstGeom prst="rect">
+            <a:avLst/>
+          </a:prstGeom>
+          <a:noFill/>
+        </p:spPr>
+        <p:txBody>
+          <a:bodyPr wrap="square" rtlCol="0">
+            <a:spAutoFit/>
+          </a:bodyPr>
+          <a:lstStyle/>
+          <a:p>
+            <a:r>
+              <a:rPr lang="en-US" sz="2800" dirty="0"/>
+              <a:t>Without any particular major region in mind, the client can simply take the approach of seeing who is predicted to average the best college grad. % for classes of 2011 – 2017. </a:t>
+            </a:r>
+          </a:p>
+        </p:txBody>
+      </p:sp>
+      <p:sp>
+        <p:nvSpPr>
+          <p:cNvPr id="11" name="TextBox 10">
+            <a:extLst>
+              <a:ext uri="{FF2B5EF4-FFF2-40B4-BE49-F238E27FC236}">
+                <a16:creationId xmlns:a16="http://schemas.microsoft.com/office/drawing/2014/main" id="{73024C91-74F4-470F-8284-8F8F77B5A8DB}"/>
+              </a:ext>
+            </a:extLst>
+          </p:cNvPr>
+          <p:cNvSpPr txBox="1"/>
+          <p:nvPr/>
+        </p:nvSpPr>
+        <p:spPr>
+          <a:xfrm>
+            <a:off x="99761" y="3369529"/>
+            <a:ext cx="4908882" cy="3539430"/>
+          </a:xfrm>
+          <a:prstGeom prst="rect">
+            <a:avLst/>
+          </a:prstGeom>
+          <a:noFill/>
+        </p:spPr>
+        <p:txBody>
+          <a:bodyPr wrap="square" rtlCol="0">
+            <a:spAutoFit/>
+          </a:bodyPr>
+          <a:lstStyle/>
+          <a:p>
+            <a:r>
+              <a:rPr lang="en-US" sz="2800" dirty="0"/>
+              <a:t>One could also narrow the search to district counts by region for those predicted to average college grad. % above 50%. From this standpoint, client would be advised to consider Richardson (Dallas) due to the number of options </a:t>
+            </a:r>
+          </a:p>
+        </p:txBody>
+      </p:sp>
+    </p:spTree>
+    <p:extLst>
+      <p:ext uri="{BB962C8B-B14F-4D97-AF65-F5344CB8AC3E}">
+        <p14:creationId xmlns:p14="http://schemas.microsoft.com/office/powerpoint/2010/main" val="3723056096"/>
+      </p:ext>
+    </p:extLst>
+  </p:cSld>
+  <p:clrMapOvr>
+    <a:masterClrMapping/>
+  </p:clrMapOvr>
+</p:sld>
+</file>
+
+<file path=ppt/slides/slide23.xml><?xml version="1.0" encoding="utf-8"?>
+<p:sld xmlns:a="http://schemas.openxmlformats.org/drawingml/2006/main" xmlns:r="http://schemas.openxmlformats.org/officeDocument/2006/relationships" xmlns:p="http://schemas.openxmlformats.org/presentationml/2006/main">
+  <p:cSld>
+    <p:spTree>
+      <p:nvGrpSpPr>
+        <p:cNvPr id="1" name=""/>
+        <p:cNvGrpSpPr/>
+        <p:nvPr/>
+      </p:nvGrpSpPr>
+      <p:grpSpPr>
+        <a:xfrm>
+          <a:off x="0" y="0"/>
+          <a:ext cx="0" cy="0"/>
+          <a:chOff x="0" y="0"/>
+          <a:chExt cx="0" cy="0"/>
+        </a:xfrm>
+      </p:grpSpPr>
+      <p:sp>
+        <p:nvSpPr>
+          <p:cNvPr id="4" name="TextBox 3">
+            <a:extLst>
+              <a:ext uri="{FF2B5EF4-FFF2-40B4-BE49-F238E27FC236}">
+                <a16:creationId xmlns:a16="http://schemas.microsoft.com/office/drawing/2014/main" id="{28A457EE-8039-46DD-A1EE-68B53BABEC2F}"/>
+              </a:ext>
+            </a:extLst>
+          </p:cNvPr>
+          <p:cNvSpPr txBox="1"/>
+          <p:nvPr/>
+        </p:nvSpPr>
+        <p:spPr>
+          <a:xfrm>
+            <a:off x="1848852" y="0"/>
+            <a:ext cx="8494295" cy="646331"/>
+          </a:xfrm>
+          <a:prstGeom prst="rect">
+            <a:avLst/>
+          </a:prstGeom>
+          <a:noFill/>
+        </p:spPr>
+        <p:txBody>
+          <a:bodyPr wrap="square" rtlCol="0">
+            <a:spAutoFit/>
+          </a:bodyPr>
+          <a:lstStyle/>
+          <a:p>
+            <a:r>
+              <a:rPr lang="en-US" sz="3600" dirty="0"/>
+              <a:t>Recommendations to the Clients (continued)</a:t>
+            </a:r>
+          </a:p>
+        </p:txBody>
+      </p:sp>
+      <p:pic>
+        <p:nvPicPr>
+          <p:cNvPr id="5" name="Picture 4">
+            <a:extLst>
+              <a:ext uri="{FF2B5EF4-FFF2-40B4-BE49-F238E27FC236}">
+                <a16:creationId xmlns:a16="http://schemas.microsoft.com/office/drawing/2014/main" id="{074FCE1D-BA7C-4B26-A023-93301D8666B4}"/>
+              </a:ext>
+            </a:extLst>
+          </p:cNvPr>
+          <p:cNvPicPr/>
+          <p:nvPr/>
+        </p:nvPicPr>
+        <p:blipFill>
+          <a:blip r:embed="rId2"/>
+          <a:stretch>
+            <a:fillRect/>
+          </a:stretch>
+        </p:blipFill>
+        <p:spPr>
+          <a:xfrm>
+            <a:off x="100262" y="2674419"/>
+            <a:ext cx="12007516" cy="3822633"/>
+          </a:xfrm>
+          <a:prstGeom prst="rect">
+            <a:avLst/>
+          </a:prstGeom>
+        </p:spPr>
+      </p:pic>
+      <p:sp>
+        <p:nvSpPr>
+          <p:cNvPr id="9" name="TextBox 8">
+            <a:extLst>
+              <a:ext uri="{FF2B5EF4-FFF2-40B4-BE49-F238E27FC236}">
+                <a16:creationId xmlns:a16="http://schemas.microsoft.com/office/drawing/2014/main" id="{7106EE2F-1373-4497-90B0-AB6DB0CF1500}"/>
+              </a:ext>
+            </a:extLst>
+          </p:cNvPr>
+          <p:cNvSpPr txBox="1"/>
+          <p:nvPr/>
+        </p:nvSpPr>
+        <p:spPr>
+          <a:xfrm>
+            <a:off x="601578" y="1081991"/>
+            <a:ext cx="11004884" cy="1384995"/>
+          </a:xfrm>
+          <a:prstGeom prst="rect">
+            <a:avLst/>
+          </a:prstGeom>
+          <a:noFill/>
+        </p:spPr>
+        <p:txBody>
+          <a:bodyPr wrap="square" rtlCol="0">
+            <a:spAutoFit/>
+          </a:bodyPr>
+          <a:lstStyle/>
+          <a:p>
+            <a:r>
+              <a:rPr lang="en-US" sz="2800" dirty="0"/>
+              <a:t>Some clients may prefer taking a look at the class of 2017 to view the predicted college grad. % for 2021. Here clients are taking more of a “what have you done for me lately” approach. </a:t>
+            </a:r>
+          </a:p>
+        </p:txBody>
+      </p:sp>
+    </p:spTree>
+    <p:extLst>
+      <p:ext uri="{BB962C8B-B14F-4D97-AF65-F5344CB8AC3E}">
+        <p14:creationId xmlns:p14="http://schemas.microsoft.com/office/powerpoint/2010/main" val="590667255"/>
+      </p:ext>
+    </p:extLst>
+  </p:cSld>
+  <p:clrMapOvr>
+    <a:masterClrMapping/>
+  </p:clrMapOvr>
+</p:sld>
+</file>
+
+<file path=ppt/slides/slide24.xml><?xml version="1.0" encoding="utf-8"?>
+<p:sld xmlns:a="http://schemas.openxmlformats.org/drawingml/2006/main" xmlns:r="http://schemas.openxmlformats.org/officeDocument/2006/relationships" xmlns:p="http://schemas.openxmlformats.org/presentationml/2006/main">
+  <p:cSld>
+    <p:spTree>
+      <p:nvGrpSpPr>
+        <p:cNvPr id="1" name=""/>
+        <p:cNvGrpSpPr/>
+        <p:nvPr/>
+      </p:nvGrpSpPr>
+      <p:grpSpPr>
+        <a:xfrm>
+          <a:off x="0" y="0"/>
+          <a:ext cx="0" cy="0"/>
+          <a:chOff x="0" y="0"/>
+          <a:chExt cx="0" cy="0"/>
+        </a:xfrm>
+      </p:grpSpPr>
+      <p:sp>
+        <p:nvSpPr>
+          <p:cNvPr id="4" name="TextBox 3">
+            <a:extLst>
+              <a:ext uri="{FF2B5EF4-FFF2-40B4-BE49-F238E27FC236}">
+                <a16:creationId xmlns:a16="http://schemas.microsoft.com/office/drawing/2014/main" id="{7AB3A4FE-E13A-4117-BD3E-A113B4575BD1}"/>
+              </a:ext>
+            </a:extLst>
+          </p:cNvPr>
+          <p:cNvSpPr txBox="1"/>
+          <p:nvPr/>
+        </p:nvSpPr>
+        <p:spPr>
+          <a:xfrm>
+            <a:off x="2669004" y="-12402"/>
+            <a:ext cx="6853991" cy="523220"/>
+          </a:xfrm>
+          <a:prstGeom prst="rect">
+            <a:avLst/>
+          </a:prstGeom>
+          <a:noFill/>
+        </p:spPr>
+        <p:txBody>
+          <a:bodyPr wrap="square" rtlCol="0">
+            <a:spAutoFit/>
+          </a:bodyPr>
+          <a:lstStyle/>
+          <a:p>
+            <a:r>
+              <a:rPr lang="en-US" sz="2800" dirty="0"/>
+              <a:t>Recommendations to the Clients (continued) </a:t>
+            </a:r>
+          </a:p>
+        </p:txBody>
+      </p:sp>
+      <p:pic>
+        <p:nvPicPr>
+          <p:cNvPr id="5" name="Picture 4">
+            <a:extLst>
+              <a:ext uri="{FF2B5EF4-FFF2-40B4-BE49-F238E27FC236}">
+                <a16:creationId xmlns:a16="http://schemas.microsoft.com/office/drawing/2014/main" id="{83C37134-32B5-45DD-9B0F-B1B22787491C}"/>
+              </a:ext>
+            </a:extLst>
+          </p:cNvPr>
+          <p:cNvPicPr>
+            <a:picLocks noChangeAspect="1"/>
+          </p:cNvPicPr>
+          <p:nvPr/>
+        </p:nvPicPr>
+        <p:blipFill>
+          <a:blip r:embed="rId2"/>
+          <a:stretch>
+            <a:fillRect/>
+          </a:stretch>
+        </p:blipFill>
+        <p:spPr>
+          <a:xfrm>
+            <a:off x="3835567" y="510818"/>
+            <a:ext cx="8212054" cy="6347182"/>
+          </a:xfrm>
+          <a:prstGeom prst="rect">
+            <a:avLst/>
+          </a:prstGeom>
+        </p:spPr>
+      </p:pic>
+      <p:sp>
+        <p:nvSpPr>
+          <p:cNvPr id="6" name="TextBox 5">
+            <a:extLst>
+              <a:ext uri="{FF2B5EF4-FFF2-40B4-BE49-F238E27FC236}">
+                <a16:creationId xmlns:a16="http://schemas.microsoft.com/office/drawing/2014/main" id="{F0C7E047-9BC6-48DE-8767-7752E437C667}"/>
+              </a:ext>
+            </a:extLst>
+          </p:cNvPr>
+          <p:cNvSpPr txBox="1"/>
+          <p:nvPr/>
+        </p:nvSpPr>
+        <p:spPr>
+          <a:xfrm>
+            <a:off x="-1" y="542902"/>
+            <a:ext cx="3481137" cy="6247864"/>
+          </a:xfrm>
+          <a:prstGeom prst="rect">
+            <a:avLst/>
+          </a:prstGeom>
+          <a:noFill/>
+        </p:spPr>
+        <p:txBody>
+          <a:bodyPr wrap="square" rtlCol="0">
+            <a:spAutoFit/>
+          </a:bodyPr>
+          <a:lstStyle/>
+          <a:p>
+            <a:pPr marL="285750" indent="-285750">
+              <a:buFont typeface="Arial" panose="020B0604020202020204" pitchFamily="34" charset="0"/>
+              <a:buChar char="•"/>
+            </a:pPr>
+            <a:r>
+              <a:rPr lang="en-US" sz="2000" dirty="0"/>
+              <a:t>Many clients already live within the major regions of Texas. </a:t>
+            </a:r>
+          </a:p>
+          <a:p>
+            <a:endParaRPr lang="en-US" sz="2000" dirty="0"/>
+          </a:p>
+          <a:p>
+            <a:pPr marL="285750" indent="-285750">
+              <a:buFont typeface="Arial" panose="020B0604020202020204" pitchFamily="34" charset="0"/>
+              <a:buChar char="•"/>
+            </a:pPr>
+            <a:r>
+              <a:rPr lang="en-US" sz="2000" dirty="0"/>
+              <a:t>They could do a comparison between their current school district and the one they are now strongly considering</a:t>
+            </a:r>
+          </a:p>
+          <a:p>
+            <a:r>
+              <a:rPr lang="en-US" sz="2000" dirty="0"/>
+              <a:t> </a:t>
+            </a:r>
+          </a:p>
+          <a:p>
+            <a:pPr marL="285750" indent="-285750">
+              <a:buFont typeface="Arial" panose="020B0604020202020204" pitchFamily="34" charset="0"/>
+              <a:buChar char="•"/>
+            </a:pPr>
+            <a:r>
+              <a:rPr lang="en-US" sz="2000" dirty="0"/>
+              <a:t>Moving can be a great hassle, so the client simply wants some data to convince them it may be worth it!</a:t>
+            </a:r>
+          </a:p>
+          <a:p>
+            <a:endParaRPr lang="en-US" sz="2000" dirty="0"/>
+          </a:p>
+          <a:p>
+            <a:pPr marL="285750" indent="-285750">
+              <a:buFont typeface="Arial" panose="020B0604020202020204" pitchFamily="34" charset="0"/>
+              <a:buChar char="•"/>
+            </a:pPr>
+            <a:r>
+              <a:rPr lang="en-US" sz="2000" dirty="0"/>
+              <a:t>For the example on the right, I would say the client is justified in strongly considering the move from Round Rock ISD (Austin) to </a:t>
+            </a:r>
+            <a:r>
+              <a:rPr lang="en-US" sz="2000" dirty="0" err="1"/>
+              <a:t>Eanes</a:t>
+            </a:r>
+            <a:r>
+              <a:rPr lang="en-US" sz="2000" dirty="0"/>
+              <a:t> ISD (Austin). </a:t>
+            </a:r>
+          </a:p>
+        </p:txBody>
+      </p:sp>
+    </p:spTree>
+    <p:extLst>
+      <p:ext uri="{BB962C8B-B14F-4D97-AF65-F5344CB8AC3E}">
+        <p14:creationId xmlns:p14="http://schemas.microsoft.com/office/powerpoint/2010/main" val="3349805367"/>
+      </p:ext>
+    </p:extLst>
+  </p:cSld>
+  <p:clrMapOvr>
+    <a:masterClrMapping/>
+  </p:clrMapOvr>
+</p:sld>
+</file>
+
+<file path=ppt/slides/slide25.xml><?xml version="1.0" encoding="utf-8"?>
+<p:sld xmlns:a="http://schemas.openxmlformats.org/drawingml/2006/main" xmlns:r="http://schemas.openxmlformats.org/officeDocument/2006/relationships" xmlns:p="http://schemas.openxmlformats.org/presentationml/2006/main">
+  <p:cSld>
+    <p:spTree>
+      <p:nvGrpSpPr>
+        <p:cNvPr id="1" name=""/>
+        <p:cNvGrpSpPr/>
+        <p:nvPr/>
+      </p:nvGrpSpPr>
+      <p:grpSpPr>
+        <a:xfrm>
+          <a:off x="0" y="0"/>
+          <a:ext cx="0" cy="0"/>
+          <a:chOff x="0" y="0"/>
+          <a:chExt cx="0" cy="0"/>
+        </a:xfrm>
+      </p:grpSpPr>
+      <p:sp>
+        <p:nvSpPr>
+          <p:cNvPr id="4" name="TextBox 3">
+            <a:extLst>
+              <a:ext uri="{FF2B5EF4-FFF2-40B4-BE49-F238E27FC236}">
+                <a16:creationId xmlns:a16="http://schemas.microsoft.com/office/drawing/2014/main" id="{28A457EE-8039-46DD-A1EE-68B53BABEC2F}"/>
+              </a:ext>
+            </a:extLst>
+          </p:cNvPr>
+          <p:cNvSpPr txBox="1"/>
+          <p:nvPr/>
+        </p:nvSpPr>
+        <p:spPr>
+          <a:xfrm>
+            <a:off x="1860882" y="0"/>
+            <a:ext cx="8534401" cy="646331"/>
+          </a:xfrm>
+          <a:prstGeom prst="rect">
+            <a:avLst/>
+          </a:prstGeom>
+          <a:noFill/>
+        </p:spPr>
+        <p:txBody>
+          <a:bodyPr wrap="square" rtlCol="0">
+            <a:spAutoFit/>
+          </a:bodyPr>
+          <a:lstStyle/>
+          <a:p>
+            <a:r>
+              <a:rPr lang="en-US" sz="3600" dirty="0"/>
+              <a:t>Recommendations to the Clients (continued) </a:t>
+            </a:r>
+          </a:p>
+        </p:txBody>
+      </p:sp>
+      <p:sp>
+        <p:nvSpPr>
+          <p:cNvPr id="9" name="TextBox 8">
+            <a:extLst>
+              <a:ext uri="{FF2B5EF4-FFF2-40B4-BE49-F238E27FC236}">
+                <a16:creationId xmlns:a16="http://schemas.microsoft.com/office/drawing/2014/main" id="{7106EE2F-1373-4497-90B0-AB6DB0CF1500}"/>
+              </a:ext>
+            </a:extLst>
+          </p:cNvPr>
+          <p:cNvSpPr txBox="1"/>
+          <p:nvPr/>
+        </p:nvSpPr>
+        <p:spPr>
+          <a:xfrm>
+            <a:off x="144379" y="646331"/>
+            <a:ext cx="11903242" cy="2369880"/>
+          </a:xfrm>
+          <a:prstGeom prst="rect">
+            <a:avLst/>
+          </a:prstGeom>
+          <a:noFill/>
+        </p:spPr>
+        <p:txBody>
+          <a:bodyPr wrap="square" rtlCol="0">
+            <a:spAutoFit/>
+          </a:bodyPr>
+          <a:lstStyle/>
+          <a:p>
+            <a:r>
+              <a:rPr lang="en-US" sz="2400" dirty="0"/>
+              <a:t>Let’s say there’s a new school district (population growth is very apparent in the major regions of Texas) that’s been in operation for less than four years. If we have the school district’s test results/features from its first graduating class, we can use Model 3 to predict the percentage of those students who will earn a college degree within four years after enrolling into a Texas college. Based on the results, clients may consider a move to the new district.</a:t>
+            </a:r>
+          </a:p>
+          <a:p>
+            <a:endParaRPr lang="en-US" sz="2800" dirty="0"/>
+          </a:p>
+        </p:txBody>
+      </p:sp>
+      <p:pic>
+        <p:nvPicPr>
+          <p:cNvPr id="6" name="Picture 5">
+            <a:extLst>
+              <a:ext uri="{FF2B5EF4-FFF2-40B4-BE49-F238E27FC236}">
+                <a16:creationId xmlns:a16="http://schemas.microsoft.com/office/drawing/2014/main" id="{9EA154C5-11B1-48CF-A986-A6F12B9572D6}"/>
+              </a:ext>
+            </a:extLst>
+          </p:cNvPr>
+          <p:cNvPicPr/>
+          <p:nvPr/>
+        </p:nvPicPr>
+        <p:blipFill>
+          <a:blip r:embed="rId2"/>
+          <a:stretch>
+            <a:fillRect/>
+          </a:stretch>
+        </p:blipFill>
+        <p:spPr>
+          <a:xfrm>
+            <a:off x="2197768" y="2679032"/>
+            <a:ext cx="7860631" cy="4178968"/>
+          </a:xfrm>
+          <a:prstGeom prst="rect">
+            <a:avLst/>
+          </a:prstGeom>
+        </p:spPr>
+      </p:pic>
+      <p:sp>
+        <p:nvSpPr>
+          <p:cNvPr id="2" name="Star: 5 Points 1">
+            <a:extLst>
+              <a:ext uri="{FF2B5EF4-FFF2-40B4-BE49-F238E27FC236}">
+                <a16:creationId xmlns:a16="http://schemas.microsoft.com/office/drawing/2014/main" id="{8272E2B5-9E05-448D-AD11-7E7A9E4CBD5E}"/>
+              </a:ext>
+            </a:extLst>
+          </p:cNvPr>
+          <p:cNvSpPr/>
+          <p:nvPr/>
+        </p:nvSpPr>
+        <p:spPr>
+          <a:xfrm>
+            <a:off x="1668380" y="6368716"/>
+            <a:ext cx="529389" cy="368968"/>
+          </a:xfrm>
+          <a:prstGeom prst="star5">
+            <a:avLst/>
+          </a:prstGeom>
+          <a:solidFill>
+            <a:srgbClr val="FFFF00"/>
+          </a:solidFill>
+        </p:spPr>
+        <p:style>
+          <a:lnRef idx="2">
+            <a:schemeClr val="accent1">
+              <a:shade val="50000"/>
+            </a:schemeClr>
+          </a:lnRef>
+          <a:fillRef idx="1">
+            <a:schemeClr val="accent1"/>
+          </a:fillRef>
+          <a:effectRef idx="0">
+            <a:schemeClr val="accent1"/>
+          </a:effectRef>
+          <a:fontRef idx="minor">
+            <a:schemeClr val="lt1"/>
+          </a:fontRef>
+        </p:style>
+        <p:txBody>
+          <a:bodyPr rtlCol="0" anchor="ctr"/>
+          <a:lstStyle/>
+          <a:p>
+            <a:pPr algn="ctr"/>
+            <a:endParaRPr lang="en-US"/>
+          </a:p>
+        </p:txBody>
+      </p:sp>
+    </p:spTree>
+    <p:extLst>
+      <p:ext uri="{BB962C8B-B14F-4D97-AF65-F5344CB8AC3E}">
+        <p14:creationId xmlns:p14="http://schemas.microsoft.com/office/powerpoint/2010/main" val="95859689"/>
       </p:ext>
     </p:extLst>
   </p:cSld>
@@ -4756,21 +6593,22 @@
         </p:nvSpPr>
         <p:spPr>
           <a:xfrm>
-            <a:off x="0" y="264279"/>
-            <a:ext cx="12191999" cy="1250611"/>
+            <a:off x="1" y="0"/>
+            <a:ext cx="12191999" cy="1525412"/>
           </a:xfrm>
         </p:spPr>
         <p:txBody>
           <a:bodyPr>
-            <a:normAutofit/>
+            <a:noAutofit/>
           </a:bodyPr>
           <a:lstStyle/>
           <a:p>
             <a:pPr algn="ctr"/>
             <a:r>
               <a:rPr lang="en-US" sz="3600" b="1" i="1" dirty="0"/>
-              <a:t>“We Would Like Our Child to Attend College. Do You Know Which School Districts Improve the Likelihood of this Happening?”</a:t>
-            </a:r>
+              <a:t>“Which School Districts are Proven to Contain a Higher Percentage of its Graduates Earn a College Degree Within Four Years?” </a:t>
+            </a:r>
+            <a:endParaRPr lang="en-US" sz="3600" dirty="0"/>
           </a:p>
         </p:txBody>
       </p:sp>
@@ -4792,31 +6630,43 @@
         </p:nvSpPr>
         <p:spPr>
           <a:xfrm>
-            <a:off x="0" y="1789693"/>
-            <a:ext cx="7074568" cy="5096880"/>
+            <a:off x="0" y="1525412"/>
+            <a:ext cx="7812505" cy="5910104"/>
           </a:xfrm>
         </p:spPr>
         <p:txBody>
           <a:bodyPr>
-            <a:normAutofit/>
+            <a:noAutofit/>
           </a:bodyPr>
           <a:lstStyle/>
           <a:p>
             <a:r>
-              <a:rPr lang="en-US" sz="3200" dirty="0"/>
-              <a:t>This is a very popular question among parents looking to provide their child with a quality education</a:t>
-            </a:r>
-          </a:p>
-          <a:p>
-            <a:r>
-              <a:rPr lang="en-US" sz="3200" dirty="0"/>
-              <a:t>With quality high school education, students can go to college prepared to earn their degree and live a more comfortable life.</a:t>
-            </a:r>
-          </a:p>
-          <a:p>
-            <a:r>
-              <a:rPr lang="en-US" sz="3200" dirty="0"/>
-              <a:t>This is what all concerned parents want for their child transitioning into adulthood.</a:t>
+              <a:rPr lang="en-US" dirty="0"/>
+              <a:t>The above question was presented by clients (parents) considering a move to or within the major regions of Texas. The clients would like their child to one day attend a college in Texas. </a:t>
+            </a:r>
+          </a:p>
+          <a:p>
+            <a:pPr marL="0" indent="0">
+              <a:buNone/>
+            </a:pPr>
+            <a:endParaRPr lang="en-US" dirty="0"/>
+          </a:p>
+          <a:p>
+            <a:r>
+              <a:rPr lang="en-US" dirty="0"/>
+              <a:t>They are looking to avoid a situation in which their child takes more time to earn their degree (more tuition money spent) or even fails out (worst case scenario with no return on investment). </a:t>
+            </a:r>
+          </a:p>
+          <a:p>
+            <a:pPr marL="0" indent="0">
+              <a:buNone/>
+            </a:pPr>
+            <a:endParaRPr lang="en-US" dirty="0"/>
+          </a:p>
+          <a:p>
+            <a:r>
+              <a:rPr lang="en-US" dirty="0"/>
+              <a:t>In strictly focusing on Texas colleges, the clients are also looking to avoid expensive out-of-state tuition. </a:t>
             </a:r>
           </a:p>
         </p:txBody>
@@ -4843,8 +6693,8 @@
         </p:blipFill>
         <p:spPr>
           <a:xfrm>
-            <a:off x="7074568" y="1789692"/>
-            <a:ext cx="5117431" cy="4567415"/>
+            <a:off x="7964905" y="1999616"/>
+            <a:ext cx="4074694" cy="4022021"/>
           </a:xfrm>
           <a:prstGeom prst="rect">
             <a:avLst/>
@@ -4886,7 +6736,7 @@
           <p:cNvPr id="2" name="Title 1">
             <a:extLst>
               <a:ext uri="{FF2B5EF4-FFF2-40B4-BE49-F238E27FC236}">
-                <a16:creationId xmlns:a16="http://schemas.microsoft.com/office/drawing/2014/main" id="{0B056F2B-2006-40A7-95AC-FD8E581A83B2}"/>
+                <a16:creationId xmlns:a16="http://schemas.microsoft.com/office/drawing/2014/main" id="{F718097E-339E-4A91-9838-F43ECB8849A5}"/>
               </a:ext>
             </a:extLst>
           </p:cNvPr>
@@ -4899,19 +6749,25 @@
         </p:nvSpPr>
         <p:spPr>
           <a:xfrm>
-            <a:off x="838200" y="0"/>
-            <a:ext cx="10515600" cy="1066047"/>
-          </a:xfrm>
-        </p:spPr>
-        <p:txBody>
-          <a:bodyPr/>
+            <a:off x="0" y="310734"/>
+            <a:ext cx="12192000" cy="780129"/>
+          </a:xfrm>
+        </p:spPr>
+        <p:txBody>
+          <a:bodyPr>
+            <a:normAutofit fontScale="90000"/>
+          </a:bodyPr>
           <a:lstStyle/>
           <a:p>
             <a:pPr algn="ctr"/>
             <a:r>
               <a:rPr lang="en-US" b="1" dirty="0"/>
-              <a:t>Asking the Right Question</a:t>
-            </a:r>
+              <a:t>Importance Behind the Question &amp; Providing a Solution:</a:t>
+            </a:r>
+            <a:br>
+              <a:rPr lang="en-US" b="1" dirty="0"/>
+            </a:br>
+            <a:endParaRPr lang="en-US" b="1" dirty="0"/>
           </a:p>
         </p:txBody>
       </p:sp>
@@ -4920,7 +6776,7 @@
           <p:cNvPr id="3" name="Content Placeholder 2">
             <a:extLst>
               <a:ext uri="{FF2B5EF4-FFF2-40B4-BE49-F238E27FC236}">
-                <a16:creationId xmlns:a16="http://schemas.microsoft.com/office/drawing/2014/main" id="{42E41E7F-E8F7-43AD-AC78-7E407194D86E}"/>
+                <a16:creationId xmlns:a16="http://schemas.microsoft.com/office/drawing/2014/main" id="{0DAB6C2A-A6E0-4444-B009-73C45BFDABA7}"/>
               </a:ext>
             </a:extLst>
           </p:cNvPr>
@@ -4933,19 +6789,34 @@
         </p:nvSpPr>
         <p:spPr>
           <a:xfrm>
-            <a:off x="20053" y="1066047"/>
-            <a:ext cx="7904745" cy="5710990"/>
+            <a:off x="515352" y="1331494"/>
+            <a:ext cx="11161295" cy="5067381"/>
           </a:xfrm>
         </p:spPr>
         <p:txBody>
           <a:bodyPr>
-            <a:normAutofit/>
+            <a:normAutofit fontScale="92500" lnSpcReduction="10000"/>
           </a:bodyPr>
           <a:lstStyle/>
           <a:p>
+            <a:pPr marL="0" indent="0">
+              <a:buNone/>
+            </a:pPr>
+            <a:r>
+              <a:rPr lang="en-US" sz="3500" b="1" i="1" dirty="0"/>
+              <a:t>The clients have expressed that they simply want their child to live a more comfortable life after earning a college degree and receiving a quality education.  </a:t>
+            </a:r>
+          </a:p>
+          <a:p>
+            <a:pPr marL="0" indent="0">
+              <a:buNone/>
+            </a:pPr>
+            <a:endParaRPr lang="en-US" sz="3200" dirty="0"/>
+          </a:p>
+          <a:p>
             <a:r>
               <a:rPr lang="en-US" dirty="0"/>
-              <a:t>The better question for parents to ask is “which school districts are proven to contain a higher percentage of its graduates earn a college degree within four years?” </a:t>
+              <a:t>I approached the problem presented to me by collecting historical data on the percentage of students who earned a college degree within four years’ time after graduating high school from a particular school district. For each school district, their historical features were also collected to measure their influence on the resulting college graduation percentage. </a:t>
             </a:r>
           </a:p>
           <a:p>
@@ -4957,93 +6828,24 @@
           <a:p>
             <a:r>
               <a:rPr lang="en-US" dirty="0"/>
-              <a:t>The honest truth is that there are many colleges willing to accept your child even if they had poor college admission test results. </a:t>
-            </a:r>
-          </a:p>
-          <a:p>
-            <a:pPr marL="0" indent="0">
-              <a:buNone/>
-            </a:pPr>
-            <a:endParaRPr lang="en-US" dirty="0"/>
-          </a:p>
-          <a:p>
+              <a:t>Utilizing this historical data, I aimed to build a predictive model to estimate the percentage of students going to college (</a:t>
+            </a:r>
+            <a:r>
+              <a:rPr lang="en-US" u="sng" dirty="0"/>
+              <a:t>from a specific school district</a:t>
+            </a:r>
             <a:r>
               <a:rPr lang="en-US" dirty="0"/>
-              <a:t>Colleges will gladly collect expensive tuition checks until the student fails out (not prepared) or earns a degree (prepared student). </a:t>
-            </a:r>
-          </a:p>
-          <a:p>
-            <a:pPr marL="0" indent="0">
-              <a:buNone/>
-            </a:pPr>
-            <a:endParaRPr lang="en-US" sz="2400" dirty="0"/>
-          </a:p>
-        </p:txBody>
-      </p:sp>
-      <p:pic>
-        <p:nvPicPr>
-          <p:cNvPr id="4" name="Picture 3">
-            <a:extLst>
-              <a:ext uri="{FF2B5EF4-FFF2-40B4-BE49-F238E27FC236}">
-                <a16:creationId xmlns:a16="http://schemas.microsoft.com/office/drawing/2014/main" id="{80E73F67-B487-40E0-9CC1-1813AE160ECA}"/>
-              </a:ext>
-            </a:extLst>
-          </p:cNvPr>
-          <p:cNvPicPr>
-            <a:picLocks noChangeAspect="1"/>
-          </p:cNvPicPr>
-          <p:nvPr/>
-        </p:nvPicPr>
-        <p:blipFill>
-          <a:blip r:embed="rId2"/>
-          <a:stretch>
-            <a:fillRect/>
-          </a:stretch>
-        </p:blipFill>
-        <p:spPr>
-          <a:xfrm>
-            <a:off x="8085221" y="3845718"/>
-            <a:ext cx="4086726" cy="3012282"/>
-          </a:xfrm>
-          <a:prstGeom prst="rect">
-            <a:avLst/>
-          </a:prstGeom>
-        </p:spPr>
-      </p:pic>
-      <p:pic>
-        <p:nvPicPr>
-          <p:cNvPr id="5" name="Picture 4">
-            <a:extLst>
-              <a:ext uri="{FF2B5EF4-FFF2-40B4-BE49-F238E27FC236}">
-                <a16:creationId xmlns:a16="http://schemas.microsoft.com/office/drawing/2014/main" id="{53B2E256-9283-4916-8446-DA450841494B}"/>
-              </a:ext>
-            </a:extLst>
-          </p:cNvPr>
-          <p:cNvPicPr>
-            <a:picLocks noChangeAspect="1"/>
-          </p:cNvPicPr>
-          <p:nvPr/>
-        </p:nvPicPr>
-        <p:blipFill>
-          <a:blip r:embed="rId3"/>
-          <a:stretch>
-            <a:fillRect/>
-          </a:stretch>
-        </p:blipFill>
-        <p:spPr>
-          <a:xfrm>
-            <a:off x="8085221" y="914399"/>
-            <a:ext cx="4086725" cy="2931319"/>
-          </a:xfrm>
-          <a:prstGeom prst="rect">
-            <a:avLst/>
-          </a:prstGeom>
-        </p:spPr>
-      </p:pic>
+              <a:t>) that will graduate within four years. </a:t>
+            </a:r>
+            <a:endParaRPr lang="en-US" sz="3200" dirty="0"/>
+          </a:p>
+        </p:txBody>
+      </p:sp>
     </p:spTree>
     <p:extLst>
       <p:ext uri="{BB962C8B-B14F-4D97-AF65-F5344CB8AC3E}">
-        <p14:creationId xmlns:p14="http://schemas.microsoft.com/office/powerpoint/2010/main" val="3480562432"/>
+        <p14:creationId xmlns:p14="http://schemas.microsoft.com/office/powerpoint/2010/main" val="1672466808"/>
       </p:ext>
     </p:extLst>
   </p:cSld>
@@ -5075,7 +6877,7 @@
           <p:cNvPr id="2" name="Title 1">
             <a:extLst>
               <a:ext uri="{FF2B5EF4-FFF2-40B4-BE49-F238E27FC236}">
-                <a16:creationId xmlns:a16="http://schemas.microsoft.com/office/drawing/2014/main" id="{F718097E-339E-4A91-9838-F43ECB8849A5}"/>
+                <a16:creationId xmlns:a16="http://schemas.microsoft.com/office/drawing/2014/main" id="{ABE6FA28-6183-4788-88EF-A7116446E205}"/>
               </a:ext>
             </a:extLst>
           </p:cNvPr>
@@ -5088,97 +6890,197 @@
         </p:nvSpPr>
         <p:spPr>
           <a:xfrm>
-            <a:off x="0" y="310734"/>
-            <a:ext cx="12192000" cy="1325563"/>
+            <a:off x="2540493" y="60170"/>
+            <a:ext cx="7111014" cy="744584"/>
+          </a:xfrm>
+        </p:spPr>
+        <p:txBody>
+          <a:bodyPr/>
+          <a:lstStyle/>
+          <a:p>
+            <a:pPr algn="ctr"/>
+            <a:r>
+              <a:rPr lang="en-US" b="1" dirty="0"/>
+              <a:t>College Admissions Tests</a:t>
+            </a:r>
+          </a:p>
+        </p:txBody>
+      </p:sp>
+      <p:sp>
+        <p:nvSpPr>
+          <p:cNvPr id="3" name="Content Placeholder 2">
+            <a:extLst>
+              <a:ext uri="{FF2B5EF4-FFF2-40B4-BE49-F238E27FC236}">
+                <a16:creationId xmlns:a16="http://schemas.microsoft.com/office/drawing/2014/main" id="{5C36CCC9-DED2-45E9-BD54-EBC2B8745B77}"/>
+              </a:ext>
+            </a:extLst>
+          </p:cNvPr>
+          <p:cNvSpPr>
+            <a:spLocks noGrp="1"/>
+          </p:cNvSpPr>
+          <p:nvPr>
+            <p:ph idx="1"/>
+          </p:nvPr>
+        </p:nvSpPr>
+        <p:spPr>
+          <a:xfrm>
+            <a:off x="0" y="1020624"/>
+            <a:ext cx="7111014" cy="5661587"/>
           </a:xfrm>
         </p:spPr>
         <p:txBody>
           <a:bodyPr>
-            <a:normAutofit fontScale="90000"/>
+            <a:normAutofit fontScale="47500" lnSpcReduction="20000"/>
           </a:bodyPr>
           <a:lstStyle/>
           <a:p>
-            <a:pPr algn="ctr"/>
-            <a:r>
-              <a:rPr lang="en-US" sz="5400" b="1" dirty="0"/>
-              <a:t>Aim of the Project/Product I Want to Provide:</a:t>
-            </a:r>
-            <a:br>
-              <a:rPr lang="en-US" b="1" dirty="0"/>
-            </a:br>
-            <a:endParaRPr lang="en-US" b="1" dirty="0"/>
-          </a:p>
-        </p:txBody>
-      </p:sp>
-      <p:sp>
-        <p:nvSpPr>
-          <p:cNvPr id="3" name="Content Placeholder 2">
-            <a:extLst>
-              <a:ext uri="{FF2B5EF4-FFF2-40B4-BE49-F238E27FC236}">
-                <a16:creationId xmlns:a16="http://schemas.microsoft.com/office/drawing/2014/main" id="{0DAB6C2A-A6E0-4444-B009-73C45BFDABA7}"/>
-              </a:ext>
-            </a:extLst>
-          </p:cNvPr>
-          <p:cNvSpPr>
-            <a:spLocks noGrp="1"/>
-          </p:cNvSpPr>
-          <p:nvPr>
-            <p:ph idx="1"/>
-          </p:nvPr>
-        </p:nvSpPr>
-        <p:spPr>
-          <a:xfrm>
-            <a:off x="352927" y="1479884"/>
-            <a:ext cx="11161295" cy="5067381"/>
-          </a:xfrm>
-        </p:spPr>
-        <p:txBody>
-          <a:bodyPr>
-            <a:normAutofit/>
-          </a:bodyPr>
-          <a:lstStyle/>
-          <a:p>
+            <a:pPr marL="0" indent="0" algn="ctr">
+              <a:buNone/>
+            </a:pPr>
+            <a:endParaRPr lang="en-US" sz="3600" b="1" u="sng" dirty="0"/>
+          </a:p>
+          <a:p>
+            <a:pPr marL="0" indent="0" algn="ctr">
+              <a:buNone/>
+            </a:pPr>
+            <a:r>
+              <a:rPr lang="en-US" sz="5100" b="1" u="sng" dirty="0"/>
+              <a:t>SAT</a:t>
+            </a:r>
+            <a:endParaRPr lang="en-US" sz="5100" dirty="0"/>
+          </a:p>
+          <a:p>
+            <a:r>
+              <a:rPr lang="en-US" sz="5100" dirty="0"/>
+              <a:t>Highest Possible Score is a 1600</a:t>
+            </a:r>
+          </a:p>
+          <a:p>
+            <a:pPr marL="0" indent="0" algn="ctr">
+              <a:buNone/>
+            </a:pPr>
+            <a:endParaRPr lang="en-US" sz="5100" dirty="0"/>
+          </a:p>
+          <a:p>
+            <a:pPr marL="0" indent="0" algn="ctr">
+              <a:buNone/>
+            </a:pPr>
+            <a:r>
+              <a:rPr lang="en-US" sz="5100" dirty="0"/>
+              <a:t>SAT(Total) = Math (800) + Reading/Writing (800)</a:t>
+            </a:r>
+          </a:p>
+          <a:p>
+            <a:pPr marL="0" indent="0">
+              <a:buNone/>
+            </a:pPr>
+            <a:r>
+              <a:rPr lang="en-US" sz="5100" dirty="0"/>
+              <a:t>	</a:t>
+            </a:r>
+          </a:p>
+          <a:p>
+            <a:pPr marL="0" indent="0" algn="ctr">
+              <a:buNone/>
+            </a:pPr>
+            <a:endParaRPr lang="en-US" sz="5100" b="1" u="sng" dirty="0"/>
+          </a:p>
+          <a:p>
+            <a:pPr marL="0" indent="0" algn="ctr">
+              <a:buNone/>
+            </a:pPr>
+            <a:r>
+              <a:rPr lang="en-US" sz="5100" b="1" u="sng" dirty="0"/>
+              <a:t>ACT</a:t>
+            </a:r>
+          </a:p>
+          <a:p>
+            <a:r>
+              <a:rPr lang="en-US" sz="5100" dirty="0"/>
+              <a:t>Highest Possible Score is a 36</a:t>
+            </a:r>
+          </a:p>
+          <a:p>
+            <a:endParaRPr lang="en-US" sz="5100" dirty="0"/>
+          </a:p>
+          <a:p>
+            <a:pPr marL="0" indent="0" algn="ctr">
+              <a:buNone/>
+            </a:pPr>
+            <a:r>
+              <a:rPr lang="en-US" sz="5100" dirty="0"/>
+              <a:t>ACT (Composite) = </a:t>
+            </a:r>
+          </a:p>
+          <a:p>
+            <a:pPr marL="0" indent="0" algn="ctr">
+              <a:buNone/>
+            </a:pPr>
+            <a:r>
+              <a:rPr lang="en-US" sz="5100" dirty="0"/>
+              <a:t>(Math (36) + Reading (36) + English (36) + Science (36))</a:t>
+            </a:r>
+          </a:p>
+          <a:p>
+            <a:pPr marL="0" indent="0" algn="ctr">
+              <a:buNone/>
+            </a:pPr>
+            <a:r>
+              <a:rPr lang="en-US" sz="5100" dirty="0"/>
+              <a:t>/  4</a:t>
+            </a:r>
+          </a:p>
+          <a:p>
+            <a:pPr marL="0" indent="0">
+              <a:buNone/>
+            </a:pPr>
+            <a:endParaRPr lang="en-US" sz="2600" dirty="0"/>
+          </a:p>
+          <a:p>
+            <a:pPr marL="0" indent="0">
+              <a:buNone/>
+            </a:pPr>
             <a:r>
               <a:rPr lang="en-US" dirty="0"/>
-              <a:t>Through this project, I aimed to study the relationship between the percentage of college students who graduate within four years and the features of the school district they attended high school in. </a:t>
-            </a:r>
-          </a:p>
-          <a:p>
-            <a:pPr marL="0" indent="0">
-              <a:buNone/>
-            </a:pPr>
-            <a:endParaRPr lang="en-US" dirty="0"/>
-          </a:p>
-          <a:p>
-            <a:r>
-              <a:rPr lang="en-US" dirty="0"/>
-              <a:t>In order to achieve this goal, historical district features were collected for the high school classes of 2011 – 2017, along with the resulting percentage of students who were able to earn their college degree within four years. </a:t>
-            </a:r>
-          </a:p>
-          <a:p>
-            <a:pPr marL="0" indent="0">
-              <a:buNone/>
-            </a:pPr>
-            <a:endParaRPr lang="en-US" dirty="0"/>
-          </a:p>
-          <a:p>
-            <a:r>
-              <a:rPr lang="en-US" dirty="0"/>
-              <a:t>With the historical data in place, I then utilized machine learning to build a predictive model to estimate the target variable (“Graduated 4-Year (%)”)</a:t>
-            </a:r>
-          </a:p>
-          <a:p>
-            <a:pPr marL="0" indent="0">
-              <a:buNone/>
-            </a:pPr>
-            <a:endParaRPr lang="en-US" sz="3200" dirty="0"/>
-          </a:p>
-        </p:txBody>
-      </p:sp>
+              <a:t> </a:t>
+            </a:r>
+          </a:p>
+        </p:txBody>
+      </p:sp>
+      <p:pic>
+        <p:nvPicPr>
+          <p:cNvPr id="4" name="Picture 3">
+            <a:extLst>
+              <a:ext uri="{FF2B5EF4-FFF2-40B4-BE49-F238E27FC236}">
+                <a16:creationId xmlns:a16="http://schemas.microsoft.com/office/drawing/2014/main" id="{3FA2DA13-0A9E-42C3-B28A-73A8FF1591D6}"/>
+              </a:ext>
+            </a:extLst>
+          </p:cNvPr>
+          <p:cNvPicPr>
+            <a:picLocks noChangeAspect="1"/>
+          </p:cNvPicPr>
+          <p:nvPr/>
+        </p:nvPicPr>
+        <p:blipFill>
+          <a:blip r:embed="rId2"/>
+          <a:stretch>
+            <a:fillRect/>
+          </a:stretch>
+        </p:blipFill>
+        <p:spPr>
+          <a:xfrm>
+            <a:off x="7111014" y="1588559"/>
+            <a:ext cx="5080986" cy="4525715"/>
+          </a:xfrm>
+          <a:prstGeom prst="rect">
+            <a:avLst/>
+          </a:prstGeom>
+        </p:spPr>
+      </p:pic>
     </p:spTree>
     <p:extLst>
       <p:ext uri="{BB962C8B-B14F-4D97-AF65-F5344CB8AC3E}">
-        <p14:creationId xmlns:p14="http://schemas.microsoft.com/office/powerpoint/2010/main" val="1672466808"/>
+        <p14:creationId xmlns:p14="http://schemas.microsoft.com/office/powerpoint/2010/main" val="2040617450"/>
       </p:ext>
     </p:extLst>
   </p:cSld>
@@ -5210,7 +7112,7 @@
           <p:cNvPr id="2" name="Title 1">
             <a:extLst>
               <a:ext uri="{FF2B5EF4-FFF2-40B4-BE49-F238E27FC236}">
-                <a16:creationId xmlns:a16="http://schemas.microsoft.com/office/drawing/2014/main" id="{ABE6FA28-6183-4788-88EF-A7116446E205}"/>
+                <a16:creationId xmlns:a16="http://schemas.microsoft.com/office/drawing/2014/main" id="{1CE3BCB5-3A8D-4D52-9BB1-CD52C56B5D7B}"/>
               </a:ext>
             </a:extLst>
           </p:cNvPr>
@@ -5223,159 +7125,20 @@
         </p:nvSpPr>
         <p:spPr>
           <a:xfrm>
-            <a:off x="2540493" y="60170"/>
-            <a:ext cx="7111014" cy="744584"/>
-          </a:xfrm>
-        </p:spPr>
-        <p:txBody>
-          <a:bodyPr/>
+            <a:off x="71020" y="0"/>
+            <a:ext cx="7510509" cy="679948"/>
+          </a:xfrm>
+        </p:spPr>
+        <p:txBody>
+          <a:bodyPr>
+            <a:normAutofit fontScale="90000"/>
+          </a:bodyPr>
           <a:lstStyle/>
           <a:p>
             <a:pPr algn="ctr"/>
             <a:r>
               <a:rPr lang="en-US" b="1" dirty="0"/>
-              <a:t>College Admissions Tests</a:t>
-            </a:r>
-          </a:p>
-        </p:txBody>
-      </p:sp>
-      <p:sp>
-        <p:nvSpPr>
-          <p:cNvPr id="3" name="Content Placeholder 2">
-            <a:extLst>
-              <a:ext uri="{FF2B5EF4-FFF2-40B4-BE49-F238E27FC236}">
-                <a16:creationId xmlns:a16="http://schemas.microsoft.com/office/drawing/2014/main" id="{5C36CCC9-DED2-45E9-BD54-EBC2B8745B77}"/>
-              </a:ext>
-            </a:extLst>
-          </p:cNvPr>
-          <p:cNvSpPr>
-            <a:spLocks noGrp="1"/>
-          </p:cNvSpPr>
-          <p:nvPr>
-            <p:ph idx="1"/>
-          </p:nvPr>
-        </p:nvSpPr>
-        <p:spPr>
-          <a:xfrm>
-            <a:off x="0" y="1020624"/>
-            <a:ext cx="7111014" cy="5661587"/>
-          </a:xfrm>
-        </p:spPr>
-        <p:txBody>
-          <a:bodyPr>
-            <a:normAutofit fontScale="47500" lnSpcReduction="20000"/>
-          </a:bodyPr>
-          <a:lstStyle/>
-          <a:p>
-            <a:pPr marL="0" indent="0" algn="ctr">
-              <a:buNone/>
-            </a:pPr>
-            <a:endParaRPr lang="en-US" sz="3600" b="1" u="sng" dirty="0"/>
-          </a:p>
-          <a:p>
-            <a:pPr marL="0" indent="0" algn="ctr">
-              <a:buNone/>
-            </a:pPr>
-            <a:r>
-              <a:rPr lang="en-US" sz="5100" b="1" u="sng" dirty="0"/>
-              <a:t>SAT</a:t>
-            </a:r>
-            <a:endParaRPr lang="en-US" sz="5100" dirty="0"/>
-          </a:p>
-          <a:p>
-            <a:r>
-              <a:rPr lang="en-US" sz="5100" dirty="0"/>
-              <a:t>Highest Possible Score is a 1600</a:t>
-            </a:r>
-          </a:p>
-          <a:p>
-            <a:pPr marL="0" indent="0" algn="ctr">
-              <a:buNone/>
-            </a:pPr>
-            <a:endParaRPr lang="en-US" sz="5100" dirty="0"/>
-          </a:p>
-          <a:p>
-            <a:pPr marL="0" indent="0" algn="ctr">
-              <a:buNone/>
-            </a:pPr>
-            <a:r>
-              <a:rPr lang="en-US" sz="5100" dirty="0"/>
-              <a:t>SAT(Total) = Math (800) + Reading/Writing (800)</a:t>
-            </a:r>
-          </a:p>
-          <a:p>
-            <a:pPr marL="0" indent="0">
-              <a:buNone/>
-            </a:pPr>
-            <a:r>
-              <a:rPr lang="en-US" sz="5100" dirty="0"/>
-              <a:t>	</a:t>
-            </a:r>
-          </a:p>
-          <a:p>
-            <a:pPr marL="0" indent="0" algn="ctr">
-              <a:buNone/>
-            </a:pPr>
-            <a:endParaRPr lang="en-US" sz="5100" b="1" u="sng" dirty="0"/>
-          </a:p>
-          <a:p>
-            <a:pPr marL="0" indent="0" algn="ctr">
-              <a:buNone/>
-            </a:pPr>
-            <a:r>
-              <a:rPr lang="en-US" sz="5100" b="1" u="sng" dirty="0"/>
-              <a:t>ACT</a:t>
-            </a:r>
-          </a:p>
-          <a:p>
-            <a:r>
-              <a:rPr lang="en-US" sz="5100" dirty="0"/>
-              <a:t>Highest Possible Score is a 36</a:t>
-            </a:r>
-          </a:p>
-          <a:p>
-            <a:endParaRPr lang="en-US" sz="5100" dirty="0"/>
-          </a:p>
-          <a:p>
-            <a:pPr marL="0" indent="0" algn="ctr">
-              <a:buNone/>
-            </a:pPr>
-            <a:r>
-              <a:rPr lang="en-US" sz="5100" dirty="0"/>
-              <a:t>ACT (Composite) = </a:t>
-            </a:r>
-          </a:p>
-          <a:p>
-            <a:pPr marL="0" indent="0" algn="ctr">
-              <a:buNone/>
-            </a:pPr>
-            <a:r>
-              <a:rPr lang="en-US" sz="5100" dirty="0"/>
-              <a:t>(Math (36) + Reading (36) + English (36) + Science (36))</a:t>
-            </a:r>
-          </a:p>
-          <a:p>
-            <a:pPr marL="0" indent="0" algn="ctr">
-              <a:buNone/>
-            </a:pPr>
-            <a:r>
-              <a:rPr lang="en-US" sz="5100" dirty="0"/>
-              <a:t>/  4</a:t>
-            </a:r>
-          </a:p>
-          <a:p>
-            <a:pPr marL="0" indent="0">
-              <a:buNone/>
-            </a:pPr>
-            <a:endParaRPr lang="en-US" sz="2600" dirty="0"/>
-          </a:p>
-          <a:p>
-            <a:pPr marL="0" indent="0">
-              <a:buNone/>
-            </a:pPr>
-            <a:r>
-              <a:rPr lang="en-US" dirty="0"/>
-              <a:t> </a:t>
+              <a:t>AP Exams</a:t>
             </a:r>
           </a:p>
         </p:txBody>
@@ -5385,7 +7148,7 @@
           <p:cNvPr id="4" name="Picture 3">
             <a:extLst>
               <a:ext uri="{FF2B5EF4-FFF2-40B4-BE49-F238E27FC236}">
-                <a16:creationId xmlns:a16="http://schemas.microsoft.com/office/drawing/2014/main" id="{3FA2DA13-0A9E-42C3-B28A-73A8FF1591D6}"/>
+                <a16:creationId xmlns:a16="http://schemas.microsoft.com/office/drawing/2014/main" id="{EEBBA21F-F001-429E-BB4C-0B9D92E63A4D}"/>
               </a:ext>
             </a:extLst>
           </p:cNvPr>
@@ -5402,18 +7165,140 @@
         </p:blipFill>
         <p:spPr>
           <a:xfrm>
-            <a:off x="7111014" y="1588559"/>
-            <a:ext cx="5080986" cy="4525715"/>
+            <a:off x="7765001" y="86245"/>
+            <a:ext cx="4426997" cy="3615743"/>
           </a:xfrm>
           <a:prstGeom prst="rect">
             <a:avLst/>
           </a:prstGeom>
         </p:spPr>
       </p:pic>
+      <p:pic>
+        <p:nvPicPr>
+          <p:cNvPr id="5" name="Content Placeholder 4">
+            <a:extLst>
+              <a:ext uri="{FF2B5EF4-FFF2-40B4-BE49-F238E27FC236}">
+                <a16:creationId xmlns:a16="http://schemas.microsoft.com/office/drawing/2014/main" id="{E704507C-16BE-4A10-B6C0-4F7D695DBDF2}"/>
+              </a:ext>
+            </a:extLst>
+          </p:cNvPr>
+          <p:cNvPicPr>
+            <a:picLocks noGrp="1" noChangeAspect="1"/>
+          </p:cNvPicPr>
+          <p:nvPr>
+            <p:ph idx="1"/>
+          </p:nvPr>
+        </p:nvPicPr>
+        <p:blipFill>
+          <a:blip r:embed="rId3"/>
+          <a:stretch>
+            <a:fillRect/>
+          </a:stretch>
+        </p:blipFill>
+        <p:spPr>
+          <a:xfrm>
+            <a:off x="7765002" y="3701988"/>
+            <a:ext cx="4426998" cy="3156012"/>
+          </a:xfrm>
+          <a:prstGeom prst="rect">
+            <a:avLst/>
+          </a:prstGeom>
+        </p:spPr>
+      </p:pic>
+      <p:sp>
+        <p:nvSpPr>
+          <p:cNvPr id="6" name="TextBox 5">
+            <a:extLst>
+              <a:ext uri="{FF2B5EF4-FFF2-40B4-BE49-F238E27FC236}">
+                <a16:creationId xmlns:a16="http://schemas.microsoft.com/office/drawing/2014/main" id="{CD4591B6-94D0-477D-A091-6DDD9A84C394}"/>
+              </a:ext>
+            </a:extLst>
+          </p:cNvPr>
+          <p:cNvSpPr txBox="1"/>
+          <p:nvPr/>
+        </p:nvSpPr>
+        <p:spPr>
+          <a:xfrm>
+            <a:off x="211973" y="589731"/>
+            <a:ext cx="7228604" cy="6955750"/>
+          </a:xfrm>
+          <a:prstGeom prst="rect">
+            <a:avLst/>
+          </a:prstGeom>
+          <a:noFill/>
+        </p:spPr>
+        <p:txBody>
+          <a:bodyPr wrap="square" rtlCol="0">
+            <a:spAutoFit/>
+          </a:bodyPr>
+          <a:lstStyle/>
+          <a:p>
+            <a:pPr algn="ctr"/>
+            <a:r>
+              <a:rPr lang="en-US" sz="2400" b="1" i="1" dirty="0"/>
+              <a:t>At the end of the school year, students enrolled in AP classes have the chance to earn college credit through AP Exams!</a:t>
+            </a:r>
+          </a:p>
+          <a:p>
+            <a:endParaRPr lang="en-US" sz="2000" dirty="0"/>
+          </a:p>
+          <a:p>
+            <a:pPr marL="342900" indent="-342900">
+              <a:buFont typeface="Arial" panose="020B0604020202020204" pitchFamily="34" charset="0"/>
+              <a:buChar char="•"/>
+            </a:pPr>
+            <a:r>
+              <a:rPr lang="en-US" sz="2400" dirty="0"/>
+              <a:t>Most colleges nationwide offer college credit for qualifying AP exam scores. College courses can cost thousands of dollars, but if you take and pass an AP test, you’re only spending roughly $93.  </a:t>
+            </a:r>
+          </a:p>
+          <a:p>
+            <a:pPr marL="342900" indent="-342900" algn="ctr">
+              <a:buFont typeface="Arial" panose="020B0604020202020204" pitchFamily="34" charset="0"/>
+              <a:buChar char="•"/>
+            </a:pPr>
+            <a:endParaRPr lang="en-US" sz="2400" b="1" dirty="0"/>
+          </a:p>
+          <a:p>
+            <a:pPr marL="342900" indent="-342900">
+              <a:buFont typeface="Arial" panose="020B0604020202020204" pitchFamily="34" charset="0"/>
+              <a:buChar char="•"/>
+            </a:pPr>
+            <a:r>
+              <a:rPr lang="en-US" sz="2400" dirty="0"/>
+              <a:t>AP exams are scored from one to five, with five being the highest score. Colleges will accept a minimum exam score for it to transfer to college credit. </a:t>
+            </a:r>
+          </a:p>
+          <a:p>
+            <a:pPr marL="342900" indent="-342900">
+              <a:buFont typeface="Arial" panose="020B0604020202020204" pitchFamily="34" charset="0"/>
+              <a:buChar char="•"/>
+            </a:pPr>
+            <a:endParaRPr lang="en-US" sz="2400" dirty="0"/>
+          </a:p>
+          <a:p>
+            <a:pPr marL="342900" indent="-342900">
+              <a:buFont typeface="Arial" panose="020B0604020202020204" pitchFamily="34" charset="0"/>
+              <a:buChar char="•"/>
+            </a:pPr>
+            <a:r>
+              <a:rPr lang="en-US" sz="2400" dirty="0"/>
+              <a:t>For the purpose of this data analysis, we will use the benchmark score of a 3 (most colleges accept this score) as an indicator of how well students in a district test. </a:t>
+            </a:r>
+          </a:p>
+          <a:p>
+            <a:pPr algn="ctr"/>
+            <a:endParaRPr lang="en-US" sz="2400" b="1" dirty="0"/>
+          </a:p>
+          <a:p>
+            <a:endParaRPr lang="en-US" b="1" dirty="0"/>
+          </a:p>
+        </p:txBody>
+      </p:sp>
     </p:spTree>
     <p:extLst>
       <p:ext uri="{BB962C8B-B14F-4D97-AF65-F5344CB8AC3E}">
-        <p14:creationId xmlns:p14="http://schemas.microsoft.com/office/powerpoint/2010/main" val="2040617450"/>
+        <p14:creationId xmlns:p14="http://schemas.microsoft.com/office/powerpoint/2010/main" val="3093072349"/>
       </p:ext>
     </p:extLst>
   </p:cSld>
@@ -5445,7 +7330,7 @@
           <p:cNvPr id="2" name="Title 1">
             <a:extLst>
               <a:ext uri="{FF2B5EF4-FFF2-40B4-BE49-F238E27FC236}">
-                <a16:creationId xmlns:a16="http://schemas.microsoft.com/office/drawing/2014/main" id="{1CE3BCB5-3A8D-4D52-9BB1-CD52C56B5D7B}"/>
+                <a16:creationId xmlns:a16="http://schemas.microsoft.com/office/drawing/2014/main" id="{8671C1F8-9447-41D4-A49F-4F79826534A9}"/>
               </a:ext>
             </a:extLst>
           </p:cNvPr>
@@ -5458,20 +7343,25 @@
         </p:nvSpPr>
         <p:spPr>
           <a:xfrm>
-            <a:off x="71020" y="0"/>
-            <a:ext cx="7510509" cy="679948"/>
-          </a:xfrm>
-        </p:spPr>
-        <p:txBody>
-          <a:bodyPr>
-            <a:normAutofit fontScale="90000"/>
-          </a:bodyPr>
+            <a:off x="838200" y="0"/>
+            <a:ext cx="10515600" cy="1325563"/>
+          </a:xfrm>
+        </p:spPr>
+        <p:txBody>
+          <a:bodyPr/>
           <a:lstStyle/>
           <a:p>
             <a:pPr algn="ctr"/>
             <a:r>
               <a:rPr lang="en-US" b="1" dirty="0"/>
-              <a:t>AP Exams</a:t>
+              <a:t>Wealth Per Average Daily Attendance</a:t>
+            </a:r>
+            <a:br>
+              <a:rPr lang="en-US" b="1" dirty="0"/>
+            </a:br>
+            <a:r>
+              <a:rPr lang="en-US" b="1" dirty="0"/>
+              <a:t>(“Wealth/ADA”) </a:t>
             </a:r>
           </a:p>
         </p:txBody>
@@ -5481,7 +7371,7 @@
           <p:cNvPr id="4" name="Picture 3">
             <a:extLst>
               <a:ext uri="{FF2B5EF4-FFF2-40B4-BE49-F238E27FC236}">
-                <a16:creationId xmlns:a16="http://schemas.microsoft.com/office/drawing/2014/main" id="{EEBBA21F-F001-429E-BB4C-0B9D92E63A4D}"/>
+                <a16:creationId xmlns:a16="http://schemas.microsoft.com/office/drawing/2014/main" id="{D938823A-C22F-43B7-B667-4E0B31437DB8}"/>
               </a:ext>
             </a:extLst>
           </p:cNvPr>
@@ -5498,52 +7388,20 @@
         </p:blipFill>
         <p:spPr>
           <a:xfrm>
-            <a:off x="7765001" y="86245"/>
-            <a:ext cx="4426997" cy="3615743"/>
+            <a:off x="6096000" y="1876926"/>
+            <a:ext cx="5857748" cy="4090736"/>
           </a:xfrm>
           <a:prstGeom prst="rect">
             <a:avLst/>
           </a:prstGeom>
         </p:spPr>
       </p:pic>
-      <p:pic>
-        <p:nvPicPr>
-          <p:cNvPr id="5" name="Content Placeholder 4">
-            <a:extLst>
-              <a:ext uri="{FF2B5EF4-FFF2-40B4-BE49-F238E27FC236}">
-                <a16:creationId xmlns:a16="http://schemas.microsoft.com/office/drawing/2014/main" id="{E704507C-16BE-4A10-B6C0-4F7D695DBDF2}"/>
-              </a:ext>
-            </a:extLst>
-          </p:cNvPr>
-          <p:cNvPicPr>
-            <a:picLocks noGrp="1" noChangeAspect="1"/>
-          </p:cNvPicPr>
-          <p:nvPr>
-            <p:ph idx="1"/>
-          </p:nvPr>
-        </p:nvPicPr>
-        <p:blipFill>
-          <a:blip r:embed="rId3"/>
-          <a:stretch>
-            <a:fillRect/>
-          </a:stretch>
-        </p:blipFill>
-        <p:spPr>
-          <a:xfrm>
-            <a:off x="7765002" y="3701988"/>
-            <a:ext cx="4426998" cy="3156012"/>
-          </a:xfrm>
-          <a:prstGeom prst="rect">
-            <a:avLst/>
-          </a:prstGeom>
-        </p:spPr>
-      </p:pic>
-      <p:sp>
-        <p:nvSpPr>
-          <p:cNvPr id="6" name="TextBox 5">
-            <a:extLst>
-              <a:ext uri="{FF2B5EF4-FFF2-40B4-BE49-F238E27FC236}">
-                <a16:creationId xmlns:a16="http://schemas.microsoft.com/office/drawing/2014/main" id="{CD4591B6-94D0-477D-A091-6DDD9A84C394}"/>
+      <p:sp>
+        <p:nvSpPr>
+          <p:cNvPr id="5" name="TextBox 4">
+            <a:extLst>
+              <a:ext uri="{FF2B5EF4-FFF2-40B4-BE49-F238E27FC236}">
+                <a16:creationId xmlns:a16="http://schemas.microsoft.com/office/drawing/2014/main" id="{A79499C9-512F-4BFD-8DC8-5B74C6B3B364}"/>
               </a:ext>
             </a:extLst>
           </p:cNvPr>
@@ -5552,8 +7410,8 @@
         </p:nvSpPr>
         <p:spPr>
           <a:xfrm>
-            <a:off x="211973" y="589731"/>
-            <a:ext cx="7228604" cy="6955750"/>
+            <a:off x="187746" y="1660136"/>
+            <a:ext cx="5568990" cy="4524315"/>
           </a:xfrm>
           <a:prstGeom prst="rect">
             <a:avLst/>
@@ -5566,72 +7424,44 @@
           </a:bodyPr>
           <a:lstStyle/>
           <a:p>
-            <a:pPr algn="ctr"/>
-            <a:r>
-              <a:rPr lang="en-US" sz="2400" b="1" i="1" dirty="0"/>
-              <a:t>At the end of the school year, students enrolled in AP classes have the chance to earn college credit through AP Exams!</a:t>
-            </a:r>
-          </a:p>
-          <a:p>
-            <a:endParaRPr lang="en-US" sz="2000" dirty="0"/>
-          </a:p>
-          <a:p>
-            <a:pPr marL="342900" indent="-342900">
+            <a:endParaRPr lang="en-US" dirty="0"/>
+          </a:p>
+          <a:p>
+            <a:pPr marL="457200" indent="-457200">
               <a:buFont typeface="Arial" panose="020B0604020202020204" pitchFamily="34" charset="0"/>
               <a:buChar char="•"/>
             </a:pPr>
             <a:r>
-              <a:rPr lang="en-US" sz="2400" dirty="0"/>
-              <a:t>Most colleges nationwide offer college credit for qualifying AP exam scores. College courses can cost thousands of dollars, but if you take and pass an AP test, you’re only spending roughly $93.  </a:t>
-            </a:r>
-          </a:p>
-          <a:p>
-            <a:pPr marL="342900" indent="-342900" algn="ctr">
+              <a:rPr lang="en-US" sz="2800" dirty="0"/>
+              <a:t>Wealth/ADA is simply the property value of each school district divided by its average daily attendance. </a:t>
+            </a:r>
+          </a:p>
+          <a:p>
+            <a:pPr marL="457200" indent="-457200">
               <a:buFont typeface="Arial" panose="020B0604020202020204" pitchFamily="34" charset="0"/>
               <a:buChar char="•"/>
             </a:pPr>
-            <a:endParaRPr lang="en-US" sz="2400" b="1" dirty="0"/>
-          </a:p>
-          <a:p>
-            <a:pPr marL="342900" indent="-342900">
+            <a:endParaRPr lang="en-US" sz="2800" dirty="0"/>
+          </a:p>
+          <a:p>
+            <a:pPr marL="457200" indent="-457200">
               <a:buFont typeface="Arial" panose="020B0604020202020204" pitchFamily="34" charset="0"/>
               <a:buChar char="•"/>
             </a:pPr>
             <a:r>
-              <a:rPr lang="en-US" sz="2400" dirty="0"/>
-              <a:t>AP exams are scored from one to five, with five being the highest score. Colleges will accept a minimum exam score for it to transfer to college credit. </a:t>
-            </a:r>
-          </a:p>
-          <a:p>
-            <a:pPr marL="342900" indent="-342900">
-              <a:buFont typeface="Arial" panose="020B0604020202020204" pitchFamily="34" charset="0"/>
-              <a:buChar char="•"/>
-            </a:pPr>
-            <a:endParaRPr lang="en-US" sz="2400" dirty="0"/>
-          </a:p>
-          <a:p>
-            <a:pPr marL="342900" indent="-342900">
-              <a:buFont typeface="Arial" panose="020B0604020202020204" pitchFamily="34" charset="0"/>
-              <a:buChar char="•"/>
-            </a:pPr>
-            <a:r>
-              <a:rPr lang="en-US" sz="2400" dirty="0"/>
-              <a:t>For the purpose of this data analysis, we will use the benchmark score of a 3 (most colleges accept this score) as an indicator of how well students in a district test. </a:t>
-            </a:r>
-          </a:p>
-          <a:p>
-            <a:pPr algn="ctr"/>
-            <a:endParaRPr lang="en-US" sz="2400" b="1" dirty="0"/>
-          </a:p>
-          <a:p>
-            <a:endParaRPr lang="en-US" b="1" dirty="0"/>
+              <a:rPr lang="en-US" sz="2800" dirty="0"/>
+              <a:t>The property value comes from the Texas state comptroller and is the basis for each school district’s local property tax collections.</a:t>
+            </a:r>
+          </a:p>
+          <a:p>
+            <a:endParaRPr lang="en-US" dirty="0"/>
           </a:p>
         </p:txBody>
       </p:sp>
     </p:spTree>
     <p:extLst>
       <p:ext uri="{BB962C8B-B14F-4D97-AF65-F5344CB8AC3E}">
-        <p14:creationId xmlns:p14="http://schemas.microsoft.com/office/powerpoint/2010/main" val="3093072349"/>
+        <p14:creationId xmlns:p14="http://schemas.microsoft.com/office/powerpoint/2010/main" val="4249155989"/>
       </p:ext>
     </p:extLst>
   </p:cSld>
@@ -5663,7 +7493,7 @@
           <p:cNvPr id="2" name="Title 1">
             <a:extLst>
               <a:ext uri="{FF2B5EF4-FFF2-40B4-BE49-F238E27FC236}">
-                <a16:creationId xmlns:a16="http://schemas.microsoft.com/office/drawing/2014/main" id="{8671C1F8-9447-41D4-A49F-4F79826534A9}"/>
+                <a16:creationId xmlns:a16="http://schemas.microsoft.com/office/drawing/2014/main" id="{611720B1-AAB1-4734-936E-6A7A6276F940}"/>
               </a:ext>
             </a:extLst>
           </p:cNvPr>
@@ -5676,25 +7506,20 @@
         </p:nvSpPr>
         <p:spPr>
           <a:xfrm>
-            <a:off x="838200" y="0"/>
-            <a:ext cx="10515600" cy="1325563"/>
-          </a:xfrm>
-        </p:spPr>
-        <p:txBody>
-          <a:bodyPr/>
+            <a:off x="838200" y="1"/>
+            <a:ext cx="10515600" cy="689810"/>
+          </a:xfrm>
+        </p:spPr>
+        <p:txBody>
+          <a:bodyPr>
+            <a:normAutofit/>
+          </a:bodyPr>
           <a:lstStyle/>
           <a:p>
             <a:pPr algn="ctr"/>
             <a:r>
-              <a:rPr lang="en-US" b="1" dirty="0"/>
-              <a:t>Wealth Per Average Daily Attendance</a:t>
-            </a:r>
-            <a:br>
-              <a:rPr lang="en-US" b="1" dirty="0"/>
-            </a:br>
-            <a:r>
-              <a:rPr lang="en-US" b="1" dirty="0"/>
-              <a:t>(“Wealth/ADA”) </a:t>
+              <a:rPr lang="en-US" sz="3600" b="1" dirty="0"/>
+              <a:t>Data Analysis: (SAT &amp; ACT)</a:t>
             </a:r>
           </a:p>
         </p:txBody>
@@ -5704,13 +7529,11 @@
           <p:cNvPr id="4" name="Picture 3">
             <a:extLst>
               <a:ext uri="{FF2B5EF4-FFF2-40B4-BE49-F238E27FC236}">
-                <a16:creationId xmlns:a16="http://schemas.microsoft.com/office/drawing/2014/main" id="{D938823A-C22F-43B7-B667-4E0B31437DB8}"/>
-              </a:ext>
-            </a:extLst>
-          </p:cNvPr>
-          <p:cNvPicPr>
-            <a:picLocks noChangeAspect="1"/>
-          </p:cNvPicPr>
+                <a16:creationId xmlns:a16="http://schemas.microsoft.com/office/drawing/2014/main" id="{527528D7-7935-4581-9A6A-C906F42188CB}"/>
+              </a:ext>
+            </a:extLst>
+          </p:cNvPr>
+          <p:cNvPicPr/>
           <p:nvPr/>
         </p:nvPicPr>
         <p:blipFill>
@@ -5721,20 +7544,48 @@
         </p:blipFill>
         <p:spPr>
           <a:xfrm>
-            <a:off x="5871411" y="2117559"/>
-            <a:ext cx="6146506" cy="4090736"/>
+            <a:off x="176462" y="689811"/>
+            <a:ext cx="12015538" cy="3128210"/>
           </a:xfrm>
           <a:prstGeom prst="rect">
             <a:avLst/>
           </a:prstGeom>
         </p:spPr>
       </p:pic>
-      <p:sp>
-        <p:nvSpPr>
-          <p:cNvPr id="5" name="TextBox 4">
-            <a:extLst>
-              <a:ext uri="{FF2B5EF4-FFF2-40B4-BE49-F238E27FC236}">
-                <a16:creationId xmlns:a16="http://schemas.microsoft.com/office/drawing/2014/main" id="{A79499C9-512F-4BFD-8DC8-5B74C6B3B364}"/>
+      <p:pic>
+        <p:nvPicPr>
+          <p:cNvPr id="5" name="Picture 4">
+            <a:extLst>
+              <a:ext uri="{FF2B5EF4-FFF2-40B4-BE49-F238E27FC236}">
+                <a16:creationId xmlns:a16="http://schemas.microsoft.com/office/drawing/2014/main" id="{0F164D4C-BFE3-4631-9432-BB586A478454}"/>
+              </a:ext>
+            </a:extLst>
+          </p:cNvPr>
+          <p:cNvPicPr/>
+          <p:nvPr/>
+        </p:nvPicPr>
+        <p:blipFill>
+          <a:blip r:embed="rId3"/>
+          <a:stretch>
+            <a:fillRect/>
+          </a:stretch>
+        </p:blipFill>
+        <p:spPr>
+          <a:xfrm>
+            <a:off x="176463" y="3818021"/>
+            <a:ext cx="12015536" cy="3039978"/>
+          </a:xfrm>
+          <a:prstGeom prst="rect">
+            <a:avLst/>
+          </a:prstGeom>
+        </p:spPr>
+      </p:pic>
+      <p:sp>
+        <p:nvSpPr>
+          <p:cNvPr id="8" name="TextBox 7">
+            <a:extLst>
+              <a:ext uri="{FF2B5EF4-FFF2-40B4-BE49-F238E27FC236}">
+                <a16:creationId xmlns:a16="http://schemas.microsoft.com/office/drawing/2014/main" id="{349BC8DB-8A1B-4878-93F2-27597ABB9182}"/>
               </a:ext>
             </a:extLst>
           </p:cNvPr>
@@ -5743,8 +7594,8 @@
         </p:nvSpPr>
         <p:spPr>
           <a:xfrm>
-            <a:off x="385011" y="1876926"/>
-            <a:ext cx="5181600" cy="3693319"/>
+            <a:off x="10395284" y="1138989"/>
+            <a:ext cx="1507958" cy="923330"/>
           </a:xfrm>
           <a:prstGeom prst="rect">
             <a:avLst/>
@@ -5757,48 +7608,60 @@
           </a:bodyPr>
           <a:lstStyle/>
           <a:p>
-            <a:endParaRPr lang="en-US" dirty="0"/>
-          </a:p>
-          <a:p>
+            <a:pPr algn="ctr"/>
             <a:r>
               <a:rPr lang="en-US" dirty="0"/>
-              <a:t>Wealth:</a:t>
-            </a:r>
-          </a:p>
-          <a:p>
-            <a:endParaRPr lang="en-US" dirty="0"/>
-          </a:p>
-          <a:p>
+              <a:t>District-Level Mean:</a:t>
+            </a:r>
+          </a:p>
+          <a:p>
+            <a:pPr algn="ctr"/>
             <a:r>
               <a:rPr lang="en-US" dirty="0"/>
-              <a:t>Property values of the homes that are zoned to a specific district </a:t>
-            </a:r>
-          </a:p>
-          <a:p>
-            <a:endParaRPr lang="en-US" dirty="0"/>
-          </a:p>
-          <a:p>
-            <a:endParaRPr lang="en-US" dirty="0"/>
-          </a:p>
-          <a:p>
-            <a:endParaRPr lang="en-US" dirty="0"/>
-          </a:p>
-          <a:p>
-            <a:endParaRPr lang="en-US" dirty="0"/>
-          </a:p>
-          <a:p>
+              <a:t>1052.8</a:t>
+            </a:r>
+          </a:p>
+        </p:txBody>
+      </p:sp>
+      <p:sp>
+        <p:nvSpPr>
+          <p:cNvPr id="9" name="TextBox 8">
+            <a:extLst>
+              <a:ext uri="{FF2B5EF4-FFF2-40B4-BE49-F238E27FC236}">
+                <a16:creationId xmlns:a16="http://schemas.microsoft.com/office/drawing/2014/main" id="{413B47DC-6C6B-47B1-8E10-6AE5CC056BFD}"/>
+              </a:ext>
+            </a:extLst>
+          </p:cNvPr>
+          <p:cNvSpPr txBox="1"/>
+          <p:nvPr/>
+        </p:nvSpPr>
+        <p:spPr>
+          <a:xfrm>
+            <a:off x="10395284" y="4312266"/>
+            <a:ext cx="1507958" cy="923330"/>
+          </a:xfrm>
+          <a:prstGeom prst="rect">
+            <a:avLst/>
+          </a:prstGeom>
+          <a:noFill/>
+        </p:spPr>
+        <p:txBody>
+          <a:bodyPr wrap="square" rtlCol="0">
+            <a:spAutoFit/>
+          </a:bodyPr>
+          <a:lstStyle/>
+          <a:p>
+            <a:pPr algn="ctr"/>
             <a:r>
               <a:rPr lang="en-US" dirty="0"/>
-              <a:t>Average Daily Attendance (“ADA”):</a:t>
-            </a:r>
-          </a:p>
-          <a:p>
-            <a:endParaRPr lang="en-US" dirty="0"/>
-          </a:p>
-          <a:p>
+              <a:t>District-Level Mean:</a:t>
+            </a:r>
+          </a:p>
+          <a:p>
+            <a:pPr algn="ctr"/>
             <a:r>
               <a:rPr lang="en-US" dirty="0"/>
-              <a:t>ADA = Sum of Attendance Counts / Days of Instruction</a:t>
+              <a:t>21.1</a:t>
             </a:r>
           </a:p>
         </p:txBody>
@@ -5806,7 +7669,7 @@
     </p:spTree>
     <p:extLst>
       <p:ext uri="{BB962C8B-B14F-4D97-AF65-F5344CB8AC3E}">
-        <p14:creationId xmlns:p14="http://schemas.microsoft.com/office/powerpoint/2010/main" val="4249155989"/>
+        <p14:creationId xmlns:p14="http://schemas.microsoft.com/office/powerpoint/2010/main" val="2426884512"/>
       </p:ext>
     </p:extLst>
   </p:cSld>

--- a/TexasDistrictForecast.pptx
+++ b/TexasDistrictForecast.pptx
@@ -283,7 +283,7 @@
           <a:p>
             <a:fld id="{D8A0F69C-4D49-4D49-989B-4887897EB134}" type="datetimeFigureOut">
               <a:rPr lang="en-US" smtClean="0"/>
-              <a:t>4/3/2020</a:t>
+              <a:t>4/5/2020</a:t>
             </a:fld>
             <a:endParaRPr lang="en-US"/>
           </a:p>
@@ -481,7 +481,7 @@
           <a:p>
             <a:fld id="{D8A0F69C-4D49-4D49-989B-4887897EB134}" type="datetimeFigureOut">
               <a:rPr lang="en-US" smtClean="0"/>
-              <a:t>4/3/2020</a:t>
+              <a:t>4/5/2020</a:t>
             </a:fld>
             <a:endParaRPr lang="en-US"/>
           </a:p>
@@ -689,7 +689,7 @@
           <a:p>
             <a:fld id="{D8A0F69C-4D49-4D49-989B-4887897EB134}" type="datetimeFigureOut">
               <a:rPr lang="en-US" smtClean="0"/>
-              <a:t>4/3/2020</a:t>
+              <a:t>4/5/2020</a:t>
             </a:fld>
             <a:endParaRPr lang="en-US"/>
           </a:p>
@@ -887,7 +887,7 @@
           <a:p>
             <a:fld id="{D8A0F69C-4D49-4D49-989B-4887897EB134}" type="datetimeFigureOut">
               <a:rPr lang="en-US" smtClean="0"/>
-              <a:t>4/3/2020</a:t>
+              <a:t>4/5/2020</a:t>
             </a:fld>
             <a:endParaRPr lang="en-US"/>
           </a:p>
@@ -1162,7 +1162,7 @@
           <a:p>
             <a:fld id="{D8A0F69C-4D49-4D49-989B-4887897EB134}" type="datetimeFigureOut">
               <a:rPr lang="en-US" smtClean="0"/>
-              <a:t>4/3/2020</a:t>
+              <a:t>4/5/2020</a:t>
             </a:fld>
             <a:endParaRPr lang="en-US"/>
           </a:p>
@@ -1427,7 +1427,7 @@
           <a:p>
             <a:fld id="{D8A0F69C-4D49-4D49-989B-4887897EB134}" type="datetimeFigureOut">
               <a:rPr lang="en-US" smtClean="0"/>
-              <a:t>4/3/2020</a:t>
+              <a:t>4/5/2020</a:t>
             </a:fld>
             <a:endParaRPr lang="en-US"/>
           </a:p>
@@ -1839,7 +1839,7 @@
           <a:p>
             <a:fld id="{D8A0F69C-4D49-4D49-989B-4887897EB134}" type="datetimeFigureOut">
               <a:rPr lang="en-US" smtClean="0"/>
-              <a:t>4/3/2020</a:t>
+              <a:t>4/5/2020</a:t>
             </a:fld>
             <a:endParaRPr lang="en-US"/>
           </a:p>
@@ -1980,7 +1980,7 @@
           <a:p>
             <a:fld id="{D8A0F69C-4D49-4D49-989B-4887897EB134}" type="datetimeFigureOut">
               <a:rPr lang="en-US" smtClean="0"/>
-              <a:t>4/3/2020</a:t>
+              <a:t>4/5/2020</a:t>
             </a:fld>
             <a:endParaRPr lang="en-US"/>
           </a:p>
@@ -2093,7 +2093,7 @@
           <a:p>
             <a:fld id="{D8A0F69C-4D49-4D49-989B-4887897EB134}" type="datetimeFigureOut">
               <a:rPr lang="en-US" smtClean="0"/>
-              <a:t>4/3/2020</a:t>
+              <a:t>4/5/2020</a:t>
             </a:fld>
             <a:endParaRPr lang="en-US"/>
           </a:p>
@@ -2404,7 +2404,7 @@
           <a:p>
             <a:fld id="{D8A0F69C-4D49-4D49-989B-4887897EB134}" type="datetimeFigureOut">
               <a:rPr lang="en-US" smtClean="0"/>
-              <a:t>4/3/2020</a:t>
+              <a:t>4/5/2020</a:t>
             </a:fld>
             <a:endParaRPr lang="en-US"/>
           </a:p>
@@ -2692,7 +2692,7 @@
           <a:p>
             <a:fld id="{D8A0F69C-4D49-4D49-989B-4887897EB134}" type="datetimeFigureOut">
               <a:rPr lang="en-US" smtClean="0"/>
-              <a:t>4/3/2020</a:t>
+              <a:t>4/5/2020</a:t>
             </a:fld>
             <a:endParaRPr lang="en-US"/>
           </a:p>
@@ -2933,7 +2933,7 @@
           <a:p>
             <a:fld id="{D8A0F69C-4D49-4D49-989B-4887897EB134}" type="datetimeFigureOut">
               <a:rPr lang="en-US" smtClean="0"/>
-              <a:t>4/3/2020</a:t>
+              <a:t>4/5/2020</a:t>
             </a:fld>
             <a:endParaRPr lang="en-US"/>
           </a:p>
@@ -5604,7 +5604,7 @@
           <a:p>
             <a:r>
               <a:rPr lang="en-US" sz="3200" dirty="0"/>
-              <a:t>Should data for students who were able to graduate within four years from a specific Texas college (Ex: “University of Texas” / “Texas A&amp;M”) after graduating high school from a particular Texas school district come out, I could build a model for clients that already had that certain Texas college in mind for their child. </a:t>
+              <a:t>Should data come out for students who were able to graduate within four years from a specific Texas college (Ex: “University of Texas” / “Texas A&amp;M”) after graduating high school from a particular Texas school district, I could build a model for clients that already have that certain Texas college in mind for their child. </a:t>
             </a:r>
           </a:p>
           <a:p>
@@ -6605,10 +6605,14 @@
           <a:p>
             <a:pPr algn="ctr"/>
             <a:r>
-              <a:rPr lang="en-US" sz="3600" b="1" i="1" dirty="0"/>
+              <a:rPr lang="en-US" sz="3200" b="1" i="1" dirty="0">
+                <a:latin typeface="+mn-lt"/>
+              </a:rPr>
               <a:t>“Which School Districts are Proven to Contain a Higher Percentage of its Graduates Earn a College Degree Within Four Years?” </a:t>
             </a:r>
-            <a:endParaRPr lang="en-US" sz="3600" dirty="0"/>
+            <a:endParaRPr lang="en-US" sz="3200" i="1" dirty="0">
+              <a:latin typeface="+mn-lt"/>
+            </a:endParaRPr>
           </a:p>
         </p:txBody>
       </p:sp>
